--- a/poster_images/poster.pptx
+++ b/poster_images/poster.pptx
@@ -8,7 +8,7 @@
     <p:sldId id="256" r:id="rId2"/>
   </p:sldIdLst>
   <p:sldSz cx="36576000" cy="29260800"/>
-  <p:notesSz cx="6858000" cy="9144000"/>
+  <p:notesSz cx="7315200" cy="9601200"/>
   <p:defaultTextStyle>
     <a:defPPr>
       <a:defRPr lang="en-US"/>
@@ -239,11 +239,11 @@
           <c:showBubbleSize val="0"/>
         </c:dLbls>
         <c:gapWidth val="150"/>
-        <c:axId val="114400256"/>
-        <c:axId val="114545024"/>
+        <c:axId val="93826432"/>
+        <c:axId val="44298240"/>
       </c:barChart>
       <c:catAx>
-        <c:axId val="114400256"/>
+        <c:axId val="93826432"/>
         <c:scaling>
           <c:orientation val="minMax"/>
         </c:scaling>
@@ -252,7 +252,7 @@
         <c:majorTickMark val="out"/>
         <c:minorTickMark val="none"/>
         <c:tickLblPos val="nextTo"/>
-        <c:crossAx val="114545024"/>
+        <c:crossAx val="44298240"/>
         <c:crosses val="autoZero"/>
         <c:auto val="1"/>
         <c:lblAlgn val="ctr"/>
@@ -260,7 +260,7 @@
         <c:noMultiLvlLbl val="0"/>
       </c:catAx>
       <c:valAx>
-        <c:axId val="114545024"/>
+        <c:axId val="44298240"/>
         <c:scaling>
           <c:orientation val="minMax"/>
         </c:scaling>
@@ -271,7 +271,7 @@
         <c:majorTickMark val="out"/>
         <c:minorTickMark val="none"/>
         <c:tickLblPos val="nextTo"/>
-        <c:crossAx val="114400256"/>
+        <c:crossAx val="93826432"/>
         <c:crosses val="autoZero"/>
         <c:crossBetween val="between"/>
       </c:valAx>
@@ -3369,11 +3369,35 @@
             </a:r>
             <a:r>
               <a:rPr lang="en-US" sz="4800" dirty="0" smtClean="0"/>
+              <a:t> (</a:t>
+            </a:r>
+            <a:r>
+              <a:rPr lang="en-US" sz="4800" dirty="0" err="1" smtClean="0"/>
+              <a:t>nfeltman</a:t>
+            </a:r>
+            <a:r>
+              <a:rPr lang="en-US" sz="4800" dirty="0" smtClean="0"/>
+              <a:t>)</a:t>
+            </a:r>
+            <a:r>
+              <a:rPr lang="en-US" sz="4800" dirty="0" smtClean="0"/>
               <a:t>		Alex </a:t>
             </a:r>
             <a:r>
               <a:rPr lang="en-US" sz="4800" dirty="0" err="1" smtClean="0"/>
               <a:t>Beutel</a:t>
+            </a:r>
+            <a:r>
+              <a:rPr lang="en-US" sz="4800" dirty="0" smtClean="0"/>
+              <a:t> (</a:t>
+            </a:r>
+            <a:r>
+              <a:rPr lang="en-US" sz="4800" dirty="0" err="1" smtClean="0"/>
+              <a:t>abeutel</a:t>
+            </a:r>
+            <a:r>
+              <a:rPr lang="en-US" sz="4800" dirty="0" smtClean="0"/>
+              <a:t>)</a:t>
             </a:r>
             <a:endParaRPr lang="en-US" sz="4800" dirty="0"/>
           </a:p>
@@ -3442,7 +3466,7 @@
           <p:spPr>
             <a:xfrm>
               <a:off x="647700" y="9949076"/>
-              <a:ext cx="16878300" cy="2477791"/>
+              <a:ext cx="16878300" cy="2271309"/>
             </a:xfrm>
             <a:prstGeom prst="roundRect">
               <a:avLst>
@@ -3531,7 +3555,7 @@
         <p:grpSpPr>
           <a:xfrm>
             <a:off x="18516600" y="9601200"/>
-            <a:ext cx="17602200" cy="19278600"/>
+            <a:ext cx="17602200" cy="17830800"/>
             <a:chOff x="381000" y="9677400"/>
             <a:chExt cx="17449800" cy="19278600"/>
           </a:xfrm>
@@ -3678,7 +3702,7 @@
           </a:xfrm>
           <a:prstGeom prst="roundRect">
             <a:avLst>
-              <a:gd name="adj" fmla="val 17709"/>
+              <a:gd name="adj" fmla="val 11827"/>
             </a:avLst>
           </a:prstGeom>
         </p:spPr>
@@ -3715,7 +3739,7 @@
             </p:nvSpPr>
             <p:spPr>
               <a:xfrm>
-                <a:off x="1934606" y="23480027"/>
+                <a:off x="1563619" y="23289287"/>
                 <a:ext cx="7365818" cy="2428935"/>
               </a:xfrm>
               <a:prstGeom prst="rect">
@@ -3729,6 +3753,7 @@
               </a:bodyPr>
               <a:lstStyle/>
               <a:p>
+                <a:pPr/>
                 <a14:m>
                   <m:oMathPara xmlns:m="http://schemas.openxmlformats.org/officeDocument/2006/math">
                     <m:oMathParaPr>
@@ -3883,7 +3908,7 @@
             </p:nvSpPr>
             <p:spPr>
               <a:xfrm>
-                <a:off x="1934606" y="23480027"/>
+                <a:off x="1563619" y="23289287"/>
                 <a:ext cx="7365818" cy="2428935"/>
               </a:xfrm>
               <a:prstGeom prst="rect">
@@ -3919,8 +3944,8 @@
         </p:nvSpPr>
         <p:spPr>
           <a:xfrm>
-            <a:off x="1619766" y="15915382"/>
-            <a:ext cx="15068034" cy="1077218"/>
+            <a:off x="1546231" y="15839182"/>
+            <a:ext cx="15853445" cy="1077218"/>
           </a:xfrm>
           <a:prstGeom prst="rect">
             <a:avLst/>
@@ -3955,8 +3980,8 @@
         </p:nvSpPr>
         <p:spPr>
           <a:xfrm>
-            <a:off x="1563619" y="12948791"/>
-            <a:ext cx="13832193" cy="1077218"/>
+            <a:off x="1563619" y="12344400"/>
+            <a:ext cx="15836057" cy="1077218"/>
           </a:xfrm>
           <a:prstGeom prst="rect">
             <a:avLst/>
@@ -3970,8 +3995,12 @@
           <a:lstStyle/>
           <a:p>
             <a:r>
+              <a:rPr lang="en-US" sz="3200" b="1" dirty="0" smtClean="0"/>
+              <a:t>Task</a:t>
+            </a:r>
+            <a:r>
               <a:rPr lang="en-US" sz="3200" dirty="0" smtClean="0"/>
-              <a:t>Structure from motion: given traces of points under orthographic projection, reconstruct the structure of the scene and the location of the camera. </a:t>
+              <a:t> - Structure from motion: given traces of points under orthographic projection, reconstruct the structure of the scene and the location of the camera. </a:t>
             </a:r>
             <a:endParaRPr lang="en-US" sz="3200" dirty="0"/>
           </a:p>
@@ -3985,8 +4014,8 @@
         </p:nvGrpSpPr>
         <p:grpSpPr>
           <a:xfrm>
-            <a:off x="3467100" y="14249400"/>
-            <a:ext cx="11163300" cy="1511587"/>
+            <a:off x="1546231" y="13527362"/>
+            <a:ext cx="15853445" cy="2093638"/>
             <a:chOff x="3505200" y="14325599"/>
             <a:chExt cx="11163300" cy="1511587"/>
           </a:xfrm>
@@ -4037,8 +4066,8 @@
           </p:nvSpPr>
           <p:spPr>
             <a:xfrm>
-              <a:off x="3811145" y="14543782"/>
-              <a:ext cx="5561455" cy="1077218"/>
+              <a:off x="3753544" y="14514753"/>
+              <a:ext cx="3259281" cy="1133280"/>
             </a:xfrm>
             <a:prstGeom prst="rect">
               <a:avLst/>
@@ -4051,6 +4080,7 @@
             </a:bodyPr>
             <a:lstStyle/>
             <a:p>
+              <a:pPr algn="ctr"/>
               <a:r>
                 <a:rPr lang="en-US" sz="3200" dirty="0" smtClean="0"/>
                 <a:t>A matrix of the points through time should be largely rank-3.</a:t>
@@ -4069,7 +4099,7 @@
               </p:nvSpPr>
               <p:spPr>
                 <a:xfrm>
-                  <a:off x="9296400" y="14509862"/>
+                  <a:off x="6110787" y="14650280"/>
                   <a:ext cx="5372100" cy="1111138"/>
                 </a:xfrm>
                 <a:prstGeom prst="rect">
@@ -4083,6 +4113,7 @@
                 </a:bodyPr>
                 <a:lstStyle/>
                 <a:p>
+                  <a:pPr/>
                   <a14:m>
                     <m:oMathPara xmlns:m="http://schemas.openxmlformats.org/officeDocument/2006/math">
                       <m:oMathParaPr>
@@ -4340,7 +4371,7 @@
               </p:nvSpPr>
               <p:spPr>
                 <a:xfrm>
-                  <a:off x="9296400" y="14509862"/>
+                  <a:off x="6110787" y="14650280"/>
                   <a:ext cx="5372100" cy="1111138"/>
                 </a:xfrm>
                 <a:prstGeom prst="rect">
@@ -4377,8 +4408,8 @@
         </p:nvGrpSpPr>
         <p:grpSpPr>
           <a:xfrm>
-            <a:off x="9237642" y="17202243"/>
-            <a:ext cx="8103276" cy="5501638"/>
+            <a:off x="9258300" y="17068800"/>
+            <a:ext cx="8141376" cy="5501638"/>
             <a:chOff x="2209286" y="19718488"/>
             <a:chExt cx="12295034" cy="8347593"/>
           </a:xfrm>
@@ -4548,7 +4579,7 @@
         </p:nvSpPr>
         <p:spPr>
           <a:xfrm>
-            <a:off x="20455012" y="12948791"/>
+            <a:off x="20455012" y="12410182"/>
             <a:ext cx="13832193" cy="1077218"/>
           </a:xfrm>
           <a:prstGeom prst="rect">
@@ -4563,779 +4594,67 @@
           <a:lstStyle/>
           <a:p>
             <a:r>
+              <a:rPr lang="en-US" sz="3200" b="1" dirty="0" smtClean="0"/>
+              <a:t>Task</a:t>
+            </a:r>
+            <a:r>
               <a:rPr lang="en-US" sz="3200" dirty="0" smtClean="0"/>
-              <a:t>Robust movement isolation: given shaky video of a moving object, separate the camera motion from scene motion. </a:t>
+              <a:t> - Robust movement isolation: given shaky video of a moving object, separate the camera motion from scene motion. </a:t>
             </a:r>
             <a:endParaRPr lang="en-US" sz="3200" dirty="0"/>
           </a:p>
         </p:txBody>
       </p:sp>
-      <p:grpSp>
-        <p:nvGrpSpPr>
-          <p:cNvPr id="48" name="Group 47"/>
-          <p:cNvGrpSpPr/>
+      <p:sp>
+        <p:nvSpPr>
+          <p:cNvPr id="44" name="Rectangle 43"/>
+          <p:cNvSpPr/>
           <p:nvPr/>
-        </p:nvGrpSpPr>
-        <p:grpSpPr>
+        </p:nvSpPr>
+        <p:spPr>
           <a:xfrm>
-            <a:off x="22764917" y="3962400"/>
-            <a:ext cx="11982283" cy="5029200"/>
-            <a:chOff x="20878799" y="4105780"/>
-            <a:chExt cx="11982283" cy="5029200"/>
+            <a:off x="1219200" y="3988004"/>
+            <a:ext cx="34146791" cy="5155996"/>
           </a:xfrm>
-        </p:grpSpPr>
-        <p:sp>
-          <p:nvSpPr>
-            <p:cNvPr id="44" name="Rectangle 43"/>
-            <p:cNvSpPr/>
-            <p:nvPr/>
-          </p:nvSpPr>
-          <p:spPr>
-            <a:xfrm>
-              <a:off x="20878799" y="4105780"/>
-              <a:ext cx="11982283" cy="5029200"/>
-            </a:xfrm>
-            <a:prstGeom prst="rect">
-              <a:avLst/>
-            </a:prstGeom>
-          </p:spPr>
-          <p:style>
-            <a:lnRef idx="1">
-              <a:schemeClr val="dk1"/>
-            </a:lnRef>
-            <a:fillRef idx="2">
-              <a:schemeClr val="dk1"/>
-            </a:fillRef>
-            <a:effectRef idx="1">
-              <a:schemeClr val="dk1"/>
-            </a:effectRef>
-            <a:fontRef idx="minor">
-              <a:schemeClr val="dk1"/>
-            </a:fontRef>
-          </p:style>
-          <p:txBody>
-            <a:bodyPr rtlCol="0" anchor="ctr"/>
-            <a:lstStyle/>
-            <a:p>
-              <a:pPr algn="ctr"/>
-              <a:endParaRPr lang="en-US"/>
-            </a:p>
-          </p:txBody>
-        </p:sp>
-        <p:grpSp>
-          <p:nvGrpSpPr>
-            <p:cNvPr id="36" name="Group 35"/>
-            <p:cNvGrpSpPr/>
-            <p:nvPr/>
-          </p:nvGrpSpPr>
-          <p:grpSpPr>
-            <a:xfrm>
-              <a:off x="21183600" y="4328329"/>
-              <a:ext cx="11353800" cy="4578051"/>
-              <a:chOff x="20802600" y="4258875"/>
-              <a:chExt cx="11353800" cy="4578051"/>
-            </a:xfrm>
-          </p:grpSpPr>
-          <mc:AlternateContent xmlns:mc="http://schemas.openxmlformats.org/markup-compatibility/2006">
-            <mc:Choice xmlns:a14="http://schemas.microsoft.com/office/drawing/2010/main" Requires="a14">
-              <p:sp>
-                <p:nvSpPr>
-                  <p:cNvPr id="28" name="Rectangle 27"/>
-                  <p:cNvSpPr/>
-                  <p:nvPr/>
-                </p:nvSpPr>
-                <p:spPr>
-                  <a:xfrm>
-                    <a:off x="20802600" y="4258875"/>
-                    <a:ext cx="5622828" cy="4578051"/>
-                  </a:xfrm>
-                  <a:prstGeom prst="rect">
-                    <a:avLst/>
-                  </a:prstGeom>
-                </p:spPr>
-                <p:style>
-                  <a:lnRef idx="1">
-                    <a:schemeClr val="accent2"/>
-                  </a:lnRef>
-                  <a:fillRef idx="2">
-                    <a:schemeClr val="accent2"/>
-                  </a:fillRef>
-                  <a:effectRef idx="1">
-                    <a:schemeClr val="accent2"/>
-                  </a:effectRef>
-                  <a:fontRef idx="minor">
-                    <a:schemeClr val="dk1"/>
-                  </a:fontRef>
-                </p:style>
-                <p:txBody>
-                  <a:bodyPr rtlCol="0" anchor="ctr"/>
-                  <a:lstStyle/>
-                  <a:p>
-                    <a:pPr algn="ctr"/>
-                    <a14:m>
-                      <m:oMathPara xmlns:m="http://schemas.openxmlformats.org/officeDocument/2006/math">
-                        <m:oMathParaPr>
-                          <m:jc m:val="centerGroup"/>
-                        </m:oMathParaPr>
-                        <m:oMath xmlns:m="http://schemas.openxmlformats.org/officeDocument/2006/math">
-                          <m:d>
-                            <m:dPr>
-                              <m:ctrlPr>
-                                <a:rPr lang="en-US" sz="3600" b="0" i="1" smtClean="0">
-                                  <a:latin typeface="Cambria Math" pitchFamily="18" charset="0"/>
-                                  <a:ea typeface="Cambria Math" pitchFamily="18" charset="0"/>
-                                </a:rPr>
-                              </m:ctrlPr>
-                            </m:dPr>
-                            <m:e>
-                              <m:m>
-                                <m:mPr>
-                                  <m:mcs>
-                                    <m:mc>
-                                      <m:mcPr>
-                                        <m:count m:val="1"/>
-                                        <m:mcJc m:val="center"/>
-                                      </m:mcPr>
-                                    </m:mc>
-                                  </m:mcs>
-                                  <m:ctrlPr>
-                                    <a:rPr lang="en-US" sz="3600" b="0" i="1" smtClean="0">
-                                      <a:latin typeface="Cambria Math" pitchFamily="18" charset="0"/>
-                                      <a:ea typeface="Cambria Math" pitchFamily="18" charset="0"/>
-                                    </a:rPr>
-                                  </m:ctrlPr>
-                                </m:mPr>
-                                <m:mr>
-                                  <m:e>
-                                    <m:acc>
-                                      <m:accPr>
-                                        <m:chr m:val="̇"/>
-                                        <m:ctrlPr>
-                                          <a:rPr lang="en-US" sz="3600" b="0" i="1" smtClean="0">
-                                            <a:latin typeface="Cambria Math" pitchFamily="18" charset="0"/>
-                                            <a:ea typeface="Cambria Math" pitchFamily="18" charset="0"/>
-                                          </a:rPr>
-                                        </m:ctrlPr>
-                                      </m:accPr>
-                                      <m:e>
-                                        <m:sSub>
-                                          <m:sSubPr>
-                                            <m:ctrlPr>
-                                              <a:rPr lang="en-US" sz="3600" b="0" i="1" smtClean="0">
-                                                <a:latin typeface="Cambria Math" pitchFamily="18" charset="0"/>
-                                                <a:ea typeface="Cambria Math" pitchFamily="18" charset="0"/>
-                                              </a:rPr>
-                                            </m:ctrlPr>
-                                          </m:sSubPr>
-                                          <m:e>
-                                            <m:r>
-                                              <a:rPr lang="en-US" sz="3600" b="0" i="1" smtClean="0">
-                                                <a:latin typeface="Cambria Math" pitchFamily="18" charset="0"/>
-                                                <a:ea typeface="Cambria Math" pitchFamily="18" charset="0"/>
-                                              </a:rPr>
-                                              <m:t>𝑋</m:t>
-                                            </m:r>
-                                          </m:e>
-                                          <m:sub>
-                                            <m:r>
-                                              <a:rPr lang="en-US" sz="3600" b="0" i="1" smtClean="0">
-                                                <a:latin typeface="Cambria Math" pitchFamily="18" charset="0"/>
-                                                <a:ea typeface="Cambria Math" pitchFamily="18" charset="0"/>
-                                              </a:rPr>
-                                              <m:t>1</m:t>
-                                            </m:r>
-                                          </m:sub>
-                                        </m:sSub>
-                                      </m:e>
-                                    </m:acc>
-                                  </m:e>
-                                </m:mr>
-                                <m:mr>
-                                  <m:e>
-                                    <m:acc>
-                                      <m:accPr>
-                                        <m:chr m:val="̇"/>
-                                        <m:ctrlPr>
-                                          <a:rPr lang="en-US" sz="3600" b="0" i="1" smtClean="0">
-                                            <a:latin typeface="Cambria Math" pitchFamily="18" charset="0"/>
-                                            <a:ea typeface="Cambria Math" pitchFamily="18" charset="0"/>
-                                          </a:rPr>
-                                        </m:ctrlPr>
-                                      </m:accPr>
-                                      <m:e>
-                                        <m:sSub>
-                                          <m:sSubPr>
-                                            <m:ctrlPr>
-                                              <a:rPr lang="en-US" sz="3600" b="0" i="1" smtClean="0">
-                                                <a:latin typeface="Cambria Math" pitchFamily="18" charset="0"/>
-                                                <a:ea typeface="Cambria Math" pitchFamily="18" charset="0"/>
-                                              </a:rPr>
-                                            </m:ctrlPr>
-                                          </m:sSubPr>
-                                          <m:e>
-                                            <m:r>
-                                              <a:rPr lang="en-US" sz="3600" b="0" i="1" smtClean="0">
-                                                <a:latin typeface="Cambria Math" pitchFamily="18" charset="0"/>
-                                                <a:ea typeface="Cambria Math" pitchFamily="18" charset="0"/>
-                                              </a:rPr>
-                                              <m:t>𝑌</m:t>
-                                            </m:r>
-                                          </m:e>
-                                          <m:sub>
-                                            <m:r>
-                                              <a:rPr lang="en-US" sz="3600" b="0" i="1" smtClean="0">
-                                                <a:latin typeface="Cambria Math" pitchFamily="18" charset="0"/>
-                                                <a:ea typeface="Cambria Math" pitchFamily="18" charset="0"/>
-                                              </a:rPr>
-                                              <m:t>1</m:t>
-                                            </m:r>
-                                          </m:sub>
-                                        </m:sSub>
-                                      </m:e>
-                                    </m:acc>
-                                  </m:e>
-                                </m:mr>
-                              </m:m>
-                            </m:e>
-                          </m:d>
-                          <m:r>
-                            <a:rPr lang="en-US" sz="3600" b="0" i="1" smtClean="0">
-                              <a:latin typeface="Cambria Math" pitchFamily="18" charset="0"/>
-                              <a:ea typeface="Cambria Math" pitchFamily="18" charset="0"/>
-                            </a:rPr>
-                            <m:t>⋯</m:t>
-                          </m:r>
-                          <m:d>
-                            <m:dPr>
-                              <m:ctrlPr>
-                                <a:rPr lang="en-US" sz="3600" b="0" i="1" smtClean="0">
-                                  <a:latin typeface="Cambria Math" pitchFamily="18" charset="0"/>
-                                  <a:ea typeface="Cambria Math" pitchFamily="18" charset="0"/>
-                                </a:rPr>
-                              </m:ctrlPr>
-                            </m:dPr>
-                            <m:e>
-                              <m:m>
-                                <m:mPr>
-                                  <m:mcs>
-                                    <m:mc>
-                                      <m:mcPr>
-                                        <m:count m:val="1"/>
-                                        <m:mcJc m:val="center"/>
-                                      </m:mcPr>
-                                    </m:mc>
-                                  </m:mcs>
-                                  <m:ctrlPr>
-                                    <a:rPr lang="en-US" sz="3600" b="0" i="1" smtClean="0">
-                                      <a:latin typeface="Cambria Math" pitchFamily="18" charset="0"/>
-                                      <a:ea typeface="Cambria Math" pitchFamily="18" charset="0"/>
-                                    </a:rPr>
-                                  </m:ctrlPr>
-                                </m:mPr>
-                                <m:mr>
-                                  <m:e>
-                                    <m:acc>
-                                      <m:accPr>
-                                        <m:chr m:val="̇"/>
-                                        <m:ctrlPr>
-                                          <a:rPr lang="en-US" sz="3600" b="0" i="1" smtClean="0">
-                                            <a:latin typeface="Cambria Math" pitchFamily="18" charset="0"/>
-                                            <a:ea typeface="Cambria Math" pitchFamily="18" charset="0"/>
-                                          </a:rPr>
-                                        </m:ctrlPr>
-                                      </m:accPr>
-                                      <m:e>
-                                        <m:sSub>
-                                          <m:sSubPr>
-                                            <m:ctrlPr>
-                                              <a:rPr lang="en-US" sz="3600" b="0" i="1" smtClean="0">
-                                                <a:latin typeface="Cambria Math" pitchFamily="18" charset="0"/>
-                                                <a:ea typeface="Cambria Math" pitchFamily="18" charset="0"/>
-                                              </a:rPr>
-                                            </m:ctrlPr>
-                                          </m:sSubPr>
-                                          <m:e>
-                                            <m:r>
-                                              <a:rPr lang="en-US" sz="3600" b="0" i="1" smtClean="0">
-                                                <a:latin typeface="Cambria Math" pitchFamily="18" charset="0"/>
-                                                <a:ea typeface="Cambria Math" pitchFamily="18" charset="0"/>
-                                              </a:rPr>
-                                              <m:t>𝑋</m:t>
-                                            </m:r>
-                                          </m:e>
-                                          <m:sub>
-                                            <m:r>
-                                              <a:rPr lang="en-US" sz="3600" b="0" i="1" smtClean="0">
-                                                <a:latin typeface="Cambria Math" pitchFamily="18" charset="0"/>
-                                                <a:ea typeface="Cambria Math" pitchFamily="18" charset="0"/>
-                                              </a:rPr>
-                                              <m:t>𝑃</m:t>
-                                            </m:r>
-                                          </m:sub>
-                                        </m:sSub>
-                                      </m:e>
-                                    </m:acc>
-                                  </m:e>
-                                </m:mr>
-                                <m:mr>
-                                  <m:e>
-                                    <m:acc>
-                                      <m:accPr>
-                                        <m:chr m:val="̇"/>
-                                        <m:ctrlPr>
-                                          <a:rPr lang="en-US" sz="3600" b="0" i="1" smtClean="0">
-                                            <a:latin typeface="Cambria Math" pitchFamily="18" charset="0"/>
-                                            <a:ea typeface="Cambria Math" pitchFamily="18" charset="0"/>
-                                          </a:rPr>
-                                        </m:ctrlPr>
-                                      </m:accPr>
-                                      <m:e>
-                                        <m:sSub>
-                                          <m:sSubPr>
-                                            <m:ctrlPr>
-                                              <a:rPr lang="en-US" sz="3600" b="0" i="1" smtClean="0">
-                                                <a:latin typeface="Cambria Math" pitchFamily="18" charset="0"/>
-                                                <a:ea typeface="Cambria Math" pitchFamily="18" charset="0"/>
-                                              </a:rPr>
-                                            </m:ctrlPr>
-                                          </m:sSubPr>
-                                          <m:e>
-                                            <m:r>
-                                              <a:rPr lang="en-US" sz="3600" b="0" i="1" smtClean="0">
-                                                <a:latin typeface="Cambria Math" pitchFamily="18" charset="0"/>
-                                                <a:ea typeface="Cambria Math" pitchFamily="18" charset="0"/>
-                                              </a:rPr>
-                                              <m:t>𝑌</m:t>
-                                            </m:r>
-                                          </m:e>
-                                          <m:sub>
-                                            <m:r>
-                                              <a:rPr lang="en-US" sz="3600" b="0" i="1" smtClean="0">
-                                                <a:latin typeface="Cambria Math" pitchFamily="18" charset="0"/>
-                                                <a:ea typeface="Cambria Math" pitchFamily="18" charset="0"/>
-                                              </a:rPr>
-                                              <m:t>𝑃</m:t>
-                                            </m:r>
-                                          </m:sub>
-                                        </m:sSub>
-                                      </m:e>
-                                    </m:acc>
-                                  </m:e>
-                                </m:mr>
-                              </m:m>
-                            </m:e>
-                          </m:d>
-                        </m:oMath>
-                      </m:oMathPara>
-                    </a14:m>
-                    <a:endParaRPr lang="en-US" sz="3600" dirty="0">
-                      <a:latin typeface="Cambria Math" pitchFamily="18" charset="0"/>
-                      <a:ea typeface="Cambria Math" pitchFamily="18" charset="0"/>
-                    </a:endParaRPr>
-                  </a:p>
-                  <a:p>
-                    <a:pPr algn="ctr"/>
-                    <a:endParaRPr lang="en-US" sz="3600" b="0" i="1" dirty="0" smtClean="0">
-                      <a:latin typeface="Cambria Math" pitchFamily="18" charset="0"/>
-                      <a:ea typeface="Cambria Math" pitchFamily="18" charset="0"/>
-                    </a:endParaRPr>
-                  </a:p>
-                  <a:p>
-                    <a:pPr algn="ctr"/>
-                    <a14:m>
-                      <m:oMathPara xmlns:m="http://schemas.openxmlformats.org/officeDocument/2006/math">
-                        <m:oMathParaPr>
-                          <m:jc m:val="centerGroup"/>
-                        </m:oMathParaPr>
-                        <m:oMath xmlns:m="http://schemas.openxmlformats.org/officeDocument/2006/math">
-                          <m:acc>
-                            <m:accPr>
-                              <m:chr m:val="̇"/>
-                              <m:ctrlPr>
-                                <a:rPr lang="en-US" sz="3600" b="0" i="1" smtClean="0">
-                                  <a:latin typeface="Cambria Math" pitchFamily="18" charset="0"/>
-                                  <a:ea typeface="Cambria Math" pitchFamily="18" charset="0"/>
-                                </a:rPr>
-                              </m:ctrlPr>
-                            </m:accPr>
-                            <m:e>
-                              <m:sSub>
-                                <m:sSubPr>
-                                  <m:ctrlPr>
-                                    <a:rPr lang="en-US" sz="3600" b="0" i="1" smtClean="0">
-                                      <a:latin typeface="Cambria Math" pitchFamily="18" charset="0"/>
-                                      <a:ea typeface="Cambria Math" pitchFamily="18" charset="0"/>
-                                    </a:rPr>
-                                  </m:ctrlPr>
-                                </m:sSubPr>
-                                <m:e>
-                                  <m:r>
-                                    <a:rPr lang="en-US" sz="3600" b="0" i="1" smtClean="0">
-                                      <a:latin typeface="Cambria Math" pitchFamily="18" charset="0"/>
-                                      <a:ea typeface="Cambria Math" pitchFamily="18" charset="0"/>
-                                    </a:rPr>
-                                    <m:t>𝑋</m:t>
-                                  </m:r>
-                                </m:e>
-                                <m:sub>
-                                  <m:r>
-                                    <a:rPr lang="en-US" sz="3600" b="0" i="1" smtClean="0">
-                                      <a:latin typeface="Cambria Math" pitchFamily="18" charset="0"/>
-                                      <a:ea typeface="Cambria Math" pitchFamily="18" charset="0"/>
-                                    </a:rPr>
-                                    <m:t>𝑝</m:t>
-                                  </m:r>
-                                </m:sub>
-                              </m:sSub>
-                            </m:e>
-                          </m:acc>
-                          <m:r>
-                            <a:rPr lang="en-US" sz="3600" b="0" i="1" smtClean="0">
-                              <a:latin typeface="Cambria Math" pitchFamily="18" charset="0"/>
-                              <a:ea typeface="Cambria Math" pitchFamily="18" charset="0"/>
-                            </a:rPr>
-                            <m:t>=</m:t>
-                          </m:r>
-                          <m:d>
-                            <m:dPr>
-                              <m:ctrlPr>
-                                <a:rPr lang="en-US" sz="3600" b="0" i="1" smtClean="0">
-                                  <a:latin typeface="Cambria Math" pitchFamily="18" charset="0"/>
-                                  <a:ea typeface="Cambria Math" pitchFamily="18" charset="0"/>
-                                </a:rPr>
-                              </m:ctrlPr>
-                            </m:dPr>
-                            <m:e>
-                              <m:m>
-                                <m:mPr>
-                                  <m:mcs>
-                                    <m:mc>
-                                      <m:mcPr>
-                                        <m:count m:val="1"/>
-                                        <m:mcJc m:val="center"/>
-                                      </m:mcPr>
-                                    </m:mc>
-                                  </m:mcs>
-                                  <m:ctrlPr>
-                                    <a:rPr lang="en-US" sz="3600" b="0" i="1" smtClean="0">
-                                      <a:latin typeface="Cambria Math" pitchFamily="18" charset="0"/>
-                                      <a:ea typeface="Cambria Math" pitchFamily="18" charset="0"/>
-                                    </a:rPr>
-                                  </m:ctrlPr>
-                                </m:mPr>
-                                <m:mr>
-                                  <m:e>
-                                    <m:sSub>
-                                      <m:sSubPr>
-                                        <m:ctrlPr>
-                                          <a:rPr lang="en-US" sz="3600" b="0" i="1" smtClean="0">
-                                            <a:latin typeface="Cambria Math" pitchFamily="18" charset="0"/>
-                                            <a:ea typeface="Cambria Math" pitchFamily="18" charset="0"/>
-                                          </a:rPr>
-                                        </m:ctrlPr>
-                                      </m:sSubPr>
-                                      <m:e>
-                                        <m:r>
-                                          <a:rPr lang="en-US" sz="3600" b="0" i="1" smtClean="0">
-                                            <a:latin typeface="Cambria Math" pitchFamily="18" charset="0"/>
-                                            <a:ea typeface="Cambria Math" pitchFamily="18" charset="0"/>
-                                          </a:rPr>
-                                          <m:t>𝑥</m:t>
-                                        </m:r>
-                                      </m:e>
-                                      <m:sub>
-                                        <m:r>
-                                          <a:rPr lang="en-US" sz="3600" b="0" i="1" smtClean="0">
-                                            <a:latin typeface="Cambria Math" pitchFamily="18" charset="0"/>
-                                            <a:ea typeface="Cambria Math" pitchFamily="18" charset="0"/>
-                                          </a:rPr>
-                                          <m:t>𝑝</m:t>
-                                        </m:r>
-                                        <m:r>
-                                          <a:rPr lang="en-US" sz="3600" b="0" i="1" smtClean="0">
-                                            <a:latin typeface="Cambria Math" pitchFamily="18" charset="0"/>
-                                            <a:ea typeface="Cambria Math" pitchFamily="18" charset="0"/>
-                                          </a:rPr>
-                                          <m:t>,</m:t>
-                                        </m:r>
-                                        <m:r>
-                                          <a:rPr lang="en-US" sz="3600" b="0" i="1" smtClean="0">
-                                            <a:latin typeface="Cambria Math" pitchFamily="18" charset="0"/>
-                                            <a:ea typeface="Cambria Math" pitchFamily="18" charset="0"/>
-                                          </a:rPr>
-                                          <m:t>𝑡</m:t>
-                                        </m:r>
-                                        <m:r>
-                                          <a:rPr lang="en-US" sz="3600" b="0" i="1" smtClean="0">
-                                            <a:latin typeface="Cambria Math" pitchFamily="18" charset="0"/>
-                                            <a:ea typeface="Cambria Math" pitchFamily="18" charset="0"/>
-                                          </a:rPr>
-                                          <m:t>=2</m:t>
-                                        </m:r>
-                                      </m:sub>
-                                    </m:sSub>
-                                    <m:r>
-                                      <a:rPr lang="en-US" sz="3600" b="0" i="1" smtClean="0">
-                                        <a:latin typeface="Cambria Math" pitchFamily="18" charset="0"/>
-                                        <a:ea typeface="Cambria Math" pitchFamily="18" charset="0"/>
-                                      </a:rPr>
-                                      <m:t>−</m:t>
-                                    </m:r>
-                                    <m:sSub>
-                                      <m:sSubPr>
-                                        <m:ctrlPr>
-                                          <a:rPr lang="en-US" sz="3600" b="0" i="1" smtClean="0">
-                                            <a:latin typeface="Cambria Math" pitchFamily="18" charset="0"/>
-                                            <a:ea typeface="Cambria Math" pitchFamily="18" charset="0"/>
-                                          </a:rPr>
-                                        </m:ctrlPr>
-                                      </m:sSubPr>
-                                      <m:e>
-                                        <m:r>
-                                          <a:rPr lang="en-US" sz="3600" b="0" i="1" smtClean="0">
-                                            <a:latin typeface="Cambria Math" pitchFamily="18" charset="0"/>
-                                            <a:ea typeface="Cambria Math" pitchFamily="18" charset="0"/>
-                                          </a:rPr>
-                                          <m:t>𝑥</m:t>
-                                        </m:r>
-                                      </m:e>
-                                      <m:sub>
-                                        <m:r>
-                                          <a:rPr lang="en-US" sz="3600" b="0" i="1" smtClean="0">
-                                            <a:latin typeface="Cambria Math" pitchFamily="18" charset="0"/>
-                                            <a:ea typeface="Cambria Math" pitchFamily="18" charset="0"/>
-                                          </a:rPr>
-                                          <m:t>𝑝</m:t>
-                                        </m:r>
-                                        <m:r>
-                                          <a:rPr lang="en-US" sz="3600" b="0" i="1" smtClean="0">
-                                            <a:latin typeface="Cambria Math" pitchFamily="18" charset="0"/>
-                                            <a:ea typeface="Cambria Math" pitchFamily="18" charset="0"/>
-                                          </a:rPr>
-                                          <m:t>,</m:t>
-                                        </m:r>
-                                        <m:r>
-                                          <a:rPr lang="en-US" sz="3600" b="0" i="1" smtClean="0">
-                                            <a:latin typeface="Cambria Math" pitchFamily="18" charset="0"/>
-                                            <a:ea typeface="Cambria Math" pitchFamily="18" charset="0"/>
-                                          </a:rPr>
-                                          <m:t>𝑡</m:t>
-                                        </m:r>
-                                        <m:r>
-                                          <a:rPr lang="en-US" sz="3600" b="0" i="1" smtClean="0">
-                                            <a:latin typeface="Cambria Math" pitchFamily="18" charset="0"/>
-                                            <a:ea typeface="Cambria Math" pitchFamily="18" charset="0"/>
-                                          </a:rPr>
-                                          <m:t>=1</m:t>
-                                        </m:r>
-                                      </m:sub>
-                                    </m:sSub>
-                                  </m:e>
-                                </m:mr>
-                                <m:mr>
-                                  <m:e>
-                                    <m:r>
-                                      <a:rPr lang="en-US" sz="3600" b="0" i="1" smtClean="0">
-                                        <a:latin typeface="Cambria Math" pitchFamily="18" charset="0"/>
-                                        <a:ea typeface="Cambria Math" pitchFamily="18" charset="0"/>
-                                      </a:rPr>
-                                      <m:t>⋮</m:t>
-                                    </m:r>
-                                  </m:e>
-                                </m:mr>
-                                <m:mr>
-                                  <m:e>
-                                    <m:sSub>
-                                      <m:sSubPr>
-                                        <m:ctrlPr>
-                                          <a:rPr lang="en-US" sz="3600" b="0" i="1" smtClean="0">
-                                            <a:latin typeface="Cambria Math" pitchFamily="18" charset="0"/>
-                                            <a:ea typeface="Cambria Math" pitchFamily="18" charset="0"/>
-                                          </a:rPr>
-                                        </m:ctrlPr>
-                                      </m:sSubPr>
-                                      <m:e>
-                                        <m:r>
-                                          <a:rPr lang="en-US" sz="3600" b="0" i="1" smtClean="0">
-                                            <a:latin typeface="Cambria Math" pitchFamily="18" charset="0"/>
-                                            <a:ea typeface="Cambria Math" pitchFamily="18" charset="0"/>
-                                          </a:rPr>
-                                          <m:t>𝑥</m:t>
-                                        </m:r>
-                                      </m:e>
-                                      <m:sub>
-                                        <m:r>
-                                          <a:rPr lang="en-US" sz="3600" b="0" i="1" smtClean="0">
-                                            <a:latin typeface="Cambria Math" pitchFamily="18" charset="0"/>
-                                            <a:ea typeface="Cambria Math" pitchFamily="18" charset="0"/>
-                                          </a:rPr>
-                                          <m:t>𝑝</m:t>
-                                        </m:r>
-                                        <m:r>
-                                          <a:rPr lang="en-US" sz="3600" b="0" i="1" smtClean="0">
-                                            <a:latin typeface="Cambria Math" pitchFamily="18" charset="0"/>
-                                            <a:ea typeface="Cambria Math" pitchFamily="18" charset="0"/>
-                                          </a:rPr>
-                                          <m:t>,</m:t>
-                                        </m:r>
-                                        <m:r>
-                                          <a:rPr lang="en-US" sz="3600" b="0" i="1" smtClean="0">
-                                            <a:latin typeface="Cambria Math" pitchFamily="18" charset="0"/>
-                                            <a:ea typeface="Cambria Math" pitchFamily="18" charset="0"/>
-                                          </a:rPr>
-                                          <m:t>𝑡</m:t>
-                                        </m:r>
-                                        <m:r>
-                                          <a:rPr lang="en-US" sz="3600" b="0" i="1" smtClean="0">
-                                            <a:latin typeface="Cambria Math" pitchFamily="18" charset="0"/>
-                                            <a:ea typeface="Cambria Math" pitchFamily="18" charset="0"/>
-                                          </a:rPr>
-                                          <m:t>=</m:t>
-                                        </m:r>
-                                        <m:r>
-                                          <a:rPr lang="en-US" sz="3600" b="0" i="1" smtClean="0">
-                                            <a:latin typeface="Cambria Math" pitchFamily="18" charset="0"/>
-                                            <a:ea typeface="Cambria Math" pitchFamily="18" charset="0"/>
-                                          </a:rPr>
-                                          <m:t>𝐹</m:t>
-                                        </m:r>
-                                      </m:sub>
-                                    </m:sSub>
-                                    <m:r>
-                                      <a:rPr lang="en-US" sz="3600" b="0" i="1" smtClean="0">
-                                        <a:latin typeface="Cambria Math" pitchFamily="18" charset="0"/>
-                                        <a:ea typeface="Cambria Math" pitchFamily="18" charset="0"/>
-                                      </a:rPr>
-                                      <m:t>−</m:t>
-                                    </m:r>
-                                    <m:sSub>
-                                      <m:sSubPr>
-                                        <m:ctrlPr>
-                                          <a:rPr lang="en-US" sz="3600" b="0" i="1" smtClean="0">
-                                            <a:latin typeface="Cambria Math" pitchFamily="18" charset="0"/>
-                                            <a:ea typeface="Cambria Math" pitchFamily="18" charset="0"/>
-                                          </a:rPr>
-                                        </m:ctrlPr>
-                                      </m:sSubPr>
-                                      <m:e>
-                                        <m:r>
-                                          <a:rPr lang="en-US" sz="3600" b="0" i="1" smtClean="0">
-                                            <a:latin typeface="Cambria Math" pitchFamily="18" charset="0"/>
-                                            <a:ea typeface="Cambria Math" pitchFamily="18" charset="0"/>
-                                          </a:rPr>
-                                          <m:t>𝑥</m:t>
-                                        </m:r>
-                                      </m:e>
-                                      <m:sub>
-                                        <m:r>
-                                          <a:rPr lang="en-US" sz="3600" b="0" i="1" smtClean="0">
-                                            <a:latin typeface="Cambria Math" pitchFamily="18" charset="0"/>
-                                            <a:ea typeface="Cambria Math" pitchFamily="18" charset="0"/>
-                                          </a:rPr>
-                                          <m:t>𝑝</m:t>
-                                        </m:r>
-                                        <m:r>
-                                          <a:rPr lang="en-US" sz="3600" b="0" i="1" smtClean="0">
-                                            <a:latin typeface="Cambria Math" pitchFamily="18" charset="0"/>
-                                            <a:ea typeface="Cambria Math" pitchFamily="18" charset="0"/>
-                                          </a:rPr>
-                                          <m:t>,</m:t>
-                                        </m:r>
-                                        <m:r>
-                                          <a:rPr lang="en-US" sz="3600" b="0" i="1" smtClean="0">
-                                            <a:latin typeface="Cambria Math" pitchFamily="18" charset="0"/>
-                                            <a:ea typeface="Cambria Math" pitchFamily="18" charset="0"/>
-                                          </a:rPr>
-                                          <m:t>𝑡</m:t>
-                                        </m:r>
-                                        <m:r>
-                                          <a:rPr lang="en-US" sz="3600" b="0" i="1" smtClean="0">
-                                            <a:latin typeface="Cambria Math" pitchFamily="18" charset="0"/>
-                                            <a:ea typeface="Cambria Math" pitchFamily="18" charset="0"/>
-                                          </a:rPr>
-                                          <m:t>=</m:t>
-                                        </m:r>
-                                        <m:r>
-                                          <a:rPr lang="en-US" sz="3600" b="0" i="1" smtClean="0">
-                                            <a:latin typeface="Cambria Math" pitchFamily="18" charset="0"/>
-                                            <a:ea typeface="Cambria Math" pitchFamily="18" charset="0"/>
-                                          </a:rPr>
-                                          <m:t>𝐹</m:t>
-                                        </m:r>
-                                        <m:r>
-                                          <a:rPr lang="en-US" sz="3600" b="0" i="1" smtClean="0">
-                                            <a:latin typeface="Cambria Math" pitchFamily="18" charset="0"/>
-                                            <a:ea typeface="Cambria Math" pitchFamily="18" charset="0"/>
-                                          </a:rPr>
-                                          <m:t>−1</m:t>
-                                        </m:r>
-                                      </m:sub>
-                                    </m:sSub>
-                                  </m:e>
-                                </m:mr>
-                              </m:m>
-                            </m:e>
-                          </m:d>
-                        </m:oMath>
-                      </m:oMathPara>
-                    </a14:m>
-                    <a:endParaRPr lang="en-US" sz="3600" dirty="0">
-                      <a:latin typeface="Cambria Math" pitchFamily="18" charset="0"/>
-                      <a:ea typeface="Cambria Math" pitchFamily="18" charset="0"/>
-                    </a:endParaRPr>
-                  </a:p>
-                </p:txBody>
-              </p:sp>
-            </mc:Choice>
-            <mc:Fallback>
-              <p:sp>
-                <p:nvSpPr>
-                  <p:cNvPr id="28" name="Rectangle 27"/>
-                  <p:cNvSpPr>
-                    <a:spLocks noRot="1" noChangeAspect="1" noMove="1" noResize="1" noEditPoints="1" noAdjustHandles="1" noChangeArrowheads="1" noChangeShapeType="1" noTextEdit="1"/>
-                  </p:cNvSpPr>
-                  <p:nvPr/>
-                </p:nvSpPr>
-                <p:spPr>
-                  <a:xfrm>
-                    <a:off x="20802600" y="4258875"/>
-                    <a:ext cx="5622828" cy="4578051"/>
-                  </a:xfrm>
-                  <a:prstGeom prst="rect">
-                    <a:avLst/>
-                  </a:prstGeom>
-                  <a:blipFill rotWithShape="1">
-                    <a:blip r:embed="rId7"/>
-                    <a:stretch>
-                      <a:fillRect/>
-                    </a:stretch>
-                  </a:blipFill>
-                </p:spPr>
-                <p:txBody>
-                  <a:bodyPr/>
-                  <a:lstStyle/>
-                  <a:p>
-                    <a:r>
-                      <a:rPr lang="en-US">
-                        <a:noFill/>
-                      </a:rPr>
-                      <a:t> </a:t>
-                    </a:r>
-                  </a:p>
-                </p:txBody>
-              </p:sp>
-            </mc:Fallback>
-          </mc:AlternateContent>
+          <a:prstGeom prst="rect">
+            <a:avLst/>
+          </a:prstGeom>
+        </p:spPr>
+        <p:style>
+          <a:lnRef idx="1">
+            <a:schemeClr val="dk1"/>
+          </a:lnRef>
+          <a:fillRef idx="2">
+            <a:schemeClr val="dk1"/>
+          </a:fillRef>
+          <a:effectRef idx="1">
+            <a:schemeClr val="dk1"/>
+          </a:effectRef>
+          <a:fontRef idx="minor">
+            <a:schemeClr val="dk1"/>
+          </a:fontRef>
+        </p:style>
+        <p:txBody>
+          <a:bodyPr rtlCol="0" anchor="ctr"/>
+          <a:lstStyle/>
+          <a:p>
+            <a:pPr algn="ctr"/>
+            <a:endParaRPr lang="en-US"/>
+          </a:p>
+        </p:txBody>
+      </p:sp>
+      <mc:AlternateContent xmlns:mc="http://schemas.openxmlformats.org/markup-compatibility/2006">
+        <mc:Choice xmlns:a14="http://schemas.microsoft.com/office/drawing/2010/main" Requires="a14">
           <p:sp>
             <p:nvSpPr>
-              <p:cNvPr id="30" name="Rectangle 29"/>
+              <p:cNvPr id="28" name="Rectangle 27"/>
               <p:cNvSpPr/>
               <p:nvPr/>
             </p:nvSpPr>
             <p:spPr>
               <a:xfrm>
-                <a:off x="26593800" y="5867400"/>
-                <a:ext cx="2895600" cy="811573"/>
+                <a:off x="20254232" y="4210553"/>
+                <a:ext cx="5622828" cy="4578051"/>
               </a:xfrm>
               <a:prstGeom prst="rect">
                 <a:avLst/>
@@ -5360,240 +4679,808 @@
               <a:lstStyle/>
               <a:p>
                 <a:pPr algn="ctr"/>
-                <a:r>
-                  <a:rPr lang="en-US" sz="3600" dirty="0" smtClean="0"/>
-                  <a:t>Train GMM</a:t>
-                </a:r>
-                <a:endParaRPr lang="en-US" sz="3600" dirty="0"/>
+                <a14:m>
+                  <m:oMathPara xmlns:m="http://schemas.openxmlformats.org/officeDocument/2006/math">
+                    <m:oMathParaPr>
+                      <m:jc m:val="centerGroup"/>
+                    </m:oMathParaPr>
+                    <m:oMath xmlns:m="http://schemas.openxmlformats.org/officeDocument/2006/math">
+                      <m:d>
+                        <m:dPr>
+                          <m:ctrlPr>
+                            <a:rPr lang="en-US" sz="3600" b="0" i="1" smtClean="0">
+                              <a:latin typeface="Cambria Math"/>
+                              <a:ea typeface="Cambria Math" pitchFamily="18" charset="0"/>
+                            </a:rPr>
+                          </m:ctrlPr>
+                        </m:dPr>
+                        <m:e>
+                          <m:m>
+                            <m:mPr>
+                              <m:mcs>
+                                <m:mc>
+                                  <m:mcPr>
+                                    <m:count m:val="1"/>
+                                    <m:mcJc m:val="center"/>
+                                  </m:mcPr>
+                                </m:mc>
+                              </m:mcs>
+                              <m:ctrlPr>
+                                <a:rPr lang="en-US" sz="3600" b="0" i="1" smtClean="0">
+                                  <a:latin typeface="Cambria Math"/>
+                                  <a:ea typeface="Cambria Math" pitchFamily="18" charset="0"/>
+                                </a:rPr>
+                              </m:ctrlPr>
+                            </m:mPr>
+                            <m:mr>
+                              <m:e>
+                                <m:acc>
+                                  <m:accPr>
+                                    <m:chr m:val="̇"/>
+                                    <m:ctrlPr>
+                                      <a:rPr lang="en-US" sz="3600" b="0" i="1" smtClean="0">
+                                        <a:latin typeface="Cambria Math"/>
+                                        <a:ea typeface="Cambria Math" pitchFamily="18" charset="0"/>
+                                      </a:rPr>
+                                    </m:ctrlPr>
+                                  </m:accPr>
+                                  <m:e>
+                                    <m:sSub>
+                                      <m:sSubPr>
+                                        <m:ctrlPr>
+                                          <a:rPr lang="en-US" sz="3600" b="0" i="1" smtClean="0">
+                                            <a:latin typeface="Cambria Math"/>
+                                            <a:ea typeface="Cambria Math" pitchFamily="18" charset="0"/>
+                                          </a:rPr>
+                                        </m:ctrlPr>
+                                      </m:sSubPr>
+                                      <m:e>
+                                        <m:r>
+                                          <a:rPr lang="en-US" sz="3600" b="0" i="1" smtClean="0">
+                                            <a:latin typeface="Cambria Math" pitchFamily="18" charset="0"/>
+                                            <a:ea typeface="Cambria Math" pitchFamily="18" charset="0"/>
+                                          </a:rPr>
+                                          <m:t>𝑋</m:t>
+                                        </m:r>
+                                      </m:e>
+                                      <m:sub>
+                                        <m:r>
+                                          <a:rPr lang="en-US" sz="3600" b="0" i="1" smtClean="0">
+                                            <a:latin typeface="Cambria Math" pitchFamily="18" charset="0"/>
+                                            <a:ea typeface="Cambria Math" pitchFamily="18" charset="0"/>
+                                          </a:rPr>
+                                          <m:t>1</m:t>
+                                        </m:r>
+                                      </m:sub>
+                                    </m:sSub>
+                                  </m:e>
+                                </m:acc>
+                              </m:e>
+                            </m:mr>
+                            <m:mr>
+                              <m:e>
+                                <m:acc>
+                                  <m:accPr>
+                                    <m:chr m:val="̇"/>
+                                    <m:ctrlPr>
+                                      <a:rPr lang="en-US" sz="3600" b="0" i="1" smtClean="0">
+                                        <a:latin typeface="Cambria Math"/>
+                                        <a:ea typeface="Cambria Math" pitchFamily="18" charset="0"/>
+                                      </a:rPr>
+                                    </m:ctrlPr>
+                                  </m:accPr>
+                                  <m:e>
+                                    <m:sSub>
+                                      <m:sSubPr>
+                                        <m:ctrlPr>
+                                          <a:rPr lang="en-US" sz="3600" b="0" i="1" smtClean="0">
+                                            <a:latin typeface="Cambria Math"/>
+                                            <a:ea typeface="Cambria Math" pitchFamily="18" charset="0"/>
+                                          </a:rPr>
+                                        </m:ctrlPr>
+                                      </m:sSubPr>
+                                      <m:e>
+                                        <m:r>
+                                          <a:rPr lang="en-US" sz="3600" b="0" i="1" smtClean="0">
+                                            <a:latin typeface="Cambria Math" pitchFamily="18" charset="0"/>
+                                            <a:ea typeface="Cambria Math" pitchFamily="18" charset="0"/>
+                                          </a:rPr>
+                                          <m:t>𝑌</m:t>
+                                        </m:r>
+                                      </m:e>
+                                      <m:sub>
+                                        <m:r>
+                                          <a:rPr lang="en-US" sz="3600" b="0" i="1" smtClean="0">
+                                            <a:latin typeface="Cambria Math" pitchFamily="18" charset="0"/>
+                                            <a:ea typeface="Cambria Math" pitchFamily="18" charset="0"/>
+                                          </a:rPr>
+                                          <m:t>1</m:t>
+                                        </m:r>
+                                      </m:sub>
+                                    </m:sSub>
+                                  </m:e>
+                                </m:acc>
+                              </m:e>
+                            </m:mr>
+                          </m:m>
+                        </m:e>
+                      </m:d>
+                      <m:r>
+                        <a:rPr lang="en-US" sz="3600" b="0" i="1" smtClean="0">
+                          <a:latin typeface="Cambria Math" pitchFamily="18" charset="0"/>
+                          <a:ea typeface="Cambria Math" pitchFamily="18" charset="0"/>
+                        </a:rPr>
+                        <m:t>⋯</m:t>
+                      </m:r>
+                      <m:d>
+                        <m:dPr>
+                          <m:ctrlPr>
+                            <a:rPr lang="en-US" sz="3600" b="0" i="1" smtClean="0">
+                              <a:latin typeface="Cambria Math"/>
+                              <a:ea typeface="Cambria Math" pitchFamily="18" charset="0"/>
+                            </a:rPr>
+                          </m:ctrlPr>
+                        </m:dPr>
+                        <m:e>
+                          <m:m>
+                            <m:mPr>
+                              <m:mcs>
+                                <m:mc>
+                                  <m:mcPr>
+                                    <m:count m:val="1"/>
+                                    <m:mcJc m:val="center"/>
+                                  </m:mcPr>
+                                </m:mc>
+                              </m:mcs>
+                              <m:ctrlPr>
+                                <a:rPr lang="en-US" sz="3600" b="0" i="1" smtClean="0">
+                                  <a:latin typeface="Cambria Math"/>
+                                  <a:ea typeface="Cambria Math" pitchFamily="18" charset="0"/>
+                                </a:rPr>
+                              </m:ctrlPr>
+                            </m:mPr>
+                            <m:mr>
+                              <m:e>
+                                <m:acc>
+                                  <m:accPr>
+                                    <m:chr m:val="̇"/>
+                                    <m:ctrlPr>
+                                      <a:rPr lang="en-US" sz="3600" b="0" i="1" smtClean="0">
+                                        <a:latin typeface="Cambria Math"/>
+                                        <a:ea typeface="Cambria Math" pitchFamily="18" charset="0"/>
+                                      </a:rPr>
+                                    </m:ctrlPr>
+                                  </m:accPr>
+                                  <m:e>
+                                    <m:sSub>
+                                      <m:sSubPr>
+                                        <m:ctrlPr>
+                                          <a:rPr lang="en-US" sz="3600" b="0" i="1" smtClean="0">
+                                            <a:latin typeface="Cambria Math"/>
+                                            <a:ea typeface="Cambria Math" pitchFamily="18" charset="0"/>
+                                          </a:rPr>
+                                        </m:ctrlPr>
+                                      </m:sSubPr>
+                                      <m:e>
+                                        <m:r>
+                                          <a:rPr lang="en-US" sz="3600" b="0" i="1" smtClean="0">
+                                            <a:latin typeface="Cambria Math" pitchFamily="18" charset="0"/>
+                                            <a:ea typeface="Cambria Math" pitchFamily="18" charset="0"/>
+                                          </a:rPr>
+                                          <m:t>𝑋</m:t>
+                                        </m:r>
+                                      </m:e>
+                                      <m:sub>
+                                        <m:r>
+                                          <a:rPr lang="en-US" sz="3600" b="0" i="1" smtClean="0">
+                                            <a:latin typeface="Cambria Math" pitchFamily="18" charset="0"/>
+                                            <a:ea typeface="Cambria Math" pitchFamily="18" charset="0"/>
+                                          </a:rPr>
+                                          <m:t>𝑃</m:t>
+                                        </m:r>
+                                      </m:sub>
+                                    </m:sSub>
+                                  </m:e>
+                                </m:acc>
+                              </m:e>
+                            </m:mr>
+                            <m:mr>
+                              <m:e>
+                                <m:acc>
+                                  <m:accPr>
+                                    <m:chr m:val="̇"/>
+                                    <m:ctrlPr>
+                                      <a:rPr lang="en-US" sz="3600" b="0" i="1" smtClean="0">
+                                        <a:latin typeface="Cambria Math"/>
+                                        <a:ea typeface="Cambria Math" pitchFamily="18" charset="0"/>
+                                      </a:rPr>
+                                    </m:ctrlPr>
+                                  </m:accPr>
+                                  <m:e>
+                                    <m:sSub>
+                                      <m:sSubPr>
+                                        <m:ctrlPr>
+                                          <a:rPr lang="en-US" sz="3600" b="0" i="1" smtClean="0">
+                                            <a:latin typeface="Cambria Math"/>
+                                            <a:ea typeface="Cambria Math" pitchFamily="18" charset="0"/>
+                                          </a:rPr>
+                                        </m:ctrlPr>
+                                      </m:sSubPr>
+                                      <m:e>
+                                        <m:r>
+                                          <a:rPr lang="en-US" sz="3600" b="0" i="1" smtClean="0">
+                                            <a:latin typeface="Cambria Math" pitchFamily="18" charset="0"/>
+                                            <a:ea typeface="Cambria Math" pitchFamily="18" charset="0"/>
+                                          </a:rPr>
+                                          <m:t>𝑌</m:t>
+                                        </m:r>
+                                      </m:e>
+                                      <m:sub>
+                                        <m:r>
+                                          <a:rPr lang="en-US" sz="3600" b="0" i="1" smtClean="0">
+                                            <a:latin typeface="Cambria Math" pitchFamily="18" charset="0"/>
+                                            <a:ea typeface="Cambria Math" pitchFamily="18" charset="0"/>
+                                          </a:rPr>
+                                          <m:t>𝑃</m:t>
+                                        </m:r>
+                                      </m:sub>
+                                    </m:sSub>
+                                  </m:e>
+                                </m:acc>
+                              </m:e>
+                            </m:mr>
+                          </m:m>
+                        </m:e>
+                      </m:d>
+                    </m:oMath>
+                  </m:oMathPara>
+                </a14:m>
+                <a:endParaRPr lang="en-US" sz="3600" dirty="0">
+                  <a:latin typeface="Cambria Math" pitchFamily="18" charset="0"/>
+                  <a:ea typeface="Cambria Math" pitchFamily="18" charset="0"/>
+                </a:endParaRPr>
+              </a:p>
+              <a:p>
+                <a:pPr algn="ctr"/>
+                <a:endParaRPr lang="en-US" sz="3600" b="0" i="1" dirty="0" smtClean="0">
+                  <a:latin typeface="Cambria Math" pitchFamily="18" charset="0"/>
+                  <a:ea typeface="Cambria Math" pitchFamily="18" charset="0"/>
+                </a:endParaRPr>
+              </a:p>
+              <a:p>
+                <a:pPr algn="ctr"/>
+                <a14:m>
+                  <m:oMathPara xmlns:m="http://schemas.openxmlformats.org/officeDocument/2006/math">
+                    <m:oMathParaPr>
+                      <m:jc m:val="centerGroup"/>
+                    </m:oMathParaPr>
+                    <m:oMath xmlns:m="http://schemas.openxmlformats.org/officeDocument/2006/math">
+                      <m:acc>
+                        <m:accPr>
+                          <m:chr m:val="̇"/>
+                          <m:ctrlPr>
+                            <a:rPr lang="en-US" sz="3600" b="0" i="1" smtClean="0">
+                              <a:latin typeface="Cambria Math"/>
+                              <a:ea typeface="Cambria Math" pitchFamily="18" charset="0"/>
+                            </a:rPr>
+                          </m:ctrlPr>
+                        </m:accPr>
+                        <m:e>
+                          <m:sSub>
+                            <m:sSubPr>
+                              <m:ctrlPr>
+                                <a:rPr lang="en-US" sz="3600" b="0" i="1" smtClean="0">
+                                  <a:latin typeface="Cambria Math"/>
+                                  <a:ea typeface="Cambria Math" pitchFamily="18" charset="0"/>
+                                </a:rPr>
+                              </m:ctrlPr>
+                            </m:sSubPr>
+                            <m:e>
+                              <m:r>
+                                <a:rPr lang="en-US" sz="3600" b="0" i="1" smtClean="0">
+                                  <a:latin typeface="Cambria Math" pitchFamily="18" charset="0"/>
+                                  <a:ea typeface="Cambria Math" pitchFamily="18" charset="0"/>
+                                </a:rPr>
+                                <m:t>𝑋</m:t>
+                              </m:r>
+                            </m:e>
+                            <m:sub>
+                              <m:r>
+                                <a:rPr lang="en-US" sz="3600" b="0" i="1" smtClean="0">
+                                  <a:latin typeface="Cambria Math" pitchFamily="18" charset="0"/>
+                                  <a:ea typeface="Cambria Math" pitchFamily="18" charset="0"/>
+                                </a:rPr>
+                                <m:t>𝑝</m:t>
+                              </m:r>
+                            </m:sub>
+                          </m:sSub>
+                        </m:e>
+                      </m:acc>
+                      <m:r>
+                        <a:rPr lang="en-US" sz="3600" b="0" i="1" smtClean="0">
+                          <a:latin typeface="Cambria Math" pitchFamily="18" charset="0"/>
+                          <a:ea typeface="Cambria Math" pitchFamily="18" charset="0"/>
+                        </a:rPr>
+                        <m:t>=</m:t>
+                      </m:r>
+                      <m:d>
+                        <m:dPr>
+                          <m:ctrlPr>
+                            <a:rPr lang="en-US" sz="3600" b="0" i="1" smtClean="0">
+                              <a:latin typeface="Cambria Math"/>
+                              <a:ea typeface="Cambria Math" pitchFamily="18" charset="0"/>
+                            </a:rPr>
+                          </m:ctrlPr>
+                        </m:dPr>
+                        <m:e>
+                          <m:m>
+                            <m:mPr>
+                              <m:mcs>
+                                <m:mc>
+                                  <m:mcPr>
+                                    <m:count m:val="1"/>
+                                    <m:mcJc m:val="center"/>
+                                  </m:mcPr>
+                                </m:mc>
+                              </m:mcs>
+                              <m:ctrlPr>
+                                <a:rPr lang="en-US" sz="3600" b="0" i="1" smtClean="0">
+                                  <a:latin typeface="Cambria Math"/>
+                                  <a:ea typeface="Cambria Math" pitchFamily="18" charset="0"/>
+                                </a:rPr>
+                              </m:ctrlPr>
+                            </m:mPr>
+                            <m:mr>
+                              <m:e>
+                                <m:sSub>
+                                  <m:sSubPr>
+                                    <m:ctrlPr>
+                                      <a:rPr lang="en-US" sz="3600" b="0" i="1" smtClean="0">
+                                        <a:latin typeface="Cambria Math"/>
+                                        <a:ea typeface="Cambria Math" pitchFamily="18" charset="0"/>
+                                      </a:rPr>
+                                    </m:ctrlPr>
+                                  </m:sSubPr>
+                                  <m:e>
+                                    <m:r>
+                                      <a:rPr lang="en-US" sz="3600" b="0" i="1" smtClean="0">
+                                        <a:latin typeface="Cambria Math" pitchFamily="18" charset="0"/>
+                                        <a:ea typeface="Cambria Math" pitchFamily="18" charset="0"/>
+                                      </a:rPr>
+                                      <m:t>𝑥</m:t>
+                                    </m:r>
+                                  </m:e>
+                                  <m:sub>
+                                    <m:r>
+                                      <a:rPr lang="en-US" sz="3600" b="0" i="1" smtClean="0">
+                                        <a:latin typeface="Cambria Math" pitchFamily="18" charset="0"/>
+                                        <a:ea typeface="Cambria Math" pitchFamily="18" charset="0"/>
+                                      </a:rPr>
+                                      <m:t>𝑝</m:t>
+                                    </m:r>
+                                    <m:r>
+                                      <a:rPr lang="en-US" sz="3600" b="0" i="1" smtClean="0">
+                                        <a:latin typeface="Cambria Math" pitchFamily="18" charset="0"/>
+                                        <a:ea typeface="Cambria Math" pitchFamily="18" charset="0"/>
+                                      </a:rPr>
+                                      <m:t>,</m:t>
+                                    </m:r>
+                                    <m:r>
+                                      <a:rPr lang="en-US" sz="3600" b="0" i="1" smtClean="0">
+                                        <a:latin typeface="Cambria Math" pitchFamily="18" charset="0"/>
+                                        <a:ea typeface="Cambria Math" pitchFamily="18" charset="0"/>
+                                      </a:rPr>
+                                      <m:t>𝑡</m:t>
+                                    </m:r>
+                                    <m:r>
+                                      <a:rPr lang="en-US" sz="3600" b="0" i="1" smtClean="0">
+                                        <a:latin typeface="Cambria Math" pitchFamily="18" charset="0"/>
+                                        <a:ea typeface="Cambria Math" pitchFamily="18" charset="0"/>
+                                      </a:rPr>
+                                      <m:t>=2</m:t>
+                                    </m:r>
+                                  </m:sub>
+                                </m:sSub>
+                                <m:r>
+                                  <a:rPr lang="en-US" sz="3600" b="0" i="1" smtClean="0">
+                                    <a:latin typeface="Cambria Math" pitchFamily="18" charset="0"/>
+                                    <a:ea typeface="Cambria Math" pitchFamily="18" charset="0"/>
+                                  </a:rPr>
+                                  <m:t>−</m:t>
+                                </m:r>
+                                <m:sSub>
+                                  <m:sSubPr>
+                                    <m:ctrlPr>
+                                      <a:rPr lang="en-US" sz="3600" b="0" i="1" smtClean="0">
+                                        <a:latin typeface="Cambria Math"/>
+                                        <a:ea typeface="Cambria Math" pitchFamily="18" charset="0"/>
+                                      </a:rPr>
+                                    </m:ctrlPr>
+                                  </m:sSubPr>
+                                  <m:e>
+                                    <m:r>
+                                      <a:rPr lang="en-US" sz="3600" b="0" i="1" smtClean="0">
+                                        <a:latin typeface="Cambria Math" pitchFamily="18" charset="0"/>
+                                        <a:ea typeface="Cambria Math" pitchFamily="18" charset="0"/>
+                                      </a:rPr>
+                                      <m:t>𝑥</m:t>
+                                    </m:r>
+                                  </m:e>
+                                  <m:sub>
+                                    <m:r>
+                                      <a:rPr lang="en-US" sz="3600" b="0" i="1" smtClean="0">
+                                        <a:latin typeface="Cambria Math" pitchFamily="18" charset="0"/>
+                                        <a:ea typeface="Cambria Math" pitchFamily="18" charset="0"/>
+                                      </a:rPr>
+                                      <m:t>𝑝</m:t>
+                                    </m:r>
+                                    <m:r>
+                                      <a:rPr lang="en-US" sz="3600" b="0" i="1" smtClean="0">
+                                        <a:latin typeface="Cambria Math" pitchFamily="18" charset="0"/>
+                                        <a:ea typeface="Cambria Math" pitchFamily="18" charset="0"/>
+                                      </a:rPr>
+                                      <m:t>,</m:t>
+                                    </m:r>
+                                    <m:r>
+                                      <a:rPr lang="en-US" sz="3600" b="0" i="1" smtClean="0">
+                                        <a:latin typeface="Cambria Math" pitchFamily="18" charset="0"/>
+                                        <a:ea typeface="Cambria Math" pitchFamily="18" charset="0"/>
+                                      </a:rPr>
+                                      <m:t>𝑡</m:t>
+                                    </m:r>
+                                    <m:r>
+                                      <a:rPr lang="en-US" sz="3600" b="0" i="1" smtClean="0">
+                                        <a:latin typeface="Cambria Math" pitchFamily="18" charset="0"/>
+                                        <a:ea typeface="Cambria Math" pitchFamily="18" charset="0"/>
+                                      </a:rPr>
+                                      <m:t>=1</m:t>
+                                    </m:r>
+                                  </m:sub>
+                                </m:sSub>
+                              </m:e>
+                            </m:mr>
+                            <m:mr>
+                              <m:e>
+                                <m:r>
+                                  <a:rPr lang="en-US" sz="3600" b="0" i="1" smtClean="0">
+                                    <a:latin typeface="Cambria Math" pitchFamily="18" charset="0"/>
+                                    <a:ea typeface="Cambria Math" pitchFamily="18" charset="0"/>
+                                  </a:rPr>
+                                  <m:t>⋮</m:t>
+                                </m:r>
+                              </m:e>
+                            </m:mr>
+                            <m:mr>
+                              <m:e>
+                                <m:sSub>
+                                  <m:sSubPr>
+                                    <m:ctrlPr>
+                                      <a:rPr lang="en-US" sz="3600" b="0" i="1" smtClean="0">
+                                        <a:latin typeface="Cambria Math"/>
+                                        <a:ea typeface="Cambria Math" pitchFamily="18" charset="0"/>
+                                      </a:rPr>
+                                    </m:ctrlPr>
+                                  </m:sSubPr>
+                                  <m:e>
+                                    <m:r>
+                                      <a:rPr lang="en-US" sz="3600" b="0" i="1" smtClean="0">
+                                        <a:latin typeface="Cambria Math" pitchFamily="18" charset="0"/>
+                                        <a:ea typeface="Cambria Math" pitchFamily="18" charset="0"/>
+                                      </a:rPr>
+                                      <m:t>𝑥</m:t>
+                                    </m:r>
+                                  </m:e>
+                                  <m:sub>
+                                    <m:r>
+                                      <a:rPr lang="en-US" sz="3600" b="0" i="1" smtClean="0">
+                                        <a:latin typeface="Cambria Math" pitchFamily="18" charset="0"/>
+                                        <a:ea typeface="Cambria Math" pitchFamily="18" charset="0"/>
+                                      </a:rPr>
+                                      <m:t>𝑝</m:t>
+                                    </m:r>
+                                    <m:r>
+                                      <a:rPr lang="en-US" sz="3600" b="0" i="1" smtClean="0">
+                                        <a:latin typeface="Cambria Math" pitchFamily="18" charset="0"/>
+                                        <a:ea typeface="Cambria Math" pitchFamily="18" charset="0"/>
+                                      </a:rPr>
+                                      <m:t>,</m:t>
+                                    </m:r>
+                                    <m:r>
+                                      <a:rPr lang="en-US" sz="3600" b="0" i="1" smtClean="0">
+                                        <a:latin typeface="Cambria Math" pitchFamily="18" charset="0"/>
+                                        <a:ea typeface="Cambria Math" pitchFamily="18" charset="0"/>
+                                      </a:rPr>
+                                      <m:t>𝑡</m:t>
+                                    </m:r>
+                                    <m:r>
+                                      <a:rPr lang="en-US" sz="3600" b="0" i="1" smtClean="0">
+                                        <a:latin typeface="Cambria Math" pitchFamily="18" charset="0"/>
+                                        <a:ea typeface="Cambria Math" pitchFamily="18" charset="0"/>
+                                      </a:rPr>
+                                      <m:t>=</m:t>
+                                    </m:r>
+                                    <m:r>
+                                      <a:rPr lang="en-US" sz="3600" b="0" i="1" smtClean="0">
+                                        <a:latin typeface="Cambria Math" pitchFamily="18" charset="0"/>
+                                        <a:ea typeface="Cambria Math" pitchFamily="18" charset="0"/>
+                                      </a:rPr>
+                                      <m:t>𝐹</m:t>
+                                    </m:r>
+                                  </m:sub>
+                                </m:sSub>
+                                <m:r>
+                                  <a:rPr lang="en-US" sz="3600" b="0" i="1" smtClean="0">
+                                    <a:latin typeface="Cambria Math" pitchFamily="18" charset="0"/>
+                                    <a:ea typeface="Cambria Math" pitchFamily="18" charset="0"/>
+                                  </a:rPr>
+                                  <m:t>−</m:t>
+                                </m:r>
+                                <m:sSub>
+                                  <m:sSubPr>
+                                    <m:ctrlPr>
+                                      <a:rPr lang="en-US" sz="3600" b="0" i="1" smtClean="0">
+                                        <a:latin typeface="Cambria Math"/>
+                                        <a:ea typeface="Cambria Math" pitchFamily="18" charset="0"/>
+                                      </a:rPr>
+                                    </m:ctrlPr>
+                                  </m:sSubPr>
+                                  <m:e>
+                                    <m:r>
+                                      <a:rPr lang="en-US" sz="3600" b="0" i="1" smtClean="0">
+                                        <a:latin typeface="Cambria Math" pitchFamily="18" charset="0"/>
+                                        <a:ea typeface="Cambria Math" pitchFamily="18" charset="0"/>
+                                      </a:rPr>
+                                      <m:t>𝑥</m:t>
+                                    </m:r>
+                                  </m:e>
+                                  <m:sub>
+                                    <m:r>
+                                      <a:rPr lang="en-US" sz="3600" b="0" i="1" smtClean="0">
+                                        <a:latin typeface="Cambria Math" pitchFamily="18" charset="0"/>
+                                        <a:ea typeface="Cambria Math" pitchFamily="18" charset="0"/>
+                                      </a:rPr>
+                                      <m:t>𝑝</m:t>
+                                    </m:r>
+                                    <m:r>
+                                      <a:rPr lang="en-US" sz="3600" b="0" i="1" smtClean="0">
+                                        <a:latin typeface="Cambria Math" pitchFamily="18" charset="0"/>
+                                        <a:ea typeface="Cambria Math" pitchFamily="18" charset="0"/>
+                                      </a:rPr>
+                                      <m:t>,</m:t>
+                                    </m:r>
+                                    <m:r>
+                                      <a:rPr lang="en-US" sz="3600" b="0" i="1" smtClean="0">
+                                        <a:latin typeface="Cambria Math" pitchFamily="18" charset="0"/>
+                                        <a:ea typeface="Cambria Math" pitchFamily="18" charset="0"/>
+                                      </a:rPr>
+                                      <m:t>𝑡</m:t>
+                                    </m:r>
+                                    <m:r>
+                                      <a:rPr lang="en-US" sz="3600" b="0" i="1" smtClean="0">
+                                        <a:latin typeface="Cambria Math" pitchFamily="18" charset="0"/>
+                                        <a:ea typeface="Cambria Math" pitchFamily="18" charset="0"/>
+                                      </a:rPr>
+                                      <m:t>=</m:t>
+                                    </m:r>
+                                    <m:r>
+                                      <a:rPr lang="en-US" sz="3600" b="0" i="1" smtClean="0">
+                                        <a:latin typeface="Cambria Math" pitchFamily="18" charset="0"/>
+                                        <a:ea typeface="Cambria Math" pitchFamily="18" charset="0"/>
+                                      </a:rPr>
+                                      <m:t>𝐹</m:t>
+                                    </m:r>
+                                    <m:r>
+                                      <a:rPr lang="en-US" sz="3600" b="0" i="1" smtClean="0">
+                                        <a:latin typeface="Cambria Math" pitchFamily="18" charset="0"/>
+                                        <a:ea typeface="Cambria Math" pitchFamily="18" charset="0"/>
+                                      </a:rPr>
+                                      <m:t>−1</m:t>
+                                    </m:r>
+                                  </m:sub>
+                                </m:sSub>
+                              </m:e>
+                            </m:mr>
+                          </m:m>
+                        </m:e>
+                      </m:d>
+                    </m:oMath>
+                  </m:oMathPara>
+                </a14:m>
+                <a:endParaRPr lang="en-US" sz="3600" dirty="0">
+                  <a:latin typeface="Cambria Math" pitchFamily="18" charset="0"/>
+                  <a:ea typeface="Cambria Math" pitchFamily="18" charset="0"/>
+                </a:endParaRPr>
               </a:p>
             </p:txBody>
           </p:sp>
+        </mc:Choice>
+        <mc:Fallback>
           <p:sp>
             <p:nvSpPr>
-              <p:cNvPr id="31" name="Bent-Up Arrow 30"/>
-              <p:cNvSpPr/>
-              <p:nvPr/>
-            </p:nvSpPr>
-            <p:spPr>
-              <a:xfrm flipV="1">
-                <a:off x="26517600" y="4712928"/>
-                <a:ext cx="1828800" cy="1002072"/>
-              </a:xfrm>
-              <a:prstGeom prst="bentUpArrow">
-                <a:avLst>
-                  <a:gd name="adj1" fmla="val 25000"/>
-                  <a:gd name="adj2" fmla="val 23702"/>
-                  <a:gd name="adj3" fmla="val 30923"/>
-                </a:avLst>
-              </a:prstGeom>
-            </p:spPr>
-            <p:style>
-              <a:lnRef idx="2">
-                <a:schemeClr val="accent1">
-                  <a:shade val="50000"/>
-                </a:schemeClr>
-              </a:lnRef>
-              <a:fillRef idx="1">
-                <a:schemeClr val="accent1"/>
-              </a:fillRef>
-              <a:effectRef idx="0">
-                <a:schemeClr val="accent1"/>
-              </a:effectRef>
-              <a:fontRef idx="minor">
-                <a:schemeClr val="lt1"/>
-              </a:fontRef>
-            </p:style>
-            <p:txBody>
-              <a:bodyPr rtlCol="0" anchor="ctr"/>
-              <a:lstStyle/>
-              <a:p>
-                <a:pPr algn="ctr"/>
-                <a:endParaRPr lang="en-US"/>
-              </a:p>
-            </p:txBody>
-          </p:sp>
-          <p:sp>
-            <p:nvSpPr>
-              <p:cNvPr id="33" name="Bent-Up Arrow 32"/>
-              <p:cNvSpPr/>
-              <p:nvPr/>
-            </p:nvSpPr>
-            <p:spPr>
-              <a:xfrm flipV="1">
-                <a:off x="29653832" y="6096000"/>
-                <a:ext cx="1371600" cy="1154469"/>
-              </a:xfrm>
-              <a:prstGeom prst="bentUpArrow">
-                <a:avLst>
-                  <a:gd name="adj1" fmla="val 25000"/>
-                  <a:gd name="adj2" fmla="val 23702"/>
-                  <a:gd name="adj3" fmla="val 33325"/>
-                </a:avLst>
-              </a:prstGeom>
-            </p:spPr>
-            <p:style>
-              <a:lnRef idx="2">
-                <a:schemeClr val="accent1">
-                  <a:shade val="50000"/>
-                </a:schemeClr>
-              </a:lnRef>
-              <a:fillRef idx="1">
-                <a:schemeClr val="accent1"/>
-              </a:fillRef>
-              <a:effectRef idx="0">
-                <a:schemeClr val="accent1"/>
-              </a:effectRef>
-              <a:fontRef idx="minor">
-                <a:schemeClr val="lt1"/>
-              </a:fontRef>
-            </p:style>
-            <p:txBody>
-              <a:bodyPr rtlCol="0" anchor="ctr"/>
-              <a:lstStyle/>
-              <a:p>
-                <a:pPr algn="ctr"/>
-                <a:endParaRPr lang="en-US"/>
-              </a:p>
-            </p:txBody>
-          </p:sp>
-          <p:sp>
-            <p:nvSpPr>
-              <p:cNvPr id="34" name="Rectangle 33"/>
-              <p:cNvSpPr/>
+              <p:cNvPr id="28" name="Rectangle 27"/>
+              <p:cNvSpPr>
+                <a:spLocks noRot="1" noChangeAspect="1" noMove="1" noResize="1" noEditPoints="1" noAdjustHandles="1" noChangeArrowheads="1" noChangeShapeType="1" noTextEdit="1"/>
+              </p:cNvSpPr>
               <p:nvPr/>
             </p:nvSpPr>
             <p:spPr>
               <a:xfrm>
-                <a:off x="29337000" y="7391400"/>
-                <a:ext cx="2819400" cy="874598"/>
+                <a:off x="20254232" y="4210553"/>
+                <a:ext cx="5622828" cy="4578051"/>
               </a:xfrm>
               <a:prstGeom prst="rect">
                 <a:avLst/>
               </a:prstGeom>
+              <a:blipFill rotWithShape="1">
+                <a:blip r:embed="rId7"/>
+                <a:stretch>
+                  <a:fillRect/>
+                </a:stretch>
+              </a:blipFill>
             </p:spPr>
-            <p:style>
-              <a:lnRef idx="1">
-                <a:schemeClr val="accent2"/>
-              </a:lnRef>
-              <a:fillRef idx="2">
-                <a:schemeClr val="accent2"/>
-              </a:fillRef>
-              <a:effectRef idx="1">
-                <a:schemeClr val="accent2"/>
-              </a:effectRef>
-              <a:fontRef idx="minor">
-                <a:schemeClr val="dk1"/>
-              </a:fontRef>
-            </p:style>
             <p:txBody>
-              <a:bodyPr rtlCol="0" anchor="ctr"/>
+              <a:bodyPr/>
               <a:lstStyle/>
               <a:p>
-                <a:pPr algn="ctr"/>
                 <a:r>
-                  <a:rPr lang="en-US" sz="3600" dirty="0" smtClean="0"/>
-                  <a:t>Score Traces</a:t>
+                  <a:rPr lang="en-US">
+                    <a:noFill/>
+                  </a:rPr>
+                  <a:t> </a:t>
                 </a:r>
-                <a:endParaRPr lang="en-US" sz="3600" dirty="0"/>
               </a:p>
             </p:txBody>
           </p:sp>
-          <p:sp>
-            <p:nvSpPr>
-              <p:cNvPr id="35" name="Right Arrow 34"/>
-              <p:cNvSpPr/>
-              <p:nvPr/>
-            </p:nvSpPr>
-            <p:spPr>
-              <a:xfrm>
-                <a:off x="26593800" y="7543800"/>
-                <a:ext cx="2590800" cy="778857"/>
-              </a:xfrm>
-              <a:prstGeom prst="rightArrow">
-                <a:avLst/>
-              </a:prstGeom>
-            </p:spPr>
-            <p:style>
-              <a:lnRef idx="2">
-                <a:schemeClr val="accent1">
-                  <a:shade val="50000"/>
-                </a:schemeClr>
-              </a:lnRef>
-              <a:fillRef idx="1">
-                <a:schemeClr val="accent1"/>
-              </a:fillRef>
-              <a:effectRef idx="0">
-                <a:schemeClr val="accent1"/>
-              </a:effectRef>
-              <a:fontRef idx="minor">
-                <a:schemeClr val="lt1"/>
-              </a:fontRef>
-            </p:style>
-            <p:txBody>
-              <a:bodyPr rtlCol="0" anchor="ctr"/>
-              <a:lstStyle/>
-              <a:p>
-                <a:pPr algn="ctr"/>
-                <a:endParaRPr lang="en-US"/>
-              </a:p>
-            </p:txBody>
-          </p:sp>
-        </p:grpSp>
-        <p:sp>
-          <p:nvSpPr>
-            <p:cNvPr id="45" name="TextBox 44"/>
-            <p:cNvSpPr txBox="1"/>
-            <p:nvPr/>
-          </p:nvSpPr>
-          <p:spPr>
-            <a:xfrm>
-              <a:off x="29890062" y="4466090"/>
-              <a:ext cx="2037737" cy="1231106"/>
-            </a:xfrm>
-            <a:prstGeom prst="rect">
-              <a:avLst/>
-            </a:prstGeom>
-            <a:noFill/>
-          </p:spPr>
-          <p:txBody>
-            <a:bodyPr wrap="none" rtlCol="0">
-              <a:spAutoFit/>
-            </a:bodyPr>
-            <a:lstStyle/>
-            <a:p>
-              <a:r>
-                <a:rPr lang="en-US" dirty="0" smtClean="0"/>
-                <a:t>x100</a:t>
-              </a:r>
-              <a:endParaRPr lang="en-US" dirty="0"/>
-            </a:p>
-          </p:txBody>
-        </p:sp>
-      </p:grpSp>
+        </mc:Fallback>
+      </mc:AlternateContent>
+      <p:sp>
+        <p:nvSpPr>
+          <p:cNvPr id="30" name="Rectangle 29"/>
+          <p:cNvSpPr/>
+          <p:nvPr/>
+        </p:nvSpPr>
+        <p:spPr>
+          <a:xfrm>
+            <a:off x="29379349" y="4314128"/>
+            <a:ext cx="5291651" cy="1383069"/>
+          </a:xfrm>
+          <a:prstGeom prst="rect">
+            <a:avLst/>
+          </a:prstGeom>
+        </p:spPr>
+        <p:style>
+          <a:lnRef idx="1">
+            <a:schemeClr val="accent2"/>
+          </a:lnRef>
+          <a:fillRef idx="2">
+            <a:schemeClr val="accent2"/>
+          </a:fillRef>
+          <a:effectRef idx="1">
+            <a:schemeClr val="accent2"/>
+          </a:effectRef>
+          <a:fontRef idx="minor">
+            <a:schemeClr val="dk1"/>
+          </a:fontRef>
+        </p:style>
+        <p:txBody>
+          <a:bodyPr rtlCol="0" anchor="ctr"/>
+          <a:lstStyle/>
+          <a:p>
+            <a:pPr algn="ctr"/>
+            <a:r>
+              <a:rPr lang="en-US" sz="3600" dirty="0" smtClean="0"/>
+              <a:t>Train naïve Gaussian mixture model.</a:t>
+            </a:r>
+            <a:endParaRPr lang="en-US" sz="3600" dirty="0"/>
+          </a:p>
+        </p:txBody>
+      </p:sp>
+      <p:sp>
+        <p:nvSpPr>
+          <p:cNvPr id="34" name="Rectangle 33"/>
+          <p:cNvSpPr/>
+          <p:nvPr/>
+        </p:nvSpPr>
+        <p:spPr>
+          <a:xfrm>
+            <a:off x="29965483" y="7696200"/>
+            <a:ext cx="2819400" cy="874598"/>
+          </a:xfrm>
+          <a:prstGeom prst="rect">
+            <a:avLst/>
+          </a:prstGeom>
+        </p:spPr>
+        <p:style>
+          <a:lnRef idx="1">
+            <a:schemeClr val="accent2"/>
+          </a:lnRef>
+          <a:fillRef idx="2">
+            <a:schemeClr val="accent2"/>
+          </a:fillRef>
+          <a:effectRef idx="1">
+            <a:schemeClr val="accent2"/>
+          </a:effectRef>
+          <a:fontRef idx="minor">
+            <a:schemeClr val="dk1"/>
+          </a:fontRef>
+        </p:style>
+        <p:txBody>
+          <a:bodyPr rtlCol="0" anchor="ctr"/>
+          <a:lstStyle/>
+          <a:p>
+            <a:pPr algn="ctr"/>
+            <a:r>
+              <a:rPr lang="en-US" sz="3600" dirty="0" smtClean="0"/>
+              <a:t>Score Traces</a:t>
+            </a:r>
+            <a:endParaRPr lang="en-US" sz="3600" dirty="0"/>
+          </a:p>
+        </p:txBody>
+      </p:sp>
+      <p:sp>
+        <p:nvSpPr>
+          <p:cNvPr id="35" name="Right Arrow 34"/>
+          <p:cNvSpPr/>
+          <p:nvPr/>
+        </p:nvSpPr>
+        <p:spPr>
+          <a:xfrm>
+            <a:off x="26003083" y="4608493"/>
+            <a:ext cx="3200400" cy="778857"/>
+          </a:xfrm>
+          <a:prstGeom prst="rightArrow">
+            <a:avLst/>
+          </a:prstGeom>
+        </p:spPr>
+        <p:style>
+          <a:lnRef idx="2">
+            <a:schemeClr val="accent1">
+              <a:shade val="50000"/>
+            </a:schemeClr>
+          </a:lnRef>
+          <a:fillRef idx="1">
+            <a:schemeClr val="accent1"/>
+          </a:fillRef>
+          <a:effectRef idx="0">
+            <a:schemeClr val="accent1"/>
+          </a:effectRef>
+          <a:fontRef idx="minor">
+            <a:schemeClr val="lt1"/>
+          </a:fontRef>
+        </p:style>
+        <p:txBody>
+          <a:bodyPr rtlCol="0" anchor="ctr"/>
+          <a:lstStyle/>
+          <a:p>
+            <a:pPr algn="ctr"/>
+            <a:endParaRPr lang="en-US"/>
+          </a:p>
+        </p:txBody>
+      </p:sp>
       <p:grpSp>
         <p:nvGrpSpPr>
-          <p:cNvPr id="50" name="Group 49"/>
+          <p:cNvPr id="49" name="Group 48"/>
           <p:cNvGrpSpPr/>
           <p:nvPr/>
         </p:nvGrpSpPr>
         <p:grpSpPr>
           <a:xfrm>
-            <a:off x="1318004" y="3938809"/>
-            <a:ext cx="13172687" cy="5128991"/>
-            <a:chOff x="914773" y="3938808"/>
-            <a:chExt cx="13172687" cy="5128991"/>
+            <a:off x="1546231" y="4114801"/>
+            <a:ext cx="12725400" cy="4800599"/>
+            <a:chOff x="1143000" y="4114800"/>
+            <a:chExt cx="12725400" cy="4800599"/>
           </a:xfrm>
         </p:grpSpPr>
         <p:sp>
           <p:nvSpPr>
-            <p:cNvPr id="61" name="Rectangle 60"/>
+            <p:cNvPr id="25" name="Rectangle 24"/>
             <p:cNvSpPr/>
             <p:nvPr/>
           </p:nvSpPr>
           <p:spPr>
             <a:xfrm>
-              <a:off x="914773" y="3938808"/>
-              <a:ext cx="13172687" cy="5128991"/>
+              <a:off x="1143000" y="4114800"/>
+              <a:ext cx="5334000" cy="4796880"/>
             </a:xfrm>
             <a:prstGeom prst="rect">
               <a:avLst/>
@@ -5601,16 +5488,88 @@
           </p:spPr>
           <p:style>
             <a:lnRef idx="1">
-              <a:schemeClr val="dk1"/>
+              <a:schemeClr val="accent2"/>
             </a:lnRef>
             <a:fillRef idx="2">
-              <a:schemeClr val="dk1"/>
+              <a:schemeClr val="accent2"/>
             </a:fillRef>
             <a:effectRef idx="1">
-              <a:schemeClr val="dk1"/>
+              <a:schemeClr val="accent2"/>
             </a:effectRef>
             <a:fontRef idx="minor">
               <a:schemeClr val="dk1"/>
+            </a:fontRef>
+          </p:style>
+          <p:txBody>
+            <a:bodyPr rtlCol="0" anchor="ctr"/>
+            <a:lstStyle/>
+            <a:p>
+              <a:pPr algn="ctr"/>
+              <a:r>
+                <a:rPr lang="en-US" sz="5400" dirty="0" smtClean="0"/>
+                <a:t>Feature Tracking </a:t>
+              </a:r>
+            </a:p>
+            <a:p>
+              <a:pPr algn="ctr"/>
+              <a:r>
+                <a:rPr lang="en-US" sz="5400" dirty="0" smtClean="0"/>
+                <a:t>(SIFT)</a:t>
+              </a:r>
+            </a:p>
+            <a:p>
+              <a:pPr algn="ctr"/>
+              <a:r>
+                <a:rPr lang="en-US" sz="5400" dirty="0" smtClean="0"/>
+                <a:t>+</a:t>
+              </a:r>
+            </a:p>
+            <a:p>
+              <a:pPr algn="ctr"/>
+              <a:r>
+                <a:rPr lang="en-US" sz="5400" dirty="0" smtClean="0"/>
+                <a:t>Feature Matching</a:t>
+              </a:r>
+            </a:p>
+            <a:p>
+              <a:pPr algn="ctr"/>
+              <a:r>
+                <a:rPr lang="en-US" sz="5400" dirty="0" smtClean="0"/>
+                <a:t>(KLT)</a:t>
+              </a:r>
+              <a:endParaRPr lang="en-US" sz="5400" dirty="0"/>
+            </a:p>
+          </p:txBody>
+        </p:sp>
+        <p:sp>
+          <p:nvSpPr>
+            <p:cNvPr id="26" name="Right Arrow 25"/>
+            <p:cNvSpPr/>
+            <p:nvPr/>
+          </p:nvSpPr>
+          <p:spPr>
+            <a:xfrm>
+              <a:off x="7125074" y="7306772"/>
+              <a:ext cx="2171326" cy="1015885"/>
+            </a:xfrm>
+            <a:prstGeom prst="rightArrow">
+              <a:avLst/>
+            </a:prstGeom>
+          </p:spPr>
+          <p:style>
+            <a:lnRef idx="2">
+              <a:schemeClr val="accent1">
+                <a:shade val="50000"/>
+              </a:schemeClr>
+            </a:lnRef>
+            <a:fillRef idx="1">
+              <a:schemeClr val="accent1"/>
+            </a:fillRef>
+            <a:effectRef idx="0">
+              <a:schemeClr val="accent1"/>
+            </a:effectRef>
+            <a:fontRef idx="minor">
+              <a:schemeClr val="lt1"/>
             </a:fontRef>
           </p:style>
           <p:txBody>
@@ -5622,639 +5581,514 @@
             </a:p>
           </p:txBody>
         </p:sp>
-        <p:grpSp>
-          <p:nvGrpSpPr>
-            <p:cNvPr id="49" name="Group 48"/>
-            <p:cNvGrpSpPr/>
-            <p:nvPr/>
-          </p:nvGrpSpPr>
-          <p:grpSpPr>
-            <a:xfrm>
-              <a:off x="1143000" y="4114800"/>
-              <a:ext cx="12725400" cy="4800599"/>
-              <a:chOff x="1143000" y="4114800"/>
-              <a:chExt cx="12725400" cy="4800599"/>
-            </a:xfrm>
-          </p:grpSpPr>
-          <p:sp>
-            <p:nvSpPr>
-              <p:cNvPr id="25" name="Rectangle 24"/>
-              <p:cNvSpPr/>
-              <p:nvPr/>
-            </p:nvSpPr>
-            <p:spPr>
-              <a:xfrm>
-                <a:off x="1143000" y="4114800"/>
-                <a:ext cx="5334000" cy="4796880"/>
-              </a:xfrm>
-              <a:prstGeom prst="rect">
-                <a:avLst/>
-              </a:prstGeom>
-            </p:spPr>
-            <p:style>
-              <a:lnRef idx="1">
-                <a:schemeClr val="accent2"/>
-              </a:lnRef>
-              <a:fillRef idx="2">
-                <a:schemeClr val="accent2"/>
-              </a:fillRef>
-              <a:effectRef idx="1">
-                <a:schemeClr val="accent2"/>
-              </a:effectRef>
-              <a:fontRef idx="minor">
-                <a:schemeClr val="dk1"/>
-              </a:fontRef>
-            </p:style>
-            <p:txBody>
-              <a:bodyPr rtlCol="0" anchor="ctr"/>
-              <a:lstStyle/>
-              <a:p>
-                <a:pPr algn="ctr"/>
-                <a:r>
-                  <a:rPr lang="en-US" sz="5400" dirty="0" smtClean="0"/>
-                  <a:t>Feature Tracking </a:t>
-                </a:r>
-              </a:p>
-              <a:p>
-                <a:pPr algn="ctr"/>
-                <a:r>
-                  <a:rPr lang="en-US" sz="5400" dirty="0" smtClean="0"/>
-                  <a:t>(SIFT)</a:t>
-                </a:r>
-              </a:p>
-              <a:p>
-                <a:pPr algn="ctr"/>
-                <a:r>
-                  <a:rPr lang="en-US" sz="5400" dirty="0" smtClean="0"/>
-                  <a:t>+</a:t>
-                </a:r>
-              </a:p>
-              <a:p>
-                <a:pPr algn="ctr"/>
-                <a:r>
-                  <a:rPr lang="en-US" sz="5400" dirty="0" smtClean="0"/>
-                  <a:t>Feature Matching</a:t>
-                </a:r>
-              </a:p>
-              <a:p>
-                <a:pPr algn="ctr"/>
-                <a:r>
-                  <a:rPr lang="en-US" sz="5400" dirty="0" smtClean="0"/>
-                  <a:t>(KLT)</a:t>
-                </a:r>
-                <a:endParaRPr lang="en-US" sz="5400" dirty="0"/>
-              </a:p>
-            </p:txBody>
-          </p:sp>
-          <p:sp>
-            <p:nvSpPr>
-              <p:cNvPr id="26" name="Right Arrow 25"/>
-              <p:cNvSpPr/>
-              <p:nvPr/>
-            </p:nvSpPr>
-            <p:spPr>
-              <a:xfrm>
-                <a:off x="7125074" y="7306772"/>
-                <a:ext cx="2171326" cy="1015885"/>
-              </a:xfrm>
-              <a:prstGeom prst="rightArrow">
-                <a:avLst/>
-              </a:prstGeom>
-            </p:spPr>
-            <p:style>
-              <a:lnRef idx="2">
-                <a:schemeClr val="accent1">
-                  <a:shade val="50000"/>
-                </a:schemeClr>
-              </a:lnRef>
-              <a:fillRef idx="1">
-                <a:schemeClr val="accent1"/>
-              </a:fillRef>
-              <a:effectRef idx="0">
-                <a:schemeClr val="accent1"/>
-              </a:effectRef>
-              <a:fontRef idx="minor">
-                <a:schemeClr val="lt1"/>
-              </a:fontRef>
-            </p:style>
-            <p:txBody>
-              <a:bodyPr rtlCol="0" anchor="ctr"/>
-              <a:lstStyle/>
-              <a:p>
-                <a:pPr algn="ctr"/>
-                <a:endParaRPr lang="en-US"/>
-              </a:p>
-            </p:txBody>
-          </p:sp>
-          <mc:AlternateContent xmlns:mc="http://schemas.openxmlformats.org/markup-compatibility/2006">
-            <mc:Choice xmlns:a14="http://schemas.microsoft.com/office/drawing/2010/main" Requires="a14">
-              <p:sp>
-                <p:nvSpPr>
-                  <p:cNvPr id="27" name="Rectangle 26"/>
-                  <p:cNvSpPr/>
-                  <p:nvPr/>
-                </p:nvSpPr>
-                <p:spPr>
-                  <a:xfrm>
-                    <a:off x="10058400" y="5292436"/>
-                    <a:ext cx="3810000" cy="3622963"/>
-                  </a:xfrm>
-                  <a:prstGeom prst="rect">
-                    <a:avLst/>
-                  </a:prstGeom>
-                </p:spPr>
-                <p:style>
-                  <a:lnRef idx="1">
-                    <a:schemeClr val="accent2"/>
-                  </a:lnRef>
-                  <a:fillRef idx="2">
-                    <a:schemeClr val="accent2"/>
-                  </a:fillRef>
-                  <a:effectRef idx="1">
-                    <a:schemeClr val="accent2"/>
-                  </a:effectRef>
-                  <a:fontRef idx="minor">
-                    <a:schemeClr val="dk1"/>
-                  </a:fontRef>
-                </p:style>
-                <p:txBody>
-                  <a:bodyPr rtlCol="0" anchor="ctr"/>
-                  <a:lstStyle/>
-                  <a:p>
-                    <a:pPr algn="ctr"/>
-                    <a14:m>
-                      <m:oMathPara xmlns:m="http://schemas.openxmlformats.org/officeDocument/2006/math">
-                        <m:oMathParaPr>
-                          <m:jc m:val="centerGroup"/>
-                        </m:oMathParaPr>
-                        <m:oMath xmlns:m="http://schemas.openxmlformats.org/officeDocument/2006/math">
-                          <m:d>
-                            <m:dPr>
-                              <m:ctrlPr>
-                                <a:rPr lang="en-US" sz="3600" b="0" i="1" smtClean="0">
-                                  <a:latin typeface="Cambria Math"/>
-                                </a:rPr>
-                              </m:ctrlPr>
-                            </m:dPr>
-                            <m:e>
-                              <m:m>
-                                <m:mPr>
-                                  <m:mcs>
-                                    <m:mc>
-                                      <m:mcPr>
-                                        <m:count m:val="1"/>
-                                        <m:mcJc m:val="center"/>
-                                      </m:mcPr>
-                                    </m:mc>
-                                  </m:mcs>
-                                  <m:ctrlPr>
+        <mc:AlternateContent xmlns:mc="http://schemas.openxmlformats.org/markup-compatibility/2006" xmlns:a14="http://schemas.microsoft.com/office/drawing/2010/main">
+          <mc:Choice Requires="a14">
+            <p:sp>
+              <p:nvSpPr>
+                <p:cNvPr id="27" name="Rectangle 26"/>
+                <p:cNvSpPr/>
+                <p:nvPr/>
+              </p:nvSpPr>
+              <p:spPr>
+                <a:xfrm>
+                  <a:off x="10058400" y="5292436"/>
+                  <a:ext cx="3810000" cy="3622963"/>
+                </a:xfrm>
+                <a:prstGeom prst="rect">
+                  <a:avLst/>
+                </a:prstGeom>
+              </p:spPr>
+              <p:style>
+                <a:lnRef idx="1">
+                  <a:schemeClr val="accent2"/>
+                </a:lnRef>
+                <a:fillRef idx="2">
+                  <a:schemeClr val="accent2"/>
+                </a:fillRef>
+                <a:effectRef idx="1">
+                  <a:schemeClr val="accent2"/>
+                </a:effectRef>
+                <a:fontRef idx="minor">
+                  <a:schemeClr val="dk1"/>
+                </a:fontRef>
+              </p:style>
+              <p:txBody>
+                <a:bodyPr rtlCol="0" anchor="ctr"/>
+                <a:lstStyle/>
+                <a:p>
+                  <a:pPr algn="ctr"/>
+                  <a14:m>
+                    <m:oMathPara xmlns:m="http://schemas.openxmlformats.org/officeDocument/2006/math">
+                      <m:oMathParaPr>
+                        <m:jc m:val="centerGroup"/>
+                      </m:oMathParaPr>
+                      <m:oMath xmlns:m="http://schemas.openxmlformats.org/officeDocument/2006/math">
+                        <m:d>
+                          <m:dPr>
+                            <m:ctrlPr>
+                              <a:rPr lang="en-US" sz="3600" b="0" i="1" smtClean="0">
+                                <a:latin typeface="Cambria Math"/>
+                              </a:rPr>
+                            </m:ctrlPr>
+                          </m:dPr>
+                          <m:e>
+                            <m:m>
+                              <m:mPr>
+                                <m:mcs>
+                                  <m:mc>
+                                    <m:mcPr>
+                                      <m:count m:val="1"/>
+                                      <m:mcJc m:val="center"/>
+                                    </m:mcPr>
+                                  </m:mc>
+                                </m:mcs>
+                                <m:ctrlPr>
+                                  <a:rPr lang="en-US" sz="3600" b="0" i="1" smtClean="0">
+                                    <a:latin typeface="Cambria Math"/>
+                                  </a:rPr>
+                                </m:ctrlPr>
+                              </m:mPr>
+                              <m:mr>
+                                <m:e>
+                                  <m:sSub>
+                                    <m:sSubPr>
+                                      <m:ctrlPr>
+                                        <a:rPr lang="en-US" sz="3600" b="0" i="1" smtClean="0">
+                                          <a:latin typeface="Cambria Math"/>
+                                        </a:rPr>
+                                      </m:ctrlPr>
+                                    </m:sSubPr>
+                                    <m:e>
+                                      <m:r>
+                                        <a:rPr lang="en-US" sz="3600" b="0" i="1" smtClean="0">
+                                          <a:latin typeface="Cambria Math"/>
+                                        </a:rPr>
+                                        <m:t>𝑋</m:t>
+                                      </m:r>
+                                    </m:e>
+                                    <m:sub>
+                                      <m:r>
+                                        <a:rPr lang="en-US" sz="3600" b="0" i="1" smtClean="0">
+                                          <a:latin typeface="Cambria Math"/>
+                                        </a:rPr>
+                                        <m:t>1</m:t>
+                                      </m:r>
+                                    </m:sub>
+                                  </m:sSub>
+                                </m:e>
+                              </m:mr>
+                              <m:mr>
+                                <m:e>
+                                  <m:sSub>
+                                    <m:sSubPr>
+                                      <m:ctrlPr>
+                                        <a:rPr lang="en-US" sz="3600" b="0" i="1" smtClean="0">
+                                          <a:latin typeface="Cambria Math"/>
+                                        </a:rPr>
+                                      </m:ctrlPr>
+                                    </m:sSubPr>
+                                    <m:e>
+                                      <m:r>
+                                        <a:rPr lang="en-US" sz="3600" b="0" i="1" smtClean="0">
+                                          <a:latin typeface="Cambria Math"/>
+                                        </a:rPr>
+                                        <m:t>𝑌</m:t>
+                                      </m:r>
+                                    </m:e>
+                                    <m:sub>
+                                      <m:r>
+                                        <a:rPr lang="en-US" sz="3600" b="0" i="1" smtClean="0">
+                                          <a:latin typeface="Cambria Math"/>
+                                        </a:rPr>
+                                        <m:t>1</m:t>
+                                      </m:r>
+                                    </m:sub>
+                                  </m:sSub>
+                                </m:e>
+                              </m:mr>
+                            </m:m>
+                          </m:e>
+                        </m:d>
+                        <m:r>
+                          <a:rPr lang="en-US" sz="3600" b="0" i="1" smtClean="0">
+                            <a:latin typeface="Cambria Math"/>
+                          </a:rPr>
+                          <m:t>⋯</m:t>
+                        </m:r>
+                        <m:d>
+                          <m:dPr>
+                            <m:ctrlPr>
+                              <a:rPr lang="en-US" sz="3600" b="0" i="1" smtClean="0">
+                                <a:latin typeface="Cambria Math"/>
+                              </a:rPr>
+                            </m:ctrlPr>
+                          </m:dPr>
+                          <m:e>
+                            <m:m>
+                              <m:mPr>
+                                <m:mcs>
+                                  <m:mc>
+                                    <m:mcPr>
+                                      <m:count m:val="1"/>
+                                      <m:mcJc m:val="center"/>
+                                    </m:mcPr>
+                                  </m:mc>
+                                </m:mcs>
+                                <m:ctrlPr>
+                                  <a:rPr lang="en-US" sz="3600" b="0" i="1" smtClean="0">
+                                    <a:latin typeface="Cambria Math"/>
+                                  </a:rPr>
+                                </m:ctrlPr>
+                              </m:mPr>
+                              <m:mr>
+                                <m:e>
+                                  <m:sSub>
+                                    <m:sSubPr>
+                                      <m:ctrlPr>
+                                        <a:rPr lang="en-US" sz="3600" b="0" i="1" smtClean="0">
+                                          <a:latin typeface="Cambria Math"/>
+                                        </a:rPr>
+                                      </m:ctrlPr>
+                                    </m:sSubPr>
+                                    <m:e>
+                                      <m:r>
+                                        <a:rPr lang="en-US" sz="3600" b="0" i="1" smtClean="0">
+                                          <a:latin typeface="Cambria Math"/>
+                                        </a:rPr>
+                                        <m:t>𝑋</m:t>
+                                      </m:r>
+                                    </m:e>
+                                    <m:sub>
+                                      <m:r>
+                                        <a:rPr lang="en-US" sz="3600" b="0" i="1" smtClean="0">
+                                          <a:latin typeface="Cambria Math"/>
+                                        </a:rPr>
+                                        <m:t>𝑃</m:t>
+                                      </m:r>
+                                    </m:sub>
+                                  </m:sSub>
+                                </m:e>
+                              </m:mr>
+                              <m:mr>
+                                <m:e>
+                                  <m:sSub>
+                                    <m:sSubPr>
+                                      <m:ctrlPr>
+                                        <a:rPr lang="en-US" sz="3600" b="0" i="1" smtClean="0">
+                                          <a:latin typeface="Cambria Math"/>
+                                        </a:rPr>
+                                      </m:ctrlPr>
+                                    </m:sSubPr>
+                                    <m:e>
+                                      <m:r>
+                                        <a:rPr lang="en-US" sz="3600" b="0" i="1" smtClean="0">
+                                          <a:latin typeface="Cambria Math"/>
+                                        </a:rPr>
+                                        <m:t>𝑌</m:t>
+                                      </m:r>
+                                    </m:e>
+                                    <m:sub>
+                                      <m:r>
+                                        <a:rPr lang="en-US" sz="3600" b="0" i="1" smtClean="0">
+                                          <a:latin typeface="Cambria Math"/>
+                                        </a:rPr>
+                                        <m:t>𝑃</m:t>
+                                      </m:r>
+                                    </m:sub>
+                                  </m:sSub>
+                                </m:e>
+                              </m:mr>
+                            </m:m>
+                          </m:e>
+                        </m:d>
+                      </m:oMath>
+                    </m:oMathPara>
+                  </a14:m>
+                  <a:endParaRPr lang="en-US" sz="3600" b="0" dirty="0" smtClean="0">
+                    <a:latin typeface="Cambria Math"/>
+                  </a:endParaRPr>
+                </a:p>
+                <a:p>
+                  <a:endParaRPr lang="en-US" sz="3600" b="0" dirty="0" smtClean="0">
+                    <a:latin typeface="Cambria Math"/>
+                  </a:endParaRPr>
+                </a:p>
+                <a:p>
+                  <a:pPr algn="ctr"/>
+                  <a14:m>
+                    <m:oMathPara xmlns:m="http://schemas.openxmlformats.org/officeDocument/2006/math">
+                      <m:oMathParaPr>
+                        <m:jc m:val="centerGroup"/>
+                      </m:oMathParaPr>
+                      <m:oMath xmlns:m="http://schemas.openxmlformats.org/officeDocument/2006/math">
+                        <m:sSub>
+                          <m:sSubPr>
+                            <m:ctrlPr>
+                              <a:rPr lang="en-US" sz="3600" b="0" i="1" smtClean="0">
+                                <a:latin typeface="Cambria Math"/>
+                              </a:rPr>
+                            </m:ctrlPr>
+                          </m:sSubPr>
+                          <m:e>
+                            <m:r>
+                              <a:rPr lang="en-US" sz="3600" b="0" i="1" smtClean="0">
+                                <a:latin typeface="Cambria Math"/>
+                              </a:rPr>
+                              <m:t>𝑋</m:t>
+                            </m:r>
+                          </m:e>
+                          <m:sub>
+                            <m:r>
+                              <a:rPr lang="en-US" sz="3600" b="0" i="1" smtClean="0">
+                                <a:latin typeface="Cambria Math"/>
+                              </a:rPr>
+                              <m:t>𝑝</m:t>
+                            </m:r>
+                          </m:sub>
+                        </m:sSub>
+                        <m:r>
+                          <a:rPr lang="en-US" sz="3600" b="0" i="1" smtClean="0">
+                            <a:latin typeface="Cambria Math"/>
+                          </a:rPr>
+                          <m:t>=</m:t>
+                        </m:r>
+                        <m:d>
+                          <m:dPr>
+                            <m:ctrlPr>
+                              <a:rPr lang="en-US" sz="3600" b="0" i="1" smtClean="0">
+                                <a:latin typeface="Cambria Math"/>
+                              </a:rPr>
+                            </m:ctrlPr>
+                          </m:dPr>
+                          <m:e>
+                            <m:m>
+                              <m:mPr>
+                                <m:mcs>
+                                  <m:mc>
+                                    <m:mcPr>
+                                      <m:count m:val="1"/>
+                                      <m:mcJc m:val="center"/>
+                                    </m:mcPr>
+                                  </m:mc>
+                                </m:mcs>
+                                <m:ctrlPr>
+                                  <a:rPr lang="en-US" sz="3600" b="0" i="1" smtClean="0">
+                                    <a:latin typeface="Cambria Math"/>
+                                  </a:rPr>
+                                </m:ctrlPr>
+                              </m:mPr>
+                              <m:mr>
+                                <m:e>
+                                  <m:sSub>
+                                    <m:sSubPr>
+                                      <m:ctrlPr>
+                                        <a:rPr lang="en-US" sz="3600" b="0" i="1" smtClean="0">
+                                          <a:latin typeface="Cambria Math"/>
+                                        </a:rPr>
+                                      </m:ctrlPr>
+                                    </m:sSubPr>
+                                    <m:e>
+                                      <m:r>
+                                        <a:rPr lang="en-US" sz="3600" b="0" i="1" smtClean="0">
+                                          <a:latin typeface="Cambria Math"/>
+                                        </a:rPr>
+                                        <m:t>𝑥</m:t>
+                                      </m:r>
+                                    </m:e>
+                                    <m:sub>
+                                      <m:r>
+                                        <a:rPr lang="en-US" sz="3600" b="0" i="1" smtClean="0">
+                                          <a:latin typeface="Cambria Math"/>
+                                        </a:rPr>
+                                        <m:t>𝑝</m:t>
+                                      </m:r>
+                                      <m:r>
+                                        <a:rPr lang="en-US" sz="3600" b="0" i="1" smtClean="0">
+                                          <a:latin typeface="Cambria Math"/>
+                                        </a:rPr>
+                                        <m:t>,</m:t>
+                                      </m:r>
+                                      <m:r>
+                                        <a:rPr lang="en-US" sz="3600" b="0" i="1" smtClean="0">
+                                          <a:latin typeface="Cambria Math"/>
+                                        </a:rPr>
+                                        <m:t>𝑡</m:t>
+                                      </m:r>
+                                      <m:r>
+                                        <a:rPr lang="en-US" sz="3600" b="0" i="1" smtClean="0">
+                                          <a:latin typeface="Cambria Math"/>
+                                        </a:rPr>
+                                        <m:t>=1</m:t>
+                                      </m:r>
+                                    </m:sub>
+                                  </m:sSub>
+                                </m:e>
+                              </m:mr>
+                              <m:mr>
+                                <m:e>
+                                  <m:r>
                                     <a:rPr lang="en-US" sz="3600" b="0" i="1" smtClean="0">
                                       <a:latin typeface="Cambria Math"/>
                                     </a:rPr>
-                                  </m:ctrlPr>
-                                </m:mPr>
-                                <m:mr>
-                                  <m:e>
-                                    <m:sSub>
-                                      <m:sSubPr>
-                                        <m:ctrlPr>
-                                          <a:rPr lang="en-US" sz="3600" b="0" i="1" smtClean="0">
-                                            <a:latin typeface="Cambria Math"/>
-                                          </a:rPr>
-                                        </m:ctrlPr>
-                                      </m:sSubPr>
-                                      <m:e>
-                                        <m:r>
-                                          <a:rPr lang="en-US" sz="3600" b="0" i="1" smtClean="0">
-                                            <a:latin typeface="Cambria Math"/>
-                                          </a:rPr>
-                                          <m:t>𝑋</m:t>
-                                        </m:r>
-                                      </m:e>
-                                      <m:sub>
-                                        <m:r>
-                                          <a:rPr lang="en-US" sz="3600" b="0" i="1" smtClean="0">
-                                            <a:latin typeface="Cambria Math"/>
-                                          </a:rPr>
-                                          <m:t>1</m:t>
-                                        </m:r>
-                                      </m:sub>
-                                    </m:sSub>
-                                  </m:e>
-                                </m:mr>
-                                <m:mr>
-                                  <m:e>
-                                    <m:sSub>
-                                      <m:sSubPr>
-                                        <m:ctrlPr>
-                                          <a:rPr lang="en-US" sz="3600" b="0" i="1" smtClean="0">
-                                            <a:latin typeface="Cambria Math"/>
-                                          </a:rPr>
-                                        </m:ctrlPr>
-                                      </m:sSubPr>
-                                      <m:e>
-                                        <m:r>
-                                          <a:rPr lang="en-US" sz="3600" b="0" i="1" smtClean="0">
-                                            <a:latin typeface="Cambria Math"/>
-                                          </a:rPr>
-                                          <m:t>𝑌</m:t>
-                                        </m:r>
-                                      </m:e>
-                                      <m:sub>
-                                        <m:r>
-                                          <a:rPr lang="en-US" sz="3600" b="0" i="1" smtClean="0">
-                                            <a:latin typeface="Cambria Math"/>
-                                          </a:rPr>
-                                          <m:t>1</m:t>
-                                        </m:r>
-                                      </m:sub>
-                                    </m:sSub>
-                                  </m:e>
-                                </m:mr>
-                              </m:m>
-                            </m:e>
-                          </m:d>
-                          <m:r>
-                            <a:rPr lang="en-US" sz="3600" b="0" i="1" smtClean="0">
-                              <a:latin typeface="Cambria Math"/>
-                            </a:rPr>
-                            <m:t>⋯</m:t>
-                          </m:r>
-                          <m:d>
-                            <m:dPr>
-                              <m:ctrlPr>
-                                <a:rPr lang="en-US" sz="3600" b="0" i="1" smtClean="0">
-                                  <a:latin typeface="Cambria Math"/>
-                                </a:rPr>
-                              </m:ctrlPr>
-                            </m:dPr>
-                            <m:e>
-                              <m:m>
-                                <m:mPr>
-                                  <m:mcs>
-                                    <m:mc>
-                                      <m:mcPr>
-                                        <m:count m:val="1"/>
-                                        <m:mcJc m:val="center"/>
-                                      </m:mcPr>
-                                    </m:mc>
-                                  </m:mcs>
-                                  <m:ctrlPr>
-                                    <a:rPr lang="en-US" sz="3600" b="0" i="1" smtClean="0">
-                                      <a:latin typeface="Cambria Math"/>
-                                    </a:rPr>
-                                  </m:ctrlPr>
-                                </m:mPr>
-                                <m:mr>
-                                  <m:e>
-                                    <m:sSub>
-                                      <m:sSubPr>
-                                        <m:ctrlPr>
-                                          <a:rPr lang="en-US" sz="3600" b="0" i="1" smtClean="0">
-                                            <a:latin typeface="Cambria Math"/>
-                                          </a:rPr>
-                                        </m:ctrlPr>
-                                      </m:sSubPr>
-                                      <m:e>
-                                        <m:r>
-                                          <a:rPr lang="en-US" sz="3600" b="0" i="1" smtClean="0">
-                                            <a:latin typeface="Cambria Math"/>
-                                          </a:rPr>
-                                          <m:t>𝑋</m:t>
-                                        </m:r>
-                                      </m:e>
-                                      <m:sub>
-                                        <m:r>
-                                          <a:rPr lang="en-US" sz="3600" b="0" i="1" smtClean="0">
-                                            <a:latin typeface="Cambria Math"/>
-                                          </a:rPr>
-                                          <m:t>𝑃</m:t>
-                                        </m:r>
-                                      </m:sub>
-                                    </m:sSub>
-                                  </m:e>
-                                </m:mr>
-                                <m:mr>
-                                  <m:e>
-                                    <m:sSub>
-                                      <m:sSubPr>
-                                        <m:ctrlPr>
-                                          <a:rPr lang="en-US" sz="3600" b="0" i="1" smtClean="0">
-                                            <a:latin typeface="Cambria Math"/>
-                                          </a:rPr>
-                                        </m:ctrlPr>
-                                      </m:sSubPr>
-                                      <m:e>
-                                        <m:r>
-                                          <a:rPr lang="en-US" sz="3600" b="0" i="1" smtClean="0">
-                                            <a:latin typeface="Cambria Math"/>
-                                          </a:rPr>
-                                          <m:t>𝑌</m:t>
-                                        </m:r>
-                                      </m:e>
-                                      <m:sub>
-                                        <m:r>
-                                          <a:rPr lang="en-US" sz="3600" b="0" i="1" smtClean="0">
-                                            <a:latin typeface="Cambria Math"/>
-                                          </a:rPr>
-                                          <m:t>𝑃</m:t>
-                                        </m:r>
-                                      </m:sub>
-                                    </m:sSub>
-                                  </m:e>
-                                </m:mr>
-                              </m:m>
-                            </m:e>
-                          </m:d>
-                        </m:oMath>
-                      </m:oMathPara>
-                    </a14:m>
-                    <a:endParaRPr lang="en-US" sz="3600" b="0" dirty="0" smtClean="0">
-                      <a:latin typeface="Cambria Math"/>
-                    </a:endParaRPr>
-                  </a:p>
-                  <a:p>
-                    <a:endParaRPr lang="en-US" sz="3600" b="0" dirty="0" smtClean="0">
-                      <a:latin typeface="Cambria Math"/>
-                    </a:endParaRPr>
-                  </a:p>
-                  <a:p>
-                    <a:pPr algn="ctr"/>
-                    <a14:m>
-                      <m:oMathPara xmlns:m="http://schemas.openxmlformats.org/officeDocument/2006/math">
-                        <m:oMathParaPr>
-                          <m:jc m:val="centerGroup"/>
-                        </m:oMathParaPr>
-                        <m:oMath xmlns:m="http://schemas.openxmlformats.org/officeDocument/2006/math">
-                          <m:sSub>
-                            <m:sSubPr>
-                              <m:ctrlPr>
-                                <a:rPr lang="en-US" sz="3600" b="0" i="1" smtClean="0">
-                                  <a:latin typeface="Cambria Math"/>
-                                </a:rPr>
-                              </m:ctrlPr>
-                            </m:sSubPr>
-                            <m:e>
-                              <m:r>
-                                <a:rPr lang="en-US" sz="3600" b="0" i="1" smtClean="0">
-                                  <a:latin typeface="Cambria Math"/>
-                                </a:rPr>
-                                <m:t>𝑋</m:t>
-                              </m:r>
-                            </m:e>
-                            <m:sub>
-                              <m:r>
-                                <a:rPr lang="en-US" sz="3600" b="0" i="1" smtClean="0">
-                                  <a:latin typeface="Cambria Math"/>
-                                </a:rPr>
-                                <m:t>𝑝</m:t>
-                              </m:r>
-                            </m:sub>
-                          </m:sSub>
-                          <m:r>
-                            <a:rPr lang="en-US" sz="3600" b="0" i="1" smtClean="0">
-                              <a:latin typeface="Cambria Math"/>
-                            </a:rPr>
-                            <m:t>=</m:t>
-                          </m:r>
-                          <m:d>
-                            <m:dPr>
-                              <m:ctrlPr>
-                                <a:rPr lang="en-US" sz="3600" b="0" i="1" smtClean="0">
-                                  <a:latin typeface="Cambria Math"/>
-                                </a:rPr>
-                              </m:ctrlPr>
-                            </m:dPr>
-                            <m:e>
-                              <m:m>
-                                <m:mPr>
-                                  <m:mcs>
-                                    <m:mc>
-                                      <m:mcPr>
-                                        <m:count m:val="1"/>
-                                        <m:mcJc m:val="center"/>
-                                      </m:mcPr>
-                                    </m:mc>
-                                  </m:mcs>
-                                  <m:ctrlPr>
-                                    <a:rPr lang="en-US" sz="3600" b="0" i="1" smtClean="0">
-                                      <a:latin typeface="Cambria Math"/>
-                                    </a:rPr>
-                                  </m:ctrlPr>
-                                </m:mPr>
-                                <m:mr>
-                                  <m:e>
-                                    <m:sSub>
-                                      <m:sSubPr>
-                                        <m:ctrlPr>
-                                          <a:rPr lang="en-US" sz="3600" b="0" i="1" smtClean="0">
-                                            <a:latin typeface="Cambria Math"/>
-                                          </a:rPr>
-                                        </m:ctrlPr>
-                                      </m:sSubPr>
-                                      <m:e>
-                                        <m:r>
-                                          <a:rPr lang="en-US" sz="3600" b="0" i="1" smtClean="0">
-                                            <a:latin typeface="Cambria Math"/>
-                                          </a:rPr>
-                                          <m:t>𝑥</m:t>
-                                        </m:r>
-                                      </m:e>
-                                      <m:sub>
-                                        <m:r>
-                                          <a:rPr lang="en-US" sz="3600" b="0" i="1" smtClean="0">
-                                            <a:latin typeface="Cambria Math"/>
-                                          </a:rPr>
-                                          <m:t>𝑝</m:t>
-                                        </m:r>
-                                        <m:r>
-                                          <a:rPr lang="en-US" sz="3600" b="0" i="1" smtClean="0">
-                                            <a:latin typeface="Cambria Math"/>
-                                          </a:rPr>
-                                          <m:t>,</m:t>
-                                        </m:r>
-                                        <m:r>
-                                          <a:rPr lang="en-US" sz="3600" b="0" i="1" smtClean="0">
-                                            <a:latin typeface="Cambria Math"/>
-                                          </a:rPr>
-                                          <m:t>𝑡</m:t>
-                                        </m:r>
-                                        <m:r>
-                                          <a:rPr lang="en-US" sz="3600" b="0" i="1" smtClean="0">
-                                            <a:latin typeface="Cambria Math"/>
-                                          </a:rPr>
-                                          <m:t>=1</m:t>
-                                        </m:r>
-                                      </m:sub>
-                                    </m:sSub>
-                                  </m:e>
-                                </m:mr>
-                                <m:mr>
-                                  <m:e>
-                                    <m:r>
-                                      <a:rPr lang="en-US" sz="3600" b="0" i="1" smtClean="0">
-                                        <a:latin typeface="Cambria Math"/>
-                                      </a:rPr>
-                                      <m:t>⋮</m:t>
-                                    </m:r>
-                                  </m:e>
-                                </m:mr>
-                                <m:mr>
-                                  <m:e>
-                                    <m:sSub>
-                                      <m:sSubPr>
-                                        <m:ctrlPr>
-                                          <a:rPr lang="en-US" sz="3600" b="0" i="1" smtClean="0">
-                                            <a:latin typeface="Cambria Math"/>
-                                          </a:rPr>
-                                        </m:ctrlPr>
-                                      </m:sSubPr>
-                                      <m:e>
-                                        <m:r>
-                                          <a:rPr lang="en-US" sz="3600" b="0" i="1" smtClean="0">
-                                            <a:latin typeface="Cambria Math"/>
-                                          </a:rPr>
-                                          <m:t>𝑥</m:t>
-                                        </m:r>
-                                      </m:e>
-                                      <m:sub>
-                                        <m:r>
-                                          <a:rPr lang="en-US" sz="3600" b="0" i="1" smtClean="0">
-                                            <a:latin typeface="Cambria Math"/>
-                                          </a:rPr>
-                                          <m:t>𝑝</m:t>
-                                        </m:r>
-                                        <m:r>
-                                          <a:rPr lang="en-US" sz="3600" b="0" i="1" smtClean="0">
-                                            <a:latin typeface="Cambria Math"/>
-                                          </a:rPr>
-                                          <m:t>,</m:t>
-                                        </m:r>
-                                        <m:r>
-                                          <a:rPr lang="en-US" sz="3600" b="0" i="1" smtClean="0">
-                                            <a:latin typeface="Cambria Math"/>
-                                          </a:rPr>
-                                          <m:t>𝑡</m:t>
-                                        </m:r>
-                                        <m:r>
-                                          <a:rPr lang="en-US" sz="3600" b="0" i="1" smtClean="0">
-                                            <a:latin typeface="Cambria Math"/>
-                                          </a:rPr>
-                                          <m:t>=</m:t>
-                                        </m:r>
-                                        <m:r>
-                                          <a:rPr lang="en-US" sz="3600" b="0" i="1" smtClean="0">
-                                            <a:latin typeface="Cambria Math"/>
-                                          </a:rPr>
-                                          <m:t>𝐹</m:t>
-                                        </m:r>
-                                      </m:sub>
-                                    </m:sSub>
-                                  </m:e>
-                                </m:mr>
-                              </m:m>
-                            </m:e>
-                          </m:d>
-                        </m:oMath>
-                      </m:oMathPara>
-                    </a14:m>
-                    <a:endParaRPr lang="en-US" sz="3600" dirty="0"/>
-                  </a:p>
-                </p:txBody>
-              </p:sp>
-            </mc:Choice>
-            <mc:Fallback>
-              <p:sp>
-                <p:nvSpPr>
-                  <p:cNvPr id="27" name="Rectangle 26"/>
-                  <p:cNvSpPr>
-                    <a:spLocks noRot="1" noChangeAspect="1" noMove="1" noResize="1" noEditPoints="1" noAdjustHandles="1" noChangeArrowheads="1" noChangeShapeType="1" noTextEdit="1"/>
-                  </p:cNvSpPr>
-                  <p:nvPr/>
-                </p:nvSpPr>
-                <p:spPr>
-                  <a:xfrm>
-                    <a:off x="10058400" y="5292436"/>
-                    <a:ext cx="3810000" cy="3622963"/>
-                  </a:xfrm>
-                  <a:prstGeom prst="rect">
-                    <a:avLst/>
-                  </a:prstGeom>
-                  <a:blipFill rotWithShape="1">
-                    <a:blip r:embed="rId8"/>
-                    <a:stretch>
-                      <a:fillRect/>
-                    </a:stretch>
-                  </a:blipFill>
-                </p:spPr>
-                <p:txBody>
-                  <a:bodyPr/>
-                  <a:lstStyle/>
-                  <a:p>
-                    <a:r>
-                      <a:rPr lang="en-US">
-                        <a:noFill/>
-                      </a:rPr>
-                      <a:t> </a:t>
-                    </a:r>
-                  </a:p>
-                </p:txBody>
-              </p:sp>
-            </mc:Fallback>
-          </mc:AlternateContent>
-          <p:pic>
-            <p:nvPicPr>
-              <p:cNvPr id="1028" name="Picture 4" descr="C:\Users\nfeltman\Desktop\MLPROJECT\CMU-10-701-Project\poster_images\KLT.png"/>
-              <p:cNvPicPr>
-                <a:picLocks noChangeAspect="1" noChangeArrowheads="1"/>
-              </p:cNvPicPr>
-              <p:nvPr/>
-            </p:nvPicPr>
-            <p:blipFill rotWithShape="1">
-              <a:blip r:embed="rId9" cstate="print">
-                <a:extLst>
-                  <a:ext uri="{28A0092B-C50C-407E-A947-70E740481C1C}">
-                    <a14:useLocalDpi xmlns:a14="http://schemas.microsoft.com/office/drawing/2010/main" val="0"/>
-                  </a:ext>
-                </a:extLst>
-              </a:blip>
-              <a:srcRect l="25316" t="7248" r="21365" b="11510"/>
-              <a:stretch/>
-            </p:blipFill>
-            <p:spPr bwMode="auto">
-              <a:xfrm>
-                <a:off x="6705600" y="4307792"/>
-                <a:ext cx="3118515" cy="2778808"/>
-              </a:xfrm>
-              <a:prstGeom prst="rect">
-                <a:avLst/>
-              </a:prstGeom>
-              <a:ln w="38100" cap="sq">
-                <a:solidFill>
-                  <a:srgbClr val="000000"/>
-                </a:solidFill>
-                <a:prstDash val="solid"/>
-                <a:miter lim="800000"/>
-              </a:ln>
-              <a:effectLst>
-                <a:outerShdw blurRad="50800" dist="38100" dir="2700000" algn="tl" rotWithShape="0">
-                  <a:srgbClr val="000000">
-                    <a:alpha val="43000"/>
-                  </a:srgbClr>
-                </a:outerShdw>
-              </a:effectLst>
+                                    <m:t>⋮</m:t>
+                                  </m:r>
+                                </m:e>
+                              </m:mr>
+                              <m:mr>
+                                <m:e>
+                                  <m:sSub>
+                                    <m:sSubPr>
+                                      <m:ctrlPr>
+                                        <a:rPr lang="en-US" sz="3600" b="0" i="1" smtClean="0">
+                                          <a:latin typeface="Cambria Math"/>
+                                        </a:rPr>
+                                      </m:ctrlPr>
+                                    </m:sSubPr>
+                                    <m:e>
+                                      <m:r>
+                                        <a:rPr lang="en-US" sz="3600" b="0" i="1" smtClean="0">
+                                          <a:latin typeface="Cambria Math"/>
+                                        </a:rPr>
+                                        <m:t>𝑥</m:t>
+                                      </m:r>
+                                    </m:e>
+                                    <m:sub>
+                                      <m:r>
+                                        <a:rPr lang="en-US" sz="3600" b="0" i="1" smtClean="0">
+                                          <a:latin typeface="Cambria Math"/>
+                                        </a:rPr>
+                                        <m:t>𝑝</m:t>
+                                      </m:r>
+                                      <m:r>
+                                        <a:rPr lang="en-US" sz="3600" b="0" i="1" smtClean="0">
+                                          <a:latin typeface="Cambria Math"/>
+                                        </a:rPr>
+                                        <m:t>,</m:t>
+                                      </m:r>
+                                      <m:r>
+                                        <a:rPr lang="en-US" sz="3600" b="0" i="1" smtClean="0">
+                                          <a:latin typeface="Cambria Math"/>
+                                        </a:rPr>
+                                        <m:t>𝑡</m:t>
+                                      </m:r>
+                                      <m:r>
+                                        <a:rPr lang="en-US" sz="3600" b="0" i="1" smtClean="0">
+                                          <a:latin typeface="Cambria Math"/>
+                                        </a:rPr>
+                                        <m:t>=</m:t>
+                                      </m:r>
+                                      <m:r>
+                                        <a:rPr lang="en-US" sz="3600" b="0" i="1" smtClean="0">
+                                          <a:latin typeface="Cambria Math"/>
+                                        </a:rPr>
+                                        <m:t>𝐹</m:t>
+                                      </m:r>
+                                    </m:sub>
+                                  </m:sSub>
+                                </m:e>
+                              </m:mr>
+                            </m:m>
+                          </m:e>
+                        </m:d>
+                      </m:oMath>
+                    </m:oMathPara>
+                  </a14:m>
+                  <a:endParaRPr lang="en-US" sz="3600" dirty="0"/>
+                </a:p>
+              </p:txBody>
+            </p:sp>
+          </mc:Choice>
+          <mc:Fallback xmlns="">
+            <p:sp>
+              <p:nvSpPr>
+                <p:cNvPr id="27" name="Rectangle 26"/>
+                <p:cNvSpPr>
+                  <a:spLocks noRot="1" noChangeAspect="1" noMove="1" noResize="1" noEditPoints="1" noAdjustHandles="1" noChangeArrowheads="1" noChangeShapeType="1" noTextEdit="1"/>
+                </p:cNvSpPr>
+                <p:nvPr/>
+              </p:nvSpPr>
+              <p:spPr>
+                <a:xfrm>
+                  <a:off x="10058400" y="5292436"/>
+                  <a:ext cx="3810000" cy="3622963"/>
+                </a:xfrm>
+                <a:prstGeom prst="rect">
+                  <a:avLst/>
+                </a:prstGeom>
+                <a:blipFill rotWithShape="1">
+                  <a:blip r:embed="rId8"/>
+                  <a:stretch>
+                    <a:fillRect/>
+                  </a:stretch>
+                </a:blipFill>
+              </p:spPr>
+              <p:txBody>
+                <a:bodyPr/>
+                <a:lstStyle/>
+                <a:p>
+                  <a:r>
+                    <a:rPr lang="en-US">
+                      <a:noFill/>
+                    </a:rPr>
+                    <a:t> </a:t>
+                  </a:r>
+                </a:p>
+              </p:txBody>
+            </p:sp>
+          </mc:Fallback>
+        </mc:AlternateContent>
+        <p:pic>
+          <p:nvPicPr>
+            <p:cNvPr id="1028" name="Picture 4" descr="C:\Users\nfeltman\Desktop\MLPROJECT\CMU-10-701-Project\poster_images\KLT.png"/>
+            <p:cNvPicPr>
+              <a:picLocks noChangeAspect="1" noChangeArrowheads="1"/>
+            </p:cNvPicPr>
+            <p:nvPr/>
+          </p:nvPicPr>
+          <p:blipFill rotWithShape="1">
+            <a:blip r:embed="rId9" cstate="print">
               <a:extLst>
-                <a:ext uri="{909E8E84-426E-40DD-AFC4-6F175D3DCCD1}">
-                  <a14:hiddenFill xmlns:a14="http://schemas.microsoft.com/office/drawing/2010/main">
-                    <a:solidFill>
-                      <a:srgbClr val="FFFFFF"/>
-                    </a:solidFill>
-                  </a14:hiddenFill>
+                <a:ext uri="{28A0092B-C50C-407E-A947-70E740481C1C}">
+                  <a14:useLocalDpi xmlns:a14="http://schemas.microsoft.com/office/drawing/2010/main" val="0"/>
                 </a:ext>
               </a:extLst>
-            </p:spPr>
-          </p:pic>
-        </p:grpSp>
+            </a:blip>
+            <a:srcRect l="25316" t="7248" r="21365" b="11510"/>
+            <a:stretch/>
+          </p:blipFill>
+          <p:spPr bwMode="auto">
+            <a:xfrm>
+              <a:off x="6705600" y="4307792"/>
+              <a:ext cx="3118515" cy="2778808"/>
+            </a:xfrm>
+            <a:prstGeom prst="rect">
+              <a:avLst/>
+            </a:prstGeom>
+            <a:ln w="38100" cap="sq">
+              <a:solidFill>
+                <a:srgbClr val="000000"/>
+              </a:solidFill>
+              <a:prstDash val="solid"/>
+              <a:miter lim="800000"/>
+            </a:ln>
+            <a:effectLst>
+              <a:outerShdw blurRad="50800" dist="38100" dir="2700000" algn="tl" rotWithShape="0">
+                <a:srgbClr val="000000">
+                  <a:alpha val="43000"/>
+                </a:srgbClr>
+              </a:outerShdw>
+            </a:effectLst>
+            <a:extLst>
+              <a:ext uri="{909E8E84-426E-40DD-AFC4-6F175D3DCCD1}">
+                <a14:hiddenFill xmlns:a14="http://schemas.microsoft.com/office/drawing/2010/main">
+                  <a:solidFill>
+                    <a:srgbClr val="FFFFFF"/>
+                  </a:solidFill>
+                </a14:hiddenFill>
+              </a:ext>
+            </a:extLst>
+          </p:spPr>
+        </p:pic>
       </p:grpSp>
       <p:sp>
         <p:nvSpPr>
@@ -6294,7 +6128,7 @@
         </p:nvGrpSpPr>
         <p:grpSpPr>
           <a:xfrm>
-            <a:off x="20164926" y="20802600"/>
+            <a:off x="19735799" y="19583400"/>
             <a:ext cx="15240001" cy="7543800"/>
             <a:chOff x="20164926" y="20345400"/>
             <a:chExt cx="15240001" cy="7543800"/>
@@ -6682,6 +6516,2012 @@
           </a:graphic>
         </p:graphicFrame>
       </p:grpSp>
+      <p:sp>
+        <p:nvSpPr>
+          <p:cNvPr id="72" name="TextBox 71"/>
+          <p:cNvSpPr txBox="1"/>
+          <p:nvPr/>
+        </p:nvSpPr>
+        <p:spPr>
+          <a:xfrm>
+            <a:off x="1563619" y="22402800"/>
+            <a:ext cx="6970781" cy="1077218"/>
+          </a:xfrm>
+          <a:prstGeom prst="rect">
+            <a:avLst/>
+          </a:prstGeom>
+          <a:noFill/>
+        </p:spPr>
+        <p:txBody>
+          <a:bodyPr wrap="square" rtlCol="0">
+            <a:spAutoFit/>
+          </a:bodyPr>
+          <a:lstStyle/>
+          <a:p>
+            <a:r>
+              <a:rPr lang="en-US" sz="3200" dirty="0" smtClean="0"/>
+              <a:t>Our </a:t>
+            </a:r>
+            <a:r>
+              <a:rPr lang="el-GR" sz="3200" dirty="0" smtClean="0"/>
+              <a:t>Π</a:t>
+            </a:r>
+            <a:r>
+              <a:rPr lang="en-US" sz="3200" dirty="0" smtClean="0"/>
+              <a:t>-score measures how well the scene can be factorized.</a:t>
+            </a:r>
+            <a:endParaRPr lang="en-US" sz="3200" dirty="0"/>
+          </a:p>
+        </p:txBody>
+      </p:sp>
+      <p:sp>
+        <p:nvSpPr>
+          <p:cNvPr id="73" name="TextBox 72"/>
+          <p:cNvSpPr txBox="1"/>
+          <p:nvPr/>
+        </p:nvSpPr>
+        <p:spPr>
+          <a:xfrm>
+            <a:off x="1563619" y="25791855"/>
+            <a:ext cx="7219950" cy="2554545"/>
+          </a:xfrm>
+          <a:prstGeom prst="rect">
+            <a:avLst/>
+          </a:prstGeom>
+          <a:noFill/>
+        </p:spPr>
+        <p:txBody>
+          <a:bodyPr wrap="square" rtlCol="0">
+            <a:spAutoFit/>
+          </a:bodyPr>
+          <a:lstStyle/>
+          <a:p>
+            <a:r>
+              <a:rPr lang="en-US" sz="3200" dirty="0" smtClean="0"/>
+              <a:t>Our filtering method improves the</a:t>
+            </a:r>
+          </a:p>
+          <a:p>
+            <a:r>
+              <a:rPr lang="el-GR" sz="3200" dirty="0" smtClean="0"/>
+              <a:t>Π</a:t>
+            </a:r>
+            <a:r>
+              <a:rPr lang="en-US" sz="3200" dirty="0" smtClean="0"/>
+              <a:t>-score in all cases. When there are many erroneous traces to be filtered (due to scene movement), we show substantial improvement.</a:t>
+            </a:r>
+            <a:endParaRPr lang="en-US" sz="3200" dirty="0"/>
+          </a:p>
+        </p:txBody>
+      </p:sp>
+      <p:sp>
+        <p:nvSpPr>
+          <p:cNvPr id="74" name="Rectangle 73"/>
+          <p:cNvSpPr/>
+          <p:nvPr/>
+        </p:nvSpPr>
+        <p:spPr>
+          <a:xfrm>
+            <a:off x="1563619" y="17068800"/>
+            <a:ext cx="6607169" cy="5029200"/>
+          </a:xfrm>
+          <a:prstGeom prst="rect">
+            <a:avLst/>
+          </a:prstGeom>
+        </p:spPr>
+        <p:style>
+          <a:lnRef idx="1">
+            <a:schemeClr val="accent2"/>
+          </a:lnRef>
+          <a:fillRef idx="2">
+            <a:schemeClr val="accent2"/>
+          </a:fillRef>
+          <a:effectRef idx="1">
+            <a:schemeClr val="accent2"/>
+          </a:effectRef>
+          <a:fontRef idx="minor">
+            <a:schemeClr val="dk1"/>
+          </a:fontRef>
+        </p:style>
+        <p:txBody>
+          <a:bodyPr rtlCol="0" anchor="ctr"/>
+          <a:lstStyle/>
+          <a:p>
+            <a:pPr algn="ctr"/>
+            <a:r>
+              <a:rPr lang="en-US" sz="4400" b="1" dirty="0" smtClean="0"/>
+              <a:t>Intuition: </a:t>
+            </a:r>
+            <a:r>
+              <a:rPr lang="en-US" sz="4400" dirty="0" smtClean="0"/>
+              <a:t>Valid traces (of static objects) are largely  similar; others are not.</a:t>
+            </a:r>
+          </a:p>
+          <a:p>
+            <a:pPr algn="ctr"/>
+            <a:r>
+              <a:rPr lang="en-US" sz="1200" dirty="0"/>
+              <a:t> </a:t>
+            </a:r>
+            <a:endParaRPr lang="en-US" sz="1200" dirty="0" smtClean="0"/>
+          </a:p>
+          <a:p>
+            <a:pPr algn="ctr"/>
+            <a:r>
+              <a:rPr lang="en-US" sz="4400" b="1" dirty="0" smtClean="0"/>
+              <a:t>Method: </a:t>
+            </a:r>
+            <a:r>
+              <a:rPr lang="en-US" sz="4400" dirty="0" smtClean="0"/>
+              <a:t>Filter out the 10% of traces with the lowest probabilities in the </a:t>
+            </a:r>
+            <a:r>
+              <a:rPr lang="en-US" sz="4400" dirty="0"/>
+              <a:t>G</a:t>
+            </a:r>
+            <a:r>
+              <a:rPr lang="en-US" sz="4400" dirty="0" smtClean="0"/>
+              <a:t>aussian mixture model.</a:t>
+            </a:r>
+            <a:endParaRPr lang="en-US" sz="4400" b="1" dirty="0"/>
+          </a:p>
+        </p:txBody>
+      </p:sp>
+      <p:sp>
+        <p:nvSpPr>
+          <p:cNvPr id="75" name="Rounded Rectangle 74"/>
+          <p:cNvSpPr/>
+          <p:nvPr/>
+        </p:nvSpPr>
+        <p:spPr>
+          <a:xfrm>
+            <a:off x="18516600" y="27577726"/>
+            <a:ext cx="17602200" cy="1302074"/>
+          </a:xfrm>
+          <a:prstGeom prst="roundRect">
+            <a:avLst>
+              <a:gd name="adj" fmla="val 35412"/>
+            </a:avLst>
+          </a:prstGeom>
+        </p:spPr>
+        <p:style>
+          <a:lnRef idx="1">
+            <a:schemeClr val="dk1"/>
+          </a:lnRef>
+          <a:fillRef idx="2">
+            <a:schemeClr val="dk1"/>
+          </a:fillRef>
+          <a:effectRef idx="1">
+            <a:schemeClr val="dk1"/>
+          </a:effectRef>
+          <a:fontRef idx="minor">
+            <a:schemeClr val="dk1"/>
+          </a:fontRef>
+        </p:style>
+        <p:txBody>
+          <a:bodyPr rtlCol="0" anchor="ctr"/>
+          <a:lstStyle/>
+          <a:p>
+            <a:pPr algn="ctr"/>
+            <a:endParaRPr lang="en-US"/>
+          </a:p>
+        </p:txBody>
+      </p:sp>
+      <p:sp>
+        <p:nvSpPr>
+          <p:cNvPr id="76" name="TextBox 75"/>
+          <p:cNvSpPr txBox="1"/>
+          <p:nvPr/>
+        </p:nvSpPr>
+        <p:spPr>
+          <a:xfrm>
+            <a:off x="20415050" y="13563600"/>
+            <a:ext cx="13832193" cy="1077218"/>
+          </a:xfrm>
+          <a:prstGeom prst="rect">
+            <a:avLst/>
+          </a:prstGeom>
+          <a:noFill/>
+        </p:spPr>
+        <p:txBody>
+          <a:bodyPr wrap="square" rtlCol="0">
+            <a:spAutoFit/>
+          </a:bodyPr>
+          <a:lstStyle/>
+          <a:p>
+            <a:r>
+              <a:rPr lang="en-US" sz="3200" b="1" dirty="0" smtClean="0"/>
+              <a:t>Intuition</a:t>
+            </a:r>
+            <a:r>
+              <a:rPr lang="en-US" sz="3200" dirty="0" smtClean="0"/>
+              <a:t>: Moving objects in the scene leave very different traces than static objects, regardless of camera motion. </a:t>
+            </a:r>
+            <a:endParaRPr lang="en-US" sz="3200" dirty="0"/>
+          </a:p>
+        </p:txBody>
+      </p:sp>
+      <p:sp>
+        <p:nvSpPr>
+          <p:cNvPr id="77" name="Rectangle 76"/>
+          <p:cNvSpPr/>
+          <p:nvPr/>
+        </p:nvSpPr>
+        <p:spPr>
+          <a:xfrm>
+            <a:off x="19202400" y="14768960"/>
+            <a:ext cx="16626867" cy="4599682"/>
+          </a:xfrm>
+          <a:prstGeom prst="rect">
+            <a:avLst/>
+          </a:prstGeom>
+        </p:spPr>
+        <p:style>
+          <a:lnRef idx="1">
+            <a:schemeClr val="accent2"/>
+          </a:lnRef>
+          <a:fillRef idx="2">
+            <a:schemeClr val="accent2"/>
+          </a:fillRef>
+          <a:effectRef idx="1">
+            <a:schemeClr val="accent2"/>
+          </a:effectRef>
+          <a:fontRef idx="minor">
+            <a:schemeClr val="dk1"/>
+          </a:fontRef>
+        </p:style>
+        <p:txBody>
+          <a:bodyPr rtlCol="0" anchor="t" anchorCtr="0"/>
+          <a:lstStyle/>
+          <a:p>
+            <a:pPr algn="ctr"/>
+            <a:r>
+              <a:rPr lang="en-US" sz="3600" b="1" dirty="0" smtClean="0"/>
+              <a:t>Method: </a:t>
+            </a:r>
+            <a:r>
+              <a:rPr lang="en-US" sz="3600" dirty="0" smtClean="0"/>
+              <a:t>Build a model to determine if a pixel in a particular frame represents a moving or static object.  We assume </a:t>
+            </a:r>
+            <a:r>
+              <a:rPr lang="en-US" sz="3600" i="1" dirty="0" smtClean="0"/>
+              <a:t>independence</a:t>
+            </a:r>
+            <a:r>
+              <a:rPr lang="en-US" sz="3600" dirty="0" smtClean="0"/>
+              <a:t> among both pixels and traces.</a:t>
+            </a:r>
+          </a:p>
+        </p:txBody>
+      </p:sp>
+      <mc:AlternateContent xmlns:mc="http://schemas.openxmlformats.org/markup-compatibility/2006" xmlns:a14="http://schemas.microsoft.com/office/drawing/2010/main">
+        <mc:Choice Requires="a14">
+          <p:sp>
+            <p:nvSpPr>
+              <p:cNvPr id="60" name="TextBox 59"/>
+              <p:cNvSpPr txBox="1"/>
+              <p:nvPr/>
+            </p:nvSpPr>
+            <p:spPr>
+              <a:xfrm>
+                <a:off x="20865601" y="16383000"/>
+                <a:ext cx="13365390" cy="1587422"/>
+              </a:xfrm>
+              <a:prstGeom prst="rect">
+                <a:avLst/>
+              </a:prstGeom>
+              <a:noFill/>
+            </p:spPr>
+            <p:txBody>
+              <a:bodyPr wrap="none" rtlCol="0">
+                <a:spAutoFit/>
+              </a:bodyPr>
+              <a:lstStyle/>
+              <a:p>
+                <a:pPr/>
+                <a14:m>
+                  <m:oMathPara xmlns:m="http://schemas.openxmlformats.org/officeDocument/2006/math">
+                    <m:oMathParaPr>
+                      <m:jc m:val="centerGroup"/>
+                    </m:oMathParaPr>
+                    <m:oMath xmlns:m="http://schemas.openxmlformats.org/officeDocument/2006/math">
+                      <m:r>
+                        <a:rPr lang="en-US" sz="4000" b="0" i="1" smtClean="0">
+                          <a:latin typeface="Cambria Math"/>
+                        </a:rPr>
+                        <m:t>𝑃</m:t>
+                      </m:r>
+                      <m:d>
+                        <m:dPr>
+                          <m:ctrlPr>
+                            <a:rPr lang="en-US" sz="4000" b="0" i="1" smtClean="0">
+                              <a:latin typeface="Cambria Math"/>
+                            </a:rPr>
+                          </m:ctrlPr>
+                        </m:dPr>
+                        <m:e>
+                          <m:sSub>
+                            <m:sSubPr>
+                              <m:ctrlPr>
+                                <a:rPr lang="en-US" sz="4000" b="0" i="1" smtClean="0">
+                                  <a:latin typeface="Cambria Math"/>
+                                </a:rPr>
+                              </m:ctrlPr>
+                            </m:sSubPr>
+                            <m:e>
+                              <m:r>
+                                <a:rPr lang="en-US" sz="4000" b="0" i="1" smtClean="0">
+                                  <a:latin typeface="Cambria Math"/>
+                                </a:rPr>
+                                <m:t>𝑠</m:t>
+                              </m:r>
+                            </m:e>
+                            <m:sub>
+                              <m:r>
+                                <a:rPr lang="en-US" sz="4000" b="0" i="1" smtClean="0">
+                                  <a:latin typeface="Cambria Math"/>
+                                </a:rPr>
+                                <m:t>𝑖</m:t>
+                              </m:r>
+                            </m:sub>
+                          </m:sSub>
+                          <m:r>
+                            <a:rPr lang="en-US" sz="4000" b="0" i="1" smtClean="0">
+                              <a:latin typeface="Cambria Math"/>
+                            </a:rPr>
+                            <m:t>,</m:t>
+                          </m:r>
+                          <m:sSub>
+                            <m:sSubPr>
+                              <m:ctrlPr>
+                                <a:rPr lang="en-US" sz="4000" b="0" i="1" smtClean="0">
+                                  <a:latin typeface="Cambria Math"/>
+                                </a:rPr>
+                              </m:ctrlPr>
+                            </m:sSubPr>
+                            <m:e>
+                              <m:r>
+                                <a:rPr lang="en-US" sz="4000" b="0" i="1" smtClean="0">
+                                  <a:latin typeface="Cambria Math"/>
+                                </a:rPr>
+                                <m:t>𝑥</m:t>
+                              </m:r>
+                            </m:e>
+                            <m:sub>
+                              <m:r>
+                                <a:rPr lang="en-US" sz="4000" b="0" i="1" smtClean="0">
+                                  <a:latin typeface="Cambria Math"/>
+                                </a:rPr>
+                                <m:t>𝑖</m:t>
+                              </m:r>
+                            </m:sub>
+                          </m:sSub>
+                          <m:r>
+                            <a:rPr lang="en-US" sz="4000" b="0" i="1" smtClean="0">
+                              <a:latin typeface="Cambria Math"/>
+                            </a:rPr>
+                            <m:t>,</m:t>
+                          </m:r>
+                          <m:sSub>
+                            <m:sSubPr>
+                              <m:ctrlPr>
+                                <a:rPr lang="en-US" sz="4000" b="0" i="1" smtClean="0">
+                                  <a:latin typeface="Cambria Math"/>
+                                </a:rPr>
+                              </m:ctrlPr>
+                            </m:sSubPr>
+                            <m:e>
+                              <m:r>
+                                <a:rPr lang="en-US" sz="4000" b="0" i="1" smtClean="0">
+                                  <a:latin typeface="Cambria Math"/>
+                                </a:rPr>
+                                <m:t>𝑦</m:t>
+                              </m:r>
+                            </m:e>
+                            <m:sub>
+                              <m:r>
+                                <a:rPr lang="en-US" sz="4000" b="0" i="1" smtClean="0">
+                                  <a:latin typeface="Cambria Math"/>
+                                </a:rPr>
+                                <m:t>𝑖</m:t>
+                              </m:r>
+                            </m:sub>
+                          </m:sSub>
+                        </m:e>
+                        <m:e>
+                          <m:r>
+                            <a:rPr lang="en-US" sz="4000" b="0" i="1" smtClean="0">
+                              <a:latin typeface="Cambria Math"/>
+                            </a:rPr>
+                            <m:t>𝑝𝑖𝑥𝑒</m:t>
+                          </m:r>
+                          <m:sSub>
+                            <m:sSubPr>
+                              <m:ctrlPr>
+                                <a:rPr lang="en-US" sz="4000" b="0" i="1" smtClean="0">
+                                  <a:latin typeface="Cambria Math"/>
+                                </a:rPr>
+                              </m:ctrlPr>
+                            </m:sSubPr>
+                            <m:e>
+                              <m:r>
+                                <a:rPr lang="en-US" sz="4000" b="0" i="1" smtClean="0">
+                                  <a:latin typeface="Cambria Math"/>
+                                </a:rPr>
+                                <m:t>𝑙</m:t>
+                              </m:r>
+                            </m:e>
+                            <m:sub>
+                              <m:r>
+                                <a:rPr lang="en-US" sz="4000" b="0" i="1" smtClean="0">
+                                  <a:latin typeface="Cambria Math"/>
+                                </a:rPr>
+                                <m:t>𝑗</m:t>
+                              </m:r>
+                            </m:sub>
+                          </m:sSub>
+                          <m:r>
+                            <a:rPr lang="en-US" sz="4000" b="0" i="1" smtClean="0">
+                              <a:latin typeface="Cambria Math"/>
+                            </a:rPr>
+                            <m:t>=</m:t>
+                          </m:r>
+                          <m:r>
+                            <m:rPr>
+                              <m:sty m:val="p"/>
+                            </m:rPr>
+                            <a:rPr lang="en-US" sz="4000" b="0" i="0" smtClean="0">
+                              <a:latin typeface="Cambria Math"/>
+                            </a:rPr>
+                            <m:t>moving</m:t>
+                          </m:r>
+                        </m:e>
+                      </m:d>
+                      <m:r>
+                        <a:rPr lang="en-US" sz="4000" b="0" i="1" smtClean="0">
+                          <a:latin typeface="Cambria Math"/>
+                        </a:rPr>
+                        <m:t>=</m:t>
+                      </m:r>
+                      <m:f>
+                        <m:fPr>
+                          <m:ctrlPr>
+                            <a:rPr lang="en-US" sz="4000" b="0" i="1" smtClean="0">
+                              <a:latin typeface="Cambria Math"/>
+                            </a:rPr>
+                          </m:ctrlPr>
+                        </m:fPr>
+                        <m:num>
+                          <m:r>
+                            <a:rPr lang="en-US" sz="4000" b="0" i="1" smtClean="0">
+                              <a:latin typeface="Cambria Math"/>
+                            </a:rPr>
+                            <m:t>1</m:t>
+                          </m:r>
+                        </m:num>
+                        <m:den>
+                          <m:r>
+                            <a:rPr lang="en-US" sz="4000" b="0" i="1" smtClean="0">
+                              <a:latin typeface="Cambria Math"/>
+                            </a:rPr>
+                            <m:t>1+</m:t>
+                          </m:r>
+                          <m:sSup>
+                            <m:sSupPr>
+                              <m:ctrlPr>
+                                <a:rPr lang="en-US" sz="4000" b="0" i="1" smtClean="0">
+                                  <a:latin typeface="Cambria Math"/>
+                                </a:rPr>
+                              </m:ctrlPr>
+                            </m:sSupPr>
+                            <m:e>
+                              <m:r>
+                                <a:rPr lang="en-US" sz="4000" b="0" i="1" smtClean="0">
+                                  <a:latin typeface="Cambria Math"/>
+                                </a:rPr>
+                                <m:t>𝑒</m:t>
+                              </m:r>
+                            </m:e>
+                            <m:sup>
+                              <m:r>
+                                <a:rPr lang="en-US" sz="4000" b="0" i="1" smtClean="0">
+                                  <a:latin typeface="Cambria Math"/>
+                                </a:rPr>
+                                <m:t>−</m:t>
+                              </m:r>
+                              <m:sSub>
+                                <m:sSubPr>
+                                  <m:ctrlPr>
+                                    <a:rPr lang="en-US" sz="4000" b="0" i="1" smtClean="0">
+                                      <a:latin typeface="Cambria Math"/>
+                                    </a:rPr>
+                                  </m:ctrlPr>
+                                </m:sSubPr>
+                                <m:e>
+                                  <m:r>
+                                    <a:rPr lang="en-US" sz="4000" b="0" i="1" smtClean="0">
+                                      <a:latin typeface="Cambria Math"/>
+                                    </a:rPr>
+                                    <m:t>(</m:t>
+                                  </m:r>
+                                  <m:r>
+                                    <a:rPr lang="en-US" sz="4000" b="0" i="1" smtClean="0">
+                                      <a:latin typeface="Cambria Math"/>
+                                    </a:rPr>
+                                    <m:t>𝑠</m:t>
+                                  </m:r>
+                                </m:e>
+                                <m:sub>
+                                  <m:r>
+                                    <a:rPr lang="en-US" sz="4000" b="0" i="1" smtClean="0">
+                                      <a:latin typeface="Cambria Math"/>
+                                    </a:rPr>
+                                    <m:t>𝑖</m:t>
+                                  </m:r>
+                                </m:sub>
+                              </m:sSub>
+                              <m:r>
+                                <a:rPr lang="en-US" sz="4000" b="0" i="1" smtClean="0">
+                                  <a:latin typeface="Cambria Math"/>
+                                </a:rPr>
+                                <m:t>−</m:t>
+                              </m:r>
+                              <m:r>
+                                <m:rPr>
+                                  <m:sty m:val="p"/>
+                                </m:rPr>
+                                <a:rPr lang="el-GR" sz="4000" b="0" i="1" smtClean="0">
+                                  <a:latin typeface="Cambria Math"/>
+                                </a:rPr>
+                                <m:t>β</m:t>
+                              </m:r>
+                              <m:r>
+                                <a:rPr lang="en-US" sz="4000" b="0" i="1" smtClean="0">
+                                  <a:latin typeface="Cambria Math"/>
+                                </a:rPr>
+                                <m:t>)</m:t>
+                              </m:r>
+                            </m:sup>
+                          </m:sSup>
+                        </m:den>
+                      </m:f>
+                      <m:sSup>
+                        <m:sSupPr>
+                          <m:ctrlPr>
+                            <a:rPr lang="en-US" sz="4000" b="0" i="1" smtClean="0">
+                              <a:latin typeface="Cambria Math"/>
+                            </a:rPr>
+                          </m:ctrlPr>
+                        </m:sSupPr>
+                        <m:e>
+                          <m:r>
+                            <a:rPr lang="en-US" sz="4000" b="0" i="1" smtClean="0">
+                              <a:latin typeface="Cambria Math"/>
+                            </a:rPr>
+                            <m:t>𝑒</m:t>
+                          </m:r>
+                        </m:e>
+                        <m:sup>
+                          <m:r>
+                            <a:rPr lang="en-US" sz="4000" b="0" i="1" smtClean="0">
+                              <a:latin typeface="Cambria Math"/>
+                            </a:rPr>
+                            <m:t>−</m:t>
+                          </m:r>
+                          <m:f>
+                            <m:fPr>
+                              <m:ctrlPr>
+                                <a:rPr lang="en-US" sz="4000" b="0" i="1" smtClean="0">
+                                  <a:latin typeface="Cambria Math"/>
+                                </a:rPr>
+                              </m:ctrlPr>
+                            </m:fPr>
+                            <m:num>
+                              <m:sSup>
+                                <m:sSupPr>
+                                  <m:ctrlPr>
+                                    <a:rPr lang="en-US" sz="4000" b="0" i="1" smtClean="0">
+                                      <a:latin typeface="Cambria Math"/>
+                                    </a:rPr>
+                                  </m:ctrlPr>
+                                </m:sSupPr>
+                                <m:e>
+                                  <m:d>
+                                    <m:dPr>
+                                      <m:begChr m:val="|"/>
+                                      <m:endChr m:val="|"/>
+                                      <m:ctrlPr>
+                                        <a:rPr lang="en-US" sz="4000" b="0" i="1" smtClean="0">
+                                          <a:latin typeface="Cambria Math"/>
+                                        </a:rPr>
+                                      </m:ctrlPr>
+                                    </m:dPr>
+                                    <m:e>
+                                      <m:d>
+                                        <m:dPr>
+                                          <m:ctrlPr>
+                                            <a:rPr lang="en-US" sz="4000" b="0" i="1" smtClean="0">
+                                              <a:latin typeface="Cambria Math"/>
+                                            </a:rPr>
+                                          </m:ctrlPr>
+                                        </m:dPr>
+                                        <m:e>
+                                          <m:sSub>
+                                            <m:sSubPr>
+                                              <m:ctrlPr>
+                                                <a:rPr lang="en-US" sz="4000" b="0" i="1" smtClean="0">
+                                                  <a:latin typeface="Cambria Math"/>
+                                                </a:rPr>
+                                              </m:ctrlPr>
+                                            </m:sSubPr>
+                                            <m:e>
+                                              <m:r>
+                                                <a:rPr lang="en-US" sz="4000" b="0" i="1" smtClean="0">
+                                                  <a:latin typeface="Cambria Math"/>
+                                                </a:rPr>
+                                                <m:t>𝑥</m:t>
+                                              </m:r>
+                                            </m:e>
+                                            <m:sub>
+                                              <m:r>
+                                                <a:rPr lang="en-US" sz="4000" b="0" i="1" smtClean="0">
+                                                  <a:latin typeface="Cambria Math"/>
+                                                </a:rPr>
+                                                <m:t>𝑖</m:t>
+                                              </m:r>
+                                            </m:sub>
+                                          </m:sSub>
+                                          <m:r>
+                                            <a:rPr lang="en-US" sz="4000" b="0" i="1" smtClean="0">
+                                              <a:latin typeface="Cambria Math"/>
+                                            </a:rPr>
+                                            <m:t>,</m:t>
+                                          </m:r>
+                                          <m:sSub>
+                                            <m:sSubPr>
+                                              <m:ctrlPr>
+                                                <a:rPr lang="en-US" sz="4000" b="0" i="1" smtClean="0">
+                                                  <a:latin typeface="Cambria Math"/>
+                                                </a:rPr>
+                                              </m:ctrlPr>
+                                            </m:sSubPr>
+                                            <m:e>
+                                              <m:r>
+                                                <a:rPr lang="en-US" sz="4000" b="0" i="1" smtClean="0">
+                                                  <a:latin typeface="Cambria Math"/>
+                                                </a:rPr>
+                                                <m:t>𝑦</m:t>
+                                              </m:r>
+                                            </m:e>
+                                            <m:sub>
+                                              <m:r>
+                                                <a:rPr lang="en-US" sz="4000" b="0" i="1" smtClean="0">
+                                                  <a:latin typeface="Cambria Math"/>
+                                                </a:rPr>
+                                                <m:t>𝑖</m:t>
+                                              </m:r>
+                                            </m:sub>
+                                          </m:sSub>
+                                        </m:e>
+                                      </m:d>
+                                      <m:r>
+                                        <a:rPr lang="en-US" sz="4000" b="0" i="1" smtClean="0">
+                                          <a:latin typeface="Cambria Math"/>
+                                        </a:rPr>
+                                        <m:t>−</m:t>
+                                      </m:r>
+                                      <m:r>
+                                        <a:rPr lang="en-US" sz="4000" b="0" i="1" smtClean="0">
+                                          <a:latin typeface="Cambria Math"/>
+                                        </a:rPr>
+                                        <m:t>𝑝𝑖𝑥𝑒</m:t>
+                                      </m:r>
+                                      <m:sSub>
+                                        <m:sSubPr>
+                                          <m:ctrlPr>
+                                            <a:rPr lang="en-US" sz="4000" b="0" i="1" smtClean="0">
+                                              <a:latin typeface="Cambria Math"/>
+                                            </a:rPr>
+                                          </m:ctrlPr>
+                                        </m:sSubPr>
+                                        <m:e>
+                                          <m:r>
+                                            <a:rPr lang="en-US" sz="4000" b="0" i="1" smtClean="0">
+                                              <a:latin typeface="Cambria Math"/>
+                                            </a:rPr>
+                                            <m:t>𝑙</m:t>
+                                          </m:r>
+                                        </m:e>
+                                        <m:sub>
+                                          <m:r>
+                                            <a:rPr lang="en-US" sz="4000" b="0" i="1" smtClean="0">
+                                              <a:latin typeface="Cambria Math"/>
+                                            </a:rPr>
+                                            <m:t>𝑗</m:t>
+                                          </m:r>
+                                        </m:sub>
+                                      </m:sSub>
+                                    </m:e>
+                                  </m:d>
+                                </m:e>
+                                <m:sup>
+                                  <m:r>
+                                    <a:rPr lang="en-US" sz="4000" b="0" i="1" smtClean="0">
+                                      <a:latin typeface="Cambria Math"/>
+                                    </a:rPr>
+                                    <m:t>2</m:t>
+                                  </m:r>
+                                </m:sup>
+                              </m:sSup>
+                            </m:num>
+                            <m:den>
+                              <m:sSub>
+                                <m:sSubPr>
+                                  <m:ctrlPr>
+                                    <a:rPr lang="en-US" sz="4000" b="0" i="1" smtClean="0">
+                                      <a:latin typeface="Cambria Math"/>
+                                    </a:rPr>
+                                  </m:ctrlPr>
+                                </m:sSubPr>
+                                <m:e>
+                                  <m:r>
+                                    <m:rPr>
+                                      <m:sty m:val="p"/>
+                                    </m:rPr>
+                                    <a:rPr lang="el-GR" sz="4000" b="0" i="1" smtClean="0">
+                                      <a:latin typeface="Cambria Math"/>
+                                    </a:rPr>
+                                    <m:t>α</m:t>
+                                  </m:r>
+                                </m:e>
+                                <m:sub>
+                                  <m:r>
+                                    <a:rPr lang="en-US" sz="4000" b="0" i="1" smtClean="0">
+                                      <a:latin typeface="Cambria Math"/>
+                                    </a:rPr>
+                                    <m:t>1</m:t>
+                                  </m:r>
+                                </m:sub>
+                              </m:sSub>
+                            </m:den>
+                          </m:f>
+                        </m:sup>
+                      </m:sSup>
+                    </m:oMath>
+                  </m:oMathPara>
+                </a14:m>
+                <a:endParaRPr lang="en-US" sz="4000" dirty="0"/>
+              </a:p>
+            </p:txBody>
+          </p:sp>
+        </mc:Choice>
+        <mc:Fallback xmlns="">
+          <p:sp>
+            <p:nvSpPr>
+              <p:cNvPr id="60" name="TextBox 59"/>
+              <p:cNvSpPr txBox="1">
+                <a:spLocks noRot="1" noChangeAspect="1" noMove="1" noResize="1" noEditPoints="1" noAdjustHandles="1" noChangeArrowheads="1" noChangeShapeType="1" noTextEdit="1"/>
+              </p:cNvSpPr>
+              <p:nvPr/>
+            </p:nvSpPr>
+            <p:spPr>
+              <a:xfrm>
+                <a:off x="20865601" y="16383000"/>
+                <a:ext cx="13365390" cy="1587422"/>
+              </a:xfrm>
+              <a:prstGeom prst="rect">
+                <a:avLst/>
+              </a:prstGeom>
+              <a:blipFill rotWithShape="1">
+                <a:blip r:embed="rId14"/>
+                <a:stretch>
+                  <a:fillRect/>
+                </a:stretch>
+              </a:blipFill>
+            </p:spPr>
+            <p:txBody>
+              <a:bodyPr/>
+              <a:lstStyle/>
+              <a:p>
+                <a:r>
+                  <a:rPr lang="en-US">
+                    <a:noFill/>
+                  </a:rPr>
+                  <a:t> </a:t>
+                </a:r>
+              </a:p>
+            </p:txBody>
+          </p:sp>
+        </mc:Fallback>
+      </mc:AlternateContent>
+      <mc:AlternateContent xmlns:mc="http://schemas.openxmlformats.org/markup-compatibility/2006" xmlns:a14="http://schemas.microsoft.com/office/drawing/2010/main">
+        <mc:Choice Requires="a14">
+          <p:sp>
+            <p:nvSpPr>
+              <p:cNvPr id="62" name="TextBox 61"/>
+              <p:cNvSpPr txBox="1"/>
+              <p:nvPr/>
+            </p:nvSpPr>
+            <p:spPr>
+              <a:xfrm>
+                <a:off x="22226850" y="15925800"/>
+                <a:ext cx="9368655" cy="707886"/>
+              </a:xfrm>
+              <a:prstGeom prst="rect">
+                <a:avLst/>
+              </a:prstGeom>
+              <a:noFill/>
+            </p:spPr>
+            <p:txBody>
+              <a:bodyPr wrap="none" rtlCol="0">
+                <a:spAutoFit/>
+              </a:bodyPr>
+              <a:lstStyle/>
+              <a:p>
+                <a:pPr/>
+                <a14:m>
+                  <m:oMathPara xmlns:m="http://schemas.openxmlformats.org/officeDocument/2006/math">
+                    <m:oMathParaPr>
+                      <m:jc m:val="centerGroup"/>
+                    </m:oMathParaPr>
+                    <m:oMath xmlns:m="http://schemas.openxmlformats.org/officeDocument/2006/math">
+                      <m:sSub>
+                        <m:sSubPr>
+                          <m:ctrlPr>
+                            <a:rPr lang="en-US" sz="4000" b="0" i="1" smtClean="0">
+                              <a:latin typeface="Cambria Math"/>
+                            </a:rPr>
+                          </m:ctrlPr>
+                        </m:sSubPr>
+                        <m:e>
+                          <m:r>
+                            <a:rPr lang="en-US" sz="4000" b="0" i="1" smtClean="0">
+                              <a:latin typeface="Cambria Math"/>
+                            </a:rPr>
+                            <m:t>𝑠</m:t>
+                          </m:r>
+                        </m:e>
+                        <m:sub>
+                          <m:r>
+                            <a:rPr lang="en-US" sz="4000" b="0" i="1" smtClean="0">
+                              <a:latin typeface="Cambria Math"/>
+                            </a:rPr>
+                            <m:t>𝑖</m:t>
+                          </m:r>
+                        </m:sub>
+                      </m:sSub>
+                      <m:r>
+                        <a:rPr lang="en-US" sz="4000" b="0" i="1" smtClean="0">
+                          <a:latin typeface="Cambria Math"/>
+                        </a:rPr>
+                        <m:t>=</m:t>
+                      </m:r>
+                      <m:r>
+                        <m:rPr>
+                          <m:sty m:val="p"/>
+                        </m:rPr>
+                        <a:rPr lang="en-US" sz="4000" b="0" i="0" smtClean="0">
+                          <a:latin typeface="Cambria Math"/>
+                        </a:rPr>
+                        <m:t>Movement</m:t>
+                      </m:r>
+                      <m:r>
+                        <a:rPr lang="en-US" sz="4000" b="0" i="0" smtClean="0">
+                          <a:latin typeface="Cambria Math"/>
+                        </a:rPr>
+                        <m:t>  </m:t>
+                      </m:r>
+                      <m:r>
+                        <m:rPr>
+                          <m:sty m:val="p"/>
+                        </m:rPr>
+                        <a:rPr lang="en-US" sz="4000" b="0" i="0" smtClean="0">
+                          <a:latin typeface="Cambria Math"/>
+                        </a:rPr>
+                        <m:t>Score</m:t>
+                      </m:r>
+                      <m:r>
+                        <a:rPr lang="en-US" sz="4000" b="0" i="0" smtClean="0">
+                          <a:latin typeface="Cambria Math"/>
+                        </a:rPr>
+                        <m:t> </m:t>
+                      </m:r>
+                      <m:r>
+                        <m:rPr>
+                          <m:sty m:val="p"/>
+                        </m:rPr>
+                        <a:rPr lang="en-US" sz="4000" b="0" i="0" smtClean="0">
+                          <a:latin typeface="Cambria Math"/>
+                        </a:rPr>
+                        <m:t>derived</m:t>
+                      </m:r>
+                      <m:r>
+                        <a:rPr lang="en-US" sz="4000" b="0" i="0" smtClean="0">
+                          <a:latin typeface="Cambria Math"/>
+                        </a:rPr>
+                        <m:t> </m:t>
+                      </m:r>
+                      <m:r>
+                        <m:rPr>
+                          <m:sty m:val="p"/>
+                        </m:rPr>
+                        <a:rPr lang="en-US" sz="4000" b="0" i="0" smtClean="0">
+                          <a:latin typeface="Cambria Math"/>
+                        </a:rPr>
+                        <m:t>from</m:t>
+                      </m:r>
+                      <m:r>
+                        <a:rPr lang="en-US" sz="4000" b="0" i="0" smtClean="0">
+                          <a:latin typeface="Cambria Math"/>
+                        </a:rPr>
+                        <m:t> </m:t>
+                      </m:r>
+                      <m:r>
+                        <m:rPr>
+                          <m:sty m:val="p"/>
+                        </m:rPr>
+                        <a:rPr lang="en-US" sz="4000" b="0" i="0" smtClean="0">
+                          <a:latin typeface="Cambria Math"/>
+                        </a:rPr>
+                        <m:t>GMM</m:t>
+                      </m:r>
+                    </m:oMath>
+                  </m:oMathPara>
+                </a14:m>
+                <a:endParaRPr lang="en-US" sz="4000" dirty="0"/>
+              </a:p>
+            </p:txBody>
+          </p:sp>
+        </mc:Choice>
+        <mc:Fallback xmlns="">
+          <p:sp>
+            <p:nvSpPr>
+              <p:cNvPr id="62" name="TextBox 61"/>
+              <p:cNvSpPr txBox="1">
+                <a:spLocks noRot="1" noChangeAspect="1" noMove="1" noResize="1" noEditPoints="1" noAdjustHandles="1" noChangeArrowheads="1" noChangeShapeType="1" noTextEdit="1"/>
+              </p:cNvSpPr>
+              <p:nvPr/>
+            </p:nvSpPr>
+            <p:spPr>
+              <a:xfrm>
+                <a:off x="22226850" y="15925800"/>
+                <a:ext cx="9368655" cy="707886"/>
+              </a:xfrm>
+              <a:prstGeom prst="rect">
+                <a:avLst/>
+              </a:prstGeom>
+              <a:blipFill rotWithShape="1">
+                <a:blip r:embed="rId15"/>
+                <a:stretch>
+                  <a:fillRect/>
+                </a:stretch>
+              </a:blipFill>
+            </p:spPr>
+            <p:txBody>
+              <a:bodyPr/>
+              <a:lstStyle/>
+              <a:p>
+                <a:r>
+                  <a:rPr lang="en-US">
+                    <a:noFill/>
+                  </a:rPr>
+                  <a:t> </a:t>
+                </a:r>
+              </a:p>
+            </p:txBody>
+          </p:sp>
+        </mc:Fallback>
+      </mc:AlternateContent>
+      <mc:AlternateContent xmlns:mc="http://schemas.openxmlformats.org/markup-compatibility/2006" xmlns:a14="http://schemas.microsoft.com/office/drawing/2010/main">
+        <mc:Choice Requires="a14">
+          <p:sp>
+            <p:nvSpPr>
+              <p:cNvPr id="80" name="TextBox 79"/>
+              <p:cNvSpPr txBox="1"/>
+              <p:nvPr/>
+            </p:nvSpPr>
+            <p:spPr>
+              <a:xfrm>
+                <a:off x="21335503" y="17722889"/>
+                <a:ext cx="12911740" cy="1587422"/>
+              </a:xfrm>
+              <a:prstGeom prst="rect">
+                <a:avLst/>
+              </a:prstGeom>
+              <a:noFill/>
+            </p:spPr>
+            <p:txBody>
+              <a:bodyPr wrap="none" rtlCol="0">
+                <a:spAutoFit/>
+              </a:bodyPr>
+              <a:lstStyle/>
+              <a:p>
+                <a:pPr/>
+                <a14:m>
+                  <m:oMathPara xmlns:m="http://schemas.openxmlformats.org/officeDocument/2006/math">
+                    <m:oMathParaPr>
+                      <m:jc m:val="centerGroup"/>
+                    </m:oMathParaPr>
+                    <m:oMath xmlns:m="http://schemas.openxmlformats.org/officeDocument/2006/math">
+                      <m:r>
+                        <a:rPr lang="en-US" sz="4000" b="0" i="1" smtClean="0">
+                          <a:latin typeface="Cambria Math"/>
+                        </a:rPr>
+                        <m:t>𝑃</m:t>
+                      </m:r>
+                      <m:d>
+                        <m:dPr>
+                          <m:ctrlPr>
+                            <a:rPr lang="en-US" sz="4000" b="0" i="1" smtClean="0">
+                              <a:latin typeface="Cambria Math"/>
+                            </a:rPr>
+                          </m:ctrlPr>
+                        </m:dPr>
+                        <m:e>
+                          <m:sSub>
+                            <m:sSubPr>
+                              <m:ctrlPr>
+                                <a:rPr lang="en-US" sz="4000" b="0" i="1" smtClean="0">
+                                  <a:latin typeface="Cambria Math"/>
+                                </a:rPr>
+                              </m:ctrlPr>
+                            </m:sSubPr>
+                            <m:e>
+                              <m:r>
+                                <a:rPr lang="en-US" sz="4000" b="0" i="1" smtClean="0">
+                                  <a:latin typeface="Cambria Math"/>
+                                </a:rPr>
+                                <m:t>𝑠</m:t>
+                              </m:r>
+                            </m:e>
+                            <m:sub>
+                              <m:r>
+                                <a:rPr lang="en-US" sz="4000" b="0" i="1" smtClean="0">
+                                  <a:latin typeface="Cambria Math"/>
+                                </a:rPr>
+                                <m:t>𝑖</m:t>
+                              </m:r>
+                            </m:sub>
+                          </m:sSub>
+                          <m:r>
+                            <a:rPr lang="en-US" sz="4000" b="0" i="1" smtClean="0">
+                              <a:latin typeface="Cambria Math"/>
+                            </a:rPr>
+                            <m:t>,</m:t>
+                          </m:r>
+                          <m:sSub>
+                            <m:sSubPr>
+                              <m:ctrlPr>
+                                <a:rPr lang="en-US" sz="4000" b="0" i="1" smtClean="0">
+                                  <a:latin typeface="Cambria Math"/>
+                                </a:rPr>
+                              </m:ctrlPr>
+                            </m:sSubPr>
+                            <m:e>
+                              <m:r>
+                                <a:rPr lang="en-US" sz="4000" b="0" i="1" smtClean="0">
+                                  <a:latin typeface="Cambria Math"/>
+                                </a:rPr>
+                                <m:t>𝑥</m:t>
+                              </m:r>
+                            </m:e>
+                            <m:sub>
+                              <m:r>
+                                <a:rPr lang="en-US" sz="4000" b="0" i="1" smtClean="0">
+                                  <a:latin typeface="Cambria Math"/>
+                                </a:rPr>
+                                <m:t>𝑖</m:t>
+                              </m:r>
+                            </m:sub>
+                          </m:sSub>
+                          <m:r>
+                            <a:rPr lang="en-US" sz="4000" b="0" i="1" smtClean="0">
+                              <a:latin typeface="Cambria Math"/>
+                            </a:rPr>
+                            <m:t>,</m:t>
+                          </m:r>
+                          <m:sSub>
+                            <m:sSubPr>
+                              <m:ctrlPr>
+                                <a:rPr lang="en-US" sz="4000" b="0" i="1" smtClean="0">
+                                  <a:latin typeface="Cambria Math"/>
+                                </a:rPr>
+                              </m:ctrlPr>
+                            </m:sSubPr>
+                            <m:e>
+                              <m:r>
+                                <a:rPr lang="en-US" sz="4000" b="0" i="1" smtClean="0">
+                                  <a:latin typeface="Cambria Math"/>
+                                </a:rPr>
+                                <m:t>𝑦</m:t>
+                              </m:r>
+                            </m:e>
+                            <m:sub>
+                              <m:r>
+                                <a:rPr lang="en-US" sz="4000" b="0" i="1" smtClean="0">
+                                  <a:latin typeface="Cambria Math"/>
+                                </a:rPr>
+                                <m:t>𝑖</m:t>
+                              </m:r>
+                            </m:sub>
+                          </m:sSub>
+                        </m:e>
+                        <m:e>
+                          <m:r>
+                            <a:rPr lang="en-US" sz="4000" b="0" i="1" smtClean="0">
+                              <a:latin typeface="Cambria Math"/>
+                            </a:rPr>
+                            <m:t>𝑝𝑖𝑥𝑒</m:t>
+                          </m:r>
+                          <m:sSub>
+                            <m:sSubPr>
+                              <m:ctrlPr>
+                                <a:rPr lang="en-US" sz="4000" b="0" i="1" smtClean="0">
+                                  <a:latin typeface="Cambria Math"/>
+                                </a:rPr>
+                              </m:ctrlPr>
+                            </m:sSubPr>
+                            <m:e>
+                              <m:r>
+                                <a:rPr lang="en-US" sz="4000" b="0" i="1" smtClean="0">
+                                  <a:latin typeface="Cambria Math"/>
+                                </a:rPr>
+                                <m:t>𝑙</m:t>
+                              </m:r>
+                            </m:e>
+                            <m:sub>
+                              <m:r>
+                                <a:rPr lang="en-US" sz="4000" b="0" i="1" smtClean="0">
+                                  <a:latin typeface="Cambria Math"/>
+                                </a:rPr>
+                                <m:t>𝑗</m:t>
+                              </m:r>
+                            </m:sub>
+                          </m:sSub>
+                          <m:r>
+                            <a:rPr lang="en-US" sz="4000" b="0" i="1" smtClean="0">
+                              <a:latin typeface="Cambria Math"/>
+                            </a:rPr>
+                            <m:t>=</m:t>
+                          </m:r>
+                          <m:r>
+                            <m:rPr>
+                              <m:sty m:val="p"/>
+                            </m:rPr>
+                            <a:rPr lang="en-US" sz="4000" b="0" i="0" smtClean="0">
+                              <a:latin typeface="Cambria Math"/>
+                            </a:rPr>
+                            <m:t>static</m:t>
+                          </m:r>
+                        </m:e>
+                      </m:d>
+                      <m:r>
+                        <a:rPr lang="en-US" sz="4000" b="0" i="1" smtClean="0">
+                          <a:latin typeface="Cambria Math"/>
+                        </a:rPr>
+                        <m:t>=</m:t>
+                      </m:r>
+                      <m:f>
+                        <m:fPr>
+                          <m:ctrlPr>
+                            <a:rPr lang="en-US" sz="4000" b="0" i="1" smtClean="0">
+                              <a:latin typeface="Cambria Math"/>
+                            </a:rPr>
+                          </m:ctrlPr>
+                        </m:fPr>
+                        <m:num>
+                          <m:sSup>
+                            <m:sSupPr>
+                              <m:ctrlPr>
+                                <a:rPr lang="en-US" sz="4000" b="0" i="1" smtClean="0">
+                                  <a:latin typeface="Cambria Math"/>
+                                </a:rPr>
+                              </m:ctrlPr>
+                            </m:sSupPr>
+                            <m:e>
+                              <m:r>
+                                <a:rPr lang="en-US" sz="4000" b="0" i="1" smtClean="0">
+                                  <a:latin typeface="Cambria Math"/>
+                                </a:rPr>
+                                <m:t>𝑒</m:t>
+                              </m:r>
+                            </m:e>
+                            <m:sup>
+                              <m:r>
+                                <a:rPr lang="en-US" sz="4000" b="0" i="1" smtClean="0">
+                                  <a:latin typeface="Cambria Math"/>
+                                </a:rPr>
+                                <m:t>−</m:t>
+                              </m:r>
+                              <m:sSub>
+                                <m:sSubPr>
+                                  <m:ctrlPr>
+                                    <a:rPr lang="en-US" sz="4000" b="0" i="1" smtClean="0">
+                                      <a:latin typeface="Cambria Math"/>
+                                    </a:rPr>
+                                  </m:ctrlPr>
+                                </m:sSubPr>
+                                <m:e>
+                                  <m:r>
+                                    <a:rPr lang="en-US" sz="4000" b="0" i="1" smtClean="0">
+                                      <a:latin typeface="Cambria Math"/>
+                                    </a:rPr>
+                                    <m:t>(</m:t>
+                                  </m:r>
+                                  <m:r>
+                                    <a:rPr lang="en-US" sz="4000" b="0" i="1" smtClean="0">
+                                      <a:latin typeface="Cambria Math"/>
+                                    </a:rPr>
+                                    <m:t>𝑠</m:t>
+                                  </m:r>
+                                </m:e>
+                                <m:sub>
+                                  <m:r>
+                                    <a:rPr lang="en-US" sz="4000" b="0" i="1" smtClean="0">
+                                      <a:latin typeface="Cambria Math"/>
+                                    </a:rPr>
+                                    <m:t>𝑖</m:t>
+                                  </m:r>
+                                </m:sub>
+                              </m:sSub>
+                              <m:r>
+                                <a:rPr lang="en-US" sz="4000" b="0" i="1" smtClean="0">
+                                  <a:latin typeface="Cambria Math"/>
+                                </a:rPr>
+                                <m:t>−</m:t>
+                              </m:r>
+                              <m:r>
+                                <m:rPr>
+                                  <m:sty m:val="p"/>
+                                </m:rPr>
+                                <a:rPr lang="el-GR" sz="4000" b="0" i="1" smtClean="0">
+                                  <a:latin typeface="Cambria Math"/>
+                                </a:rPr>
+                                <m:t>β</m:t>
+                              </m:r>
+                              <m:r>
+                                <a:rPr lang="en-US" sz="4000" b="0" i="1" smtClean="0">
+                                  <a:latin typeface="Cambria Math"/>
+                                </a:rPr>
+                                <m:t>)</m:t>
+                              </m:r>
+                            </m:sup>
+                          </m:sSup>
+                        </m:num>
+                        <m:den>
+                          <m:r>
+                            <a:rPr lang="en-US" sz="4000" b="0" i="1" smtClean="0">
+                              <a:latin typeface="Cambria Math"/>
+                            </a:rPr>
+                            <m:t>1+</m:t>
+                          </m:r>
+                          <m:sSup>
+                            <m:sSupPr>
+                              <m:ctrlPr>
+                                <a:rPr lang="en-US" sz="4000" b="0" i="1" smtClean="0">
+                                  <a:latin typeface="Cambria Math"/>
+                                </a:rPr>
+                              </m:ctrlPr>
+                            </m:sSupPr>
+                            <m:e>
+                              <m:r>
+                                <a:rPr lang="en-US" sz="4000" b="0" i="1" smtClean="0">
+                                  <a:latin typeface="Cambria Math"/>
+                                </a:rPr>
+                                <m:t>𝑒</m:t>
+                              </m:r>
+                            </m:e>
+                            <m:sup>
+                              <m:r>
+                                <a:rPr lang="en-US" sz="4000" b="0" i="1" smtClean="0">
+                                  <a:latin typeface="Cambria Math"/>
+                                </a:rPr>
+                                <m:t>−</m:t>
+                              </m:r>
+                              <m:sSub>
+                                <m:sSubPr>
+                                  <m:ctrlPr>
+                                    <a:rPr lang="en-US" sz="4000" b="0" i="1" smtClean="0">
+                                      <a:latin typeface="Cambria Math"/>
+                                    </a:rPr>
+                                  </m:ctrlPr>
+                                </m:sSubPr>
+                                <m:e>
+                                  <m:r>
+                                    <a:rPr lang="en-US" sz="4000" b="0" i="1" smtClean="0">
+                                      <a:latin typeface="Cambria Math"/>
+                                    </a:rPr>
+                                    <m:t>(</m:t>
+                                  </m:r>
+                                  <m:r>
+                                    <a:rPr lang="en-US" sz="4000" b="0" i="1" smtClean="0">
+                                      <a:latin typeface="Cambria Math"/>
+                                    </a:rPr>
+                                    <m:t>𝑠</m:t>
+                                  </m:r>
+                                </m:e>
+                                <m:sub>
+                                  <m:r>
+                                    <a:rPr lang="en-US" sz="4000" b="0" i="1" smtClean="0">
+                                      <a:latin typeface="Cambria Math"/>
+                                    </a:rPr>
+                                    <m:t>𝑖</m:t>
+                                  </m:r>
+                                </m:sub>
+                              </m:sSub>
+                              <m:r>
+                                <a:rPr lang="en-US" sz="4000" b="0" i="1" smtClean="0">
+                                  <a:latin typeface="Cambria Math"/>
+                                </a:rPr>
+                                <m:t>−</m:t>
+                              </m:r>
+                              <m:r>
+                                <m:rPr>
+                                  <m:sty m:val="p"/>
+                                </m:rPr>
+                                <a:rPr lang="el-GR" sz="4000" b="0" i="1" smtClean="0">
+                                  <a:latin typeface="Cambria Math"/>
+                                </a:rPr>
+                                <m:t>β</m:t>
+                              </m:r>
+                              <m:r>
+                                <a:rPr lang="en-US" sz="4000" b="0" i="1" smtClean="0">
+                                  <a:latin typeface="Cambria Math"/>
+                                </a:rPr>
+                                <m:t>)</m:t>
+                              </m:r>
+                            </m:sup>
+                          </m:sSup>
+                        </m:den>
+                      </m:f>
+                      <m:sSup>
+                        <m:sSupPr>
+                          <m:ctrlPr>
+                            <a:rPr lang="en-US" sz="4000" b="0" i="1" smtClean="0">
+                              <a:latin typeface="Cambria Math"/>
+                            </a:rPr>
+                          </m:ctrlPr>
+                        </m:sSupPr>
+                        <m:e>
+                          <m:r>
+                            <a:rPr lang="en-US" sz="4000" b="0" i="1" smtClean="0">
+                              <a:latin typeface="Cambria Math"/>
+                            </a:rPr>
+                            <m:t>𝑒</m:t>
+                          </m:r>
+                        </m:e>
+                        <m:sup>
+                          <m:r>
+                            <a:rPr lang="en-US" sz="4000" b="0" i="1" smtClean="0">
+                              <a:latin typeface="Cambria Math"/>
+                            </a:rPr>
+                            <m:t>−</m:t>
+                          </m:r>
+                          <m:f>
+                            <m:fPr>
+                              <m:ctrlPr>
+                                <a:rPr lang="en-US" sz="4000" b="0" i="1" smtClean="0">
+                                  <a:latin typeface="Cambria Math"/>
+                                </a:rPr>
+                              </m:ctrlPr>
+                            </m:fPr>
+                            <m:num>
+                              <m:sSup>
+                                <m:sSupPr>
+                                  <m:ctrlPr>
+                                    <a:rPr lang="en-US" sz="4000" b="0" i="1" smtClean="0">
+                                      <a:latin typeface="Cambria Math"/>
+                                    </a:rPr>
+                                  </m:ctrlPr>
+                                </m:sSupPr>
+                                <m:e>
+                                  <m:d>
+                                    <m:dPr>
+                                      <m:begChr m:val="|"/>
+                                      <m:endChr m:val="|"/>
+                                      <m:ctrlPr>
+                                        <a:rPr lang="en-US" sz="4000" b="0" i="1" smtClean="0">
+                                          <a:latin typeface="Cambria Math"/>
+                                        </a:rPr>
+                                      </m:ctrlPr>
+                                    </m:dPr>
+                                    <m:e>
+                                      <m:d>
+                                        <m:dPr>
+                                          <m:ctrlPr>
+                                            <a:rPr lang="en-US" sz="4000" b="0" i="1" smtClean="0">
+                                              <a:latin typeface="Cambria Math"/>
+                                            </a:rPr>
+                                          </m:ctrlPr>
+                                        </m:dPr>
+                                        <m:e>
+                                          <m:sSub>
+                                            <m:sSubPr>
+                                              <m:ctrlPr>
+                                                <a:rPr lang="en-US" sz="4000" b="0" i="1" smtClean="0">
+                                                  <a:latin typeface="Cambria Math"/>
+                                                </a:rPr>
+                                              </m:ctrlPr>
+                                            </m:sSubPr>
+                                            <m:e>
+                                              <m:r>
+                                                <a:rPr lang="en-US" sz="4000" b="0" i="1" smtClean="0">
+                                                  <a:latin typeface="Cambria Math"/>
+                                                </a:rPr>
+                                                <m:t>𝑥</m:t>
+                                              </m:r>
+                                            </m:e>
+                                            <m:sub>
+                                              <m:r>
+                                                <a:rPr lang="en-US" sz="4000" b="0" i="1" smtClean="0">
+                                                  <a:latin typeface="Cambria Math"/>
+                                                </a:rPr>
+                                                <m:t>𝑖</m:t>
+                                              </m:r>
+                                            </m:sub>
+                                          </m:sSub>
+                                          <m:r>
+                                            <a:rPr lang="en-US" sz="4000" b="0" i="1" smtClean="0">
+                                              <a:latin typeface="Cambria Math"/>
+                                            </a:rPr>
+                                            <m:t>,</m:t>
+                                          </m:r>
+                                          <m:sSub>
+                                            <m:sSubPr>
+                                              <m:ctrlPr>
+                                                <a:rPr lang="en-US" sz="4000" b="0" i="1" smtClean="0">
+                                                  <a:latin typeface="Cambria Math"/>
+                                                </a:rPr>
+                                              </m:ctrlPr>
+                                            </m:sSubPr>
+                                            <m:e>
+                                              <m:r>
+                                                <a:rPr lang="en-US" sz="4000" b="0" i="1" smtClean="0">
+                                                  <a:latin typeface="Cambria Math"/>
+                                                </a:rPr>
+                                                <m:t>𝑦</m:t>
+                                              </m:r>
+                                            </m:e>
+                                            <m:sub>
+                                              <m:r>
+                                                <a:rPr lang="en-US" sz="4000" b="0" i="1" smtClean="0">
+                                                  <a:latin typeface="Cambria Math"/>
+                                                </a:rPr>
+                                                <m:t>𝑖</m:t>
+                                              </m:r>
+                                            </m:sub>
+                                          </m:sSub>
+                                        </m:e>
+                                      </m:d>
+                                      <m:r>
+                                        <a:rPr lang="en-US" sz="4000" b="0" i="1" smtClean="0">
+                                          <a:latin typeface="Cambria Math"/>
+                                        </a:rPr>
+                                        <m:t>−</m:t>
+                                      </m:r>
+                                      <m:r>
+                                        <a:rPr lang="en-US" sz="4000" b="0" i="1" smtClean="0">
+                                          <a:latin typeface="Cambria Math"/>
+                                        </a:rPr>
+                                        <m:t>𝑝𝑖𝑥𝑒</m:t>
+                                      </m:r>
+                                      <m:sSub>
+                                        <m:sSubPr>
+                                          <m:ctrlPr>
+                                            <a:rPr lang="en-US" sz="4000" b="0" i="1" smtClean="0">
+                                              <a:latin typeface="Cambria Math"/>
+                                            </a:rPr>
+                                          </m:ctrlPr>
+                                        </m:sSubPr>
+                                        <m:e>
+                                          <m:r>
+                                            <a:rPr lang="en-US" sz="4000" b="0" i="1" smtClean="0">
+                                              <a:latin typeface="Cambria Math"/>
+                                            </a:rPr>
+                                            <m:t>𝑙</m:t>
+                                          </m:r>
+                                        </m:e>
+                                        <m:sub>
+                                          <m:r>
+                                            <a:rPr lang="en-US" sz="4000" b="0" i="1" smtClean="0">
+                                              <a:latin typeface="Cambria Math"/>
+                                            </a:rPr>
+                                            <m:t>𝑗</m:t>
+                                          </m:r>
+                                        </m:sub>
+                                      </m:sSub>
+                                    </m:e>
+                                  </m:d>
+                                </m:e>
+                                <m:sup>
+                                  <m:r>
+                                    <a:rPr lang="en-US" sz="4000" b="0" i="1" smtClean="0">
+                                      <a:latin typeface="Cambria Math"/>
+                                    </a:rPr>
+                                    <m:t>2</m:t>
+                                  </m:r>
+                                </m:sup>
+                              </m:sSup>
+                            </m:num>
+                            <m:den>
+                              <m:sSub>
+                                <m:sSubPr>
+                                  <m:ctrlPr>
+                                    <a:rPr lang="en-US" sz="4000" b="0" i="1" smtClean="0">
+                                      <a:latin typeface="Cambria Math"/>
+                                    </a:rPr>
+                                  </m:ctrlPr>
+                                </m:sSubPr>
+                                <m:e>
+                                  <m:r>
+                                    <m:rPr>
+                                      <m:sty m:val="p"/>
+                                    </m:rPr>
+                                    <a:rPr lang="el-GR" sz="4000" b="0" i="1" smtClean="0">
+                                      <a:latin typeface="Cambria Math"/>
+                                    </a:rPr>
+                                    <m:t>α</m:t>
+                                  </m:r>
+                                </m:e>
+                                <m:sub>
+                                  <m:r>
+                                    <a:rPr lang="en-US" sz="4000" b="0" i="1" smtClean="0">
+                                      <a:latin typeface="Cambria Math"/>
+                                    </a:rPr>
+                                    <m:t>1</m:t>
+                                  </m:r>
+                                </m:sub>
+                              </m:sSub>
+                            </m:den>
+                          </m:f>
+                        </m:sup>
+                      </m:sSup>
+                    </m:oMath>
+                  </m:oMathPara>
+                </a14:m>
+                <a:endParaRPr lang="en-US" sz="4000" dirty="0"/>
+              </a:p>
+            </p:txBody>
+          </p:sp>
+        </mc:Choice>
+        <mc:Fallback xmlns="">
+          <p:sp>
+            <p:nvSpPr>
+              <p:cNvPr id="80" name="TextBox 79"/>
+              <p:cNvSpPr txBox="1">
+                <a:spLocks noRot="1" noChangeAspect="1" noMove="1" noResize="1" noEditPoints="1" noAdjustHandles="1" noChangeArrowheads="1" noChangeShapeType="1" noTextEdit="1"/>
+              </p:cNvSpPr>
+              <p:nvPr/>
+            </p:nvSpPr>
+            <p:spPr>
+              <a:xfrm>
+                <a:off x="21335503" y="17722889"/>
+                <a:ext cx="12911740" cy="1587422"/>
+              </a:xfrm>
+              <a:prstGeom prst="rect">
+                <a:avLst/>
+              </a:prstGeom>
+              <a:blipFill rotWithShape="1">
+                <a:blip r:embed="rId16"/>
+                <a:stretch>
+                  <a:fillRect/>
+                </a:stretch>
+              </a:blipFill>
+            </p:spPr>
+            <p:txBody>
+              <a:bodyPr/>
+              <a:lstStyle/>
+              <a:p>
+                <a:r>
+                  <a:rPr lang="en-US">
+                    <a:noFill/>
+                  </a:rPr>
+                  <a:t> </a:t>
+                </a:r>
+              </a:p>
+            </p:txBody>
+          </p:sp>
+        </mc:Fallback>
+      </mc:AlternateContent>
+      <p:sp>
+        <p:nvSpPr>
+          <p:cNvPr id="81" name="Right Arrow 80"/>
+          <p:cNvSpPr/>
+          <p:nvPr/>
+        </p:nvSpPr>
+        <p:spPr>
+          <a:xfrm>
+            <a:off x="26003083" y="7772400"/>
+            <a:ext cx="3200400" cy="778857"/>
+          </a:xfrm>
+          <a:prstGeom prst="rightArrow">
+            <a:avLst/>
+          </a:prstGeom>
+        </p:spPr>
+        <p:style>
+          <a:lnRef idx="2">
+            <a:schemeClr val="accent1">
+              <a:shade val="50000"/>
+            </a:schemeClr>
+          </a:lnRef>
+          <a:fillRef idx="1">
+            <a:schemeClr val="accent1"/>
+          </a:fillRef>
+          <a:effectRef idx="0">
+            <a:schemeClr val="accent1"/>
+          </a:effectRef>
+          <a:fontRef idx="minor">
+            <a:schemeClr val="lt1"/>
+          </a:fontRef>
+        </p:style>
+        <p:txBody>
+          <a:bodyPr rtlCol="0" anchor="ctr"/>
+          <a:lstStyle/>
+          <a:p>
+            <a:pPr algn="ctr"/>
+            <a:endParaRPr lang="en-US"/>
+          </a:p>
+        </p:txBody>
+      </p:sp>
+      <p:sp>
+        <p:nvSpPr>
+          <p:cNvPr id="82" name="Right Arrow 81"/>
+          <p:cNvSpPr/>
+          <p:nvPr/>
+        </p:nvSpPr>
+        <p:spPr>
+          <a:xfrm rot="5400000">
+            <a:off x="30677737" y="6303215"/>
+            <a:ext cx="1549912" cy="778857"/>
+          </a:xfrm>
+          <a:prstGeom prst="rightArrow">
+            <a:avLst/>
+          </a:prstGeom>
+        </p:spPr>
+        <p:style>
+          <a:lnRef idx="2">
+            <a:schemeClr val="accent1">
+              <a:shade val="50000"/>
+            </a:schemeClr>
+          </a:lnRef>
+          <a:fillRef idx="1">
+            <a:schemeClr val="accent1"/>
+          </a:fillRef>
+          <a:effectRef idx="0">
+            <a:schemeClr val="accent1"/>
+          </a:effectRef>
+          <a:fontRef idx="minor">
+            <a:schemeClr val="lt1"/>
+          </a:fontRef>
+        </p:style>
+        <p:txBody>
+          <a:bodyPr rtlCol="0" anchor="ctr"/>
+          <a:lstStyle/>
+          <a:p>
+            <a:pPr algn="ctr"/>
+            <a:endParaRPr lang="en-US"/>
+          </a:p>
+        </p:txBody>
+      </p:sp>
+      <p:sp>
+        <p:nvSpPr>
+          <p:cNvPr id="61" name="Right Arrow 60"/>
+          <p:cNvSpPr/>
+          <p:nvPr/>
+        </p:nvSpPr>
+        <p:spPr>
+          <a:xfrm>
+            <a:off x="14546825" y="7256245"/>
+            <a:ext cx="5526712" cy="778857"/>
+          </a:xfrm>
+          <a:prstGeom prst="rightArrow">
+            <a:avLst/>
+          </a:prstGeom>
+        </p:spPr>
+        <p:style>
+          <a:lnRef idx="2">
+            <a:schemeClr val="accent1">
+              <a:shade val="50000"/>
+            </a:schemeClr>
+          </a:lnRef>
+          <a:fillRef idx="1">
+            <a:schemeClr val="accent1"/>
+          </a:fillRef>
+          <a:effectRef idx="0">
+            <a:schemeClr val="accent1"/>
+          </a:effectRef>
+          <a:fontRef idx="minor">
+            <a:schemeClr val="lt1"/>
+          </a:fontRef>
+        </p:style>
+        <p:txBody>
+          <a:bodyPr rtlCol="0" anchor="ctr"/>
+          <a:lstStyle/>
+          <a:p>
+            <a:pPr algn="ctr"/>
+            <a:endParaRPr lang="en-US"/>
+          </a:p>
+        </p:txBody>
+      </p:sp>
+      <p:sp>
+        <p:nvSpPr>
+          <p:cNvPr id="63" name="TextBox 62"/>
+          <p:cNvSpPr txBox="1"/>
+          <p:nvPr/>
+        </p:nvSpPr>
+        <p:spPr>
+          <a:xfrm>
+            <a:off x="14782800" y="7934980"/>
+            <a:ext cx="4800599" cy="523220"/>
+          </a:xfrm>
+          <a:prstGeom prst="rect">
+            <a:avLst/>
+          </a:prstGeom>
+          <a:noFill/>
+        </p:spPr>
+        <p:txBody>
+          <a:bodyPr wrap="square" rtlCol="0">
+            <a:spAutoFit/>
+          </a:bodyPr>
+          <a:lstStyle/>
+          <a:p>
+            <a:r>
+              <a:rPr lang="en-US" sz="2800" dirty="0" smtClean="0"/>
+              <a:t>Take 1-step differentials in time.</a:t>
+            </a:r>
+            <a:endParaRPr lang="en-US" sz="2800" dirty="0"/>
+          </a:p>
+        </p:txBody>
+      </p:sp>
+      <p:pic>
+        <p:nvPicPr>
+          <p:cNvPr id="1026" name="Picture 2" descr="C:\Users\nfeltman\Desktop\MLPROJECT\CMU-10-701-Project\poster_images\hotel-traces.png"/>
+          <p:cNvPicPr>
+            <a:picLocks noChangeAspect="1" noChangeArrowheads="1"/>
+          </p:cNvPicPr>
+          <p:nvPr/>
+        </p:nvPicPr>
+        <p:blipFill rotWithShape="1">
+          <a:blip r:embed="rId17">
+            <a:extLst>
+              <a:ext uri="{28A0092B-C50C-407E-A947-70E740481C1C}">
+                <a14:useLocalDpi xmlns:a14="http://schemas.microsoft.com/office/drawing/2010/main" val="0"/>
+              </a:ext>
+            </a:extLst>
+          </a:blip>
+          <a:srcRect l="10979" t="5040" r="10763" b="9386"/>
+          <a:stretch/>
+        </p:blipFill>
+        <p:spPr bwMode="auto">
+          <a:xfrm>
+            <a:off x="15432741" y="4326391"/>
+            <a:ext cx="3236259" cy="2985248"/>
+          </a:xfrm>
+          <a:prstGeom prst="rect">
+            <a:avLst/>
+          </a:prstGeom>
+          <a:noFill/>
+          <a:extLst>
+            <a:ext uri="{909E8E84-426E-40DD-AFC4-6F175D3DCCD1}">
+              <a14:hiddenFill xmlns:a14="http://schemas.microsoft.com/office/drawing/2010/main">
+                <a:solidFill>
+                  <a:srgbClr val="FFFFFF"/>
+                </a:solidFill>
+              </a14:hiddenFill>
+            </a:ext>
+          </a:extLst>
+        </p:spPr>
+      </p:pic>
+      <p:sp>
+        <p:nvSpPr>
+          <p:cNvPr id="64" name="TextBox 63"/>
+          <p:cNvSpPr txBox="1"/>
+          <p:nvPr/>
+        </p:nvSpPr>
+        <p:spPr>
+          <a:xfrm>
+            <a:off x="31918323" y="5867400"/>
+            <a:ext cx="3133677" cy="1815882"/>
+          </a:xfrm>
+          <a:prstGeom prst="rect">
+            <a:avLst/>
+          </a:prstGeom>
+          <a:noFill/>
+        </p:spPr>
+        <p:txBody>
+          <a:bodyPr wrap="square" rtlCol="0">
+            <a:spAutoFit/>
+          </a:bodyPr>
+          <a:lstStyle/>
+          <a:p>
+            <a:r>
+              <a:rPr lang="en-US" sz="2800" dirty="0" smtClean="0"/>
+              <a:t>Take average over 100 runs, randomized by GMM initialization.</a:t>
+            </a:r>
+            <a:endParaRPr lang="en-US" sz="2800" dirty="0"/>
+          </a:p>
+        </p:txBody>
+      </p:sp>
+      <p:sp>
+        <p:nvSpPr>
+          <p:cNvPr id="65" name="TextBox 64"/>
+          <p:cNvSpPr txBox="1"/>
+          <p:nvPr/>
+        </p:nvSpPr>
+        <p:spPr>
+          <a:xfrm>
+            <a:off x="26128815" y="5294293"/>
+            <a:ext cx="3208185" cy="954107"/>
+          </a:xfrm>
+          <a:prstGeom prst="rect">
+            <a:avLst/>
+          </a:prstGeom>
+          <a:noFill/>
+        </p:spPr>
+        <p:txBody>
+          <a:bodyPr wrap="square" rtlCol="0">
+            <a:spAutoFit/>
+          </a:bodyPr>
+          <a:lstStyle/>
+          <a:p>
+            <a:r>
+              <a:rPr lang="en-US" sz="2800" dirty="0" smtClean="0"/>
+              <a:t>P points in 2(F-1) dimensions.</a:t>
+            </a:r>
+            <a:endParaRPr lang="en-US" sz="2800" dirty="0"/>
+          </a:p>
+        </p:txBody>
+      </p:sp>
+      <p:sp>
+        <p:nvSpPr>
+          <p:cNvPr id="67" name="TextBox 66"/>
+          <p:cNvSpPr txBox="1"/>
+          <p:nvPr/>
+        </p:nvSpPr>
+        <p:spPr>
+          <a:xfrm>
+            <a:off x="19024334" y="27736800"/>
+            <a:ext cx="8483866" cy="1107996"/>
+          </a:xfrm>
+          <a:prstGeom prst="rect">
+            <a:avLst/>
+          </a:prstGeom>
+          <a:noFill/>
+        </p:spPr>
+        <p:txBody>
+          <a:bodyPr wrap="square" rtlCol="0">
+            <a:spAutoFit/>
+          </a:bodyPr>
+          <a:lstStyle/>
+          <a:p>
+            <a:r>
+              <a:rPr lang="en-US" sz="2200" dirty="0" smtClean="0"/>
+              <a:t>C. </a:t>
+            </a:r>
+            <a:r>
+              <a:rPr lang="en-US" sz="2200" dirty="0" err="1" smtClean="0"/>
+              <a:t>Tomasi</a:t>
+            </a:r>
+            <a:r>
+              <a:rPr lang="en-US" sz="2200" dirty="0" smtClean="0"/>
+              <a:t>, T. </a:t>
+            </a:r>
+            <a:r>
+              <a:rPr lang="en-US" sz="2200" dirty="0" err="1" smtClean="0"/>
+              <a:t>Kanade</a:t>
+            </a:r>
+            <a:r>
+              <a:rPr lang="en-US" sz="2200" dirty="0" smtClean="0"/>
+              <a:t>.  </a:t>
+            </a:r>
+            <a:r>
+              <a:rPr lang="en-US" sz="2200" u="sng" dirty="0" smtClean="0"/>
+              <a:t>Detection and Tracking of Point Features</a:t>
+            </a:r>
+            <a:r>
+              <a:rPr lang="en-US" sz="2200" dirty="0" smtClean="0"/>
+              <a:t>. 1991.</a:t>
+            </a:r>
+          </a:p>
+          <a:p>
+            <a:r>
+              <a:rPr lang="en-US" sz="2200" dirty="0" smtClean="0"/>
+              <a:t>B. Lucas, T. </a:t>
+            </a:r>
+            <a:r>
+              <a:rPr lang="en-US" sz="2200" dirty="0" err="1" smtClean="0"/>
+              <a:t>Kanade</a:t>
+            </a:r>
+            <a:r>
+              <a:rPr lang="en-US" sz="2200" dirty="0" smtClean="0"/>
+              <a:t>. </a:t>
+            </a:r>
+            <a:r>
+              <a:rPr lang="en-US" sz="2200" u="sng" dirty="0" smtClean="0"/>
+              <a:t>An Iterative Image Registration Technique with an Application to Stereo Vision</a:t>
+            </a:r>
+            <a:r>
+              <a:rPr lang="en-US" sz="2200" dirty="0" smtClean="0"/>
+              <a:t>.  1981.</a:t>
+            </a:r>
+          </a:p>
+        </p:txBody>
+      </p:sp>
+      <p:sp>
+        <p:nvSpPr>
+          <p:cNvPr id="69" name="TextBox 68"/>
+          <p:cNvSpPr txBox="1"/>
+          <p:nvPr/>
+        </p:nvSpPr>
+        <p:spPr>
+          <a:xfrm>
+            <a:off x="27355799" y="27736800"/>
+            <a:ext cx="7439527" cy="769441"/>
+          </a:xfrm>
+          <a:prstGeom prst="rect">
+            <a:avLst/>
+          </a:prstGeom>
+          <a:noFill/>
+        </p:spPr>
+        <p:txBody>
+          <a:bodyPr wrap="square" rtlCol="0">
+            <a:spAutoFit/>
+          </a:bodyPr>
+          <a:lstStyle/>
+          <a:p>
+            <a:r>
+              <a:rPr lang="en-US" sz="2200" dirty="0" smtClean="0"/>
+              <a:t>Code:  http</a:t>
+            </a:r>
+            <a:r>
+              <a:rPr lang="en-US" sz="2200" dirty="0"/>
+              <a:t>://</a:t>
+            </a:r>
+            <a:r>
+              <a:rPr lang="en-US" sz="2200" dirty="0" smtClean="0"/>
+              <a:t>note.sonots.com/SciSoftware/Factorization.html</a:t>
+            </a:r>
+          </a:p>
+          <a:p>
+            <a:r>
+              <a:rPr lang="en-US" sz="2200" dirty="0"/>
+              <a:t>KLT Code: http://www.ces.clemson.edu/~stb/klt/</a:t>
+            </a:r>
+            <a:endParaRPr lang="en-US" sz="2200" dirty="0"/>
+          </a:p>
+        </p:txBody>
+      </p:sp>
+      <p:sp>
+        <p:nvSpPr>
+          <p:cNvPr id="71" name="TextBox 70"/>
+          <p:cNvSpPr txBox="1"/>
+          <p:nvPr/>
+        </p:nvSpPr>
+        <p:spPr>
+          <a:xfrm>
+            <a:off x="11716986" y="13822740"/>
+            <a:ext cx="5593195" cy="1569660"/>
+          </a:xfrm>
+          <a:prstGeom prst="rect">
+            <a:avLst/>
+          </a:prstGeom>
+          <a:noFill/>
+        </p:spPr>
+        <p:txBody>
+          <a:bodyPr wrap="square" rtlCol="0">
+            <a:spAutoFit/>
+          </a:bodyPr>
+          <a:lstStyle/>
+          <a:p>
+            <a:pPr algn="ctr"/>
+            <a:r>
+              <a:rPr lang="en-US" sz="3200" dirty="0" smtClean="0"/>
+              <a:t>SVD can be used to recover feature location and camera movement.</a:t>
+            </a:r>
+            <a:endParaRPr lang="en-US" sz="3200" dirty="0"/>
+          </a:p>
+        </p:txBody>
+      </p:sp>
     </p:spTree>
     <p:extLst>
       <p:ext uri="{BB962C8B-B14F-4D97-AF65-F5344CB8AC3E}">
